--- a/java/ppt/1회차 - 객체와 클래스.pptx
+++ b/java/ppt/1회차 - 객체와 클래스.pptx
@@ -6,10 +6,10 @@
     <p:sldMasterId id="2147483741" r:id="rId2"/>
   </p:sldMasterIdLst>
   <p:notesMasterIdLst>
-    <p:notesMasterId r:id="rId20"/>
+    <p:notesMasterId r:id="rId23"/>
   </p:notesMasterIdLst>
   <p:handoutMasterIdLst>
-    <p:handoutMasterId r:id="rId21"/>
+    <p:handoutMasterId r:id="rId24"/>
   </p:handoutMasterIdLst>
   <p:sldIdLst>
     <p:sldId id="715" r:id="rId3"/>
@@ -17,18 +17,21 @@
     <p:sldId id="716" r:id="rId5"/>
     <p:sldId id="717" r:id="rId6"/>
     <p:sldId id="718" r:id="rId7"/>
-    <p:sldId id="719" r:id="rId8"/>
-    <p:sldId id="720" r:id="rId9"/>
-    <p:sldId id="721" r:id="rId10"/>
-    <p:sldId id="722" r:id="rId11"/>
-    <p:sldId id="723" r:id="rId12"/>
-    <p:sldId id="724" r:id="rId13"/>
-    <p:sldId id="725" r:id="rId14"/>
-    <p:sldId id="727" r:id="rId15"/>
-    <p:sldId id="728" r:id="rId16"/>
-    <p:sldId id="729" r:id="rId17"/>
-    <p:sldId id="730" r:id="rId18"/>
-    <p:sldId id="726" r:id="rId19"/>
+    <p:sldId id="732" r:id="rId8"/>
+    <p:sldId id="719" r:id="rId9"/>
+    <p:sldId id="733" r:id="rId10"/>
+    <p:sldId id="734" r:id="rId11"/>
+    <p:sldId id="720" r:id="rId12"/>
+    <p:sldId id="721" r:id="rId13"/>
+    <p:sldId id="735" r:id="rId14"/>
+    <p:sldId id="724" r:id="rId15"/>
+    <p:sldId id="723" r:id="rId16"/>
+    <p:sldId id="725" r:id="rId17"/>
+    <p:sldId id="727" r:id="rId18"/>
+    <p:sldId id="728" r:id="rId19"/>
+    <p:sldId id="729" r:id="rId20"/>
+    <p:sldId id="730" r:id="rId21"/>
+    <p:sldId id="726" r:id="rId22"/>
   </p:sldIdLst>
   <p:sldSz cx="12192000" cy="6858000"/>
   <p:notesSz cx="6858000" cy="9144000"/>
@@ -298,7 +301,7 @@
             <a:fld id="{EA33B4B9-AFB0-43EB-82AF-ED70AC262E4F}" type="datetimeFigureOut">
               <a:rPr lang="en-US" smtClean="0"/>
               <a:pPr/>
-              <a:t>9/3/2015</a:t>
+              <a:t>9/7/2015</a:t>
             </a:fld>
             <a:endParaRPr lang="en-US"/>
           </a:p>
@@ -466,7 +469,7 @@
             <a:fld id="{3D31E77A-DD07-4A76-801D-B4BF4990C412}" type="datetimeFigureOut">
               <a:rPr lang="en-US" smtClean="0"/>
               <a:pPr/>
-              <a:t>9/3/2015</a:t>
+              <a:t>9/7/2015</a:t>
             </a:fld>
             <a:endParaRPr lang="en-US"/>
           </a:p>
@@ -912,7 +915,7 @@
     </p:spTree>
     <p:extLst>
       <p:ext uri="{BB962C8B-B14F-4D97-AF65-F5344CB8AC3E}">
-        <p14:creationId xmlns:p14="http://schemas.microsoft.com/office/powerpoint/2010/main" val="3163469794"/>
+        <p14:creationId xmlns:p14="http://schemas.microsoft.com/office/powerpoint/2010/main" val="608487507"/>
       </p:ext>
     </p:extLst>
   </p:cSld>
@@ -1005,7 +1008,7 @@
     </p:spTree>
     <p:extLst>
       <p:ext uri="{BB962C8B-B14F-4D97-AF65-F5344CB8AC3E}">
-        <p14:creationId xmlns:p14="http://schemas.microsoft.com/office/powerpoint/2010/main" val="748644681"/>
+        <p14:creationId xmlns:p14="http://schemas.microsoft.com/office/powerpoint/2010/main" val="249425781"/>
       </p:ext>
     </p:extLst>
   </p:cSld>
@@ -1098,7 +1101,7 @@
     </p:spTree>
     <p:extLst>
       <p:ext uri="{BB962C8B-B14F-4D97-AF65-F5344CB8AC3E}">
-        <p14:creationId xmlns:p14="http://schemas.microsoft.com/office/powerpoint/2010/main" val="1805874116"/>
+        <p14:creationId xmlns:p14="http://schemas.microsoft.com/office/powerpoint/2010/main" val="21711140"/>
       </p:ext>
     </p:extLst>
   </p:cSld>
@@ -1191,7 +1194,7 @@
     </p:spTree>
     <p:extLst>
       <p:ext uri="{BB962C8B-B14F-4D97-AF65-F5344CB8AC3E}">
-        <p14:creationId xmlns:p14="http://schemas.microsoft.com/office/powerpoint/2010/main" val="1776605389"/>
+        <p14:creationId xmlns:p14="http://schemas.microsoft.com/office/powerpoint/2010/main" val="748644681"/>
       </p:ext>
     </p:extLst>
   </p:cSld>
@@ -1284,7 +1287,7 @@
     </p:spTree>
     <p:extLst>
       <p:ext uri="{BB962C8B-B14F-4D97-AF65-F5344CB8AC3E}">
-        <p14:creationId xmlns:p14="http://schemas.microsoft.com/office/powerpoint/2010/main" val="3991298610"/>
+        <p14:creationId xmlns:p14="http://schemas.microsoft.com/office/powerpoint/2010/main" val="3163469794"/>
       </p:ext>
     </p:extLst>
   </p:cSld>
@@ -1377,7 +1380,7 @@
     </p:spTree>
     <p:extLst>
       <p:ext uri="{BB962C8B-B14F-4D97-AF65-F5344CB8AC3E}">
-        <p14:creationId xmlns:p14="http://schemas.microsoft.com/office/powerpoint/2010/main" val="3138186354"/>
+        <p14:creationId xmlns:p14="http://schemas.microsoft.com/office/powerpoint/2010/main" val="1805874116"/>
       </p:ext>
     </p:extLst>
   </p:cSld>
@@ -1470,7 +1473,7 @@
     </p:spTree>
     <p:extLst>
       <p:ext uri="{BB962C8B-B14F-4D97-AF65-F5344CB8AC3E}">
-        <p14:creationId xmlns:p14="http://schemas.microsoft.com/office/powerpoint/2010/main" val="2203666402"/>
+        <p14:creationId xmlns:p14="http://schemas.microsoft.com/office/powerpoint/2010/main" val="1776605389"/>
       </p:ext>
     </p:extLst>
   </p:cSld>
@@ -1563,7 +1566,193 @@
     </p:spTree>
     <p:extLst>
       <p:ext uri="{BB962C8B-B14F-4D97-AF65-F5344CB8AC3E}">
-        <p14:creationId xmlns:p14="http://schemas.microsoft.com/office/powerpoint/2010/main" val="1864746675"/>
+        <p14:creationId xmlns:p14="http://schemas.microsoft.com/office/powerpoint/2010/main" val="3991298610"/>
+      </p:ext>
+    </p:extLst>
+  </p:cSld>
+  <p:clrMapOvr>
+    <a:masterClrMapping/>
+  </p:clrMapOvr>
+</p:notes>
+</file>
+
+<file path=ppt/notesSlides/notesSlide18.xml><?xml version="1.0" encoding="utf-8"?>
+<p:notes xmlns:a="http://schemas.openxmlformats.org/drawingml/2006/main" xmlns:r="http://schemas.openxmlformats.org/officeDocument/2006/relationships" xmlns:p="http://schemas.openxmlformats.org/presentationml/2006/main">
+  <p:cSld>
+    <p:spTree>
+      <p:nvGrpSpPr>
+        <p:cNvPr id="1" name=""/>
+        <p:cNvGrpSpPr/>
+        <p:nvPr/>
+      </p:nvGrpSpPr>
+      <p:grpSpPr>
+        <a:xfrm>
+          <a:off x="0" y="0"/>
+          <a:ext cx="0" cy="0"/>
+          <a:chOff x="0" y="0"/>
+          <a:chExt cx="0" cy="0"/>
+        </a:xfrm>
+      </p:grpSpPr>
+      <p:sp>
+        <p:nvSpPr>
+          <p:cNvPr id="2" name="Slide Image Placeholder 1"/>
+          <p:cNvSpPr>
+            <a:spLocks noGrp="1" noRot="1" noChangeAspect="1"/>
+          </p:cNvSpPr>
+          <p:nvPr>
+            <p:ph type="sldImg"/>
+          </p:nvPr>
+        </p:nvSpPr>
+        <p:spPr/>
+      </p:sp>
+      <p:sp>
+        <p:nvSpPr>
+          <p:cNvPr id="3" name="Notes Placeholder 2"/>
+          <p:cNvSpPr>
+            <a:spLocks noGrp="1"/>
+          </p:cNvSpPr>
+          <p:nvPr>
+            <p:ph type="body" idx="1"/>
+          </p:nvPr>
+        </p:nvSpPr>
+        <p:spPr/>
+        <p:txBody>
+          <a:bodyPr/>
+          <a:lstStyle/>
+          <a:p>
+            <a:r>
+              <a:rPr lang="en-US" sz="1200" dirty="0" smtClean="0">
+                <a:solidFill>
+                  <a:prstClr val="black"/>
+                </a:solidFill>
+              </a:rPr>
+              <a:t>© Copyright Showeet.com</a:t>
+            </a:r>
+            <a:endParaRPr lang="en-US" dirty="0"/>
+          </a:p>
+        </p:txBody>
+      </p:sp>
+      <p:sp>
+        <p:nvSpPr>
+          <p:cNvPr id="4" name="Slide Number Placeholder 3"/>
+          <p:cNvSpPr>
+            <a:spLocks noGrp="1"/>
+          </p:cNvSpPr>
+          <p:nvPr>
+            <p:ph type="sldNum" sz="quarter" idx="10"/>
+          </p:nvPr>
+        </p:nvSpPr>
+        <p:spPr/>
+        <p:txBody>
+          <a:bodyPr/>
+          <a:lstStyle/>
+          <a:p>
+            <a:fld id="{2CA3AB2B-189A-4C92-A457-C6A3833631A7}" type="slidenum">
+              <a:rPr lang="en-US" smtClean="0"/>
+              <a:pPr/>
+              <a:t>18</a:t>
+            </a:fld>
+            <a:endParaRPr lang="en-US"/>
+          </a:p>
+        </p:txBody>
+      </p:sp>
+    </p:spTree>
+    <p:extLst>
+      <p:ext uri="{BB962C8B-B14F-4D97-AF65-F5344CB8AC3E}">
+        <p14:creationId xmlns:p14="http://schemas.microsoft.com/office/powerpoint/2010/main" val="3138186354"/>
+      </p:ext>
+    </p:extLst>
+  </p:cSld>
+  <p:clrMapOvr>
+    <a:masterClrMapping/>
+  </p:clrMapOvr>
+</p:notes>
+</file>
+
+<file path=ppt/notesSlides/notesSlide19.xml><?xml version="1.0" encoding="utf-8"?>
+<p:notes xmlns:a="http://schemas.openxmlformats.org/drawingml/2006/main" xmlns:r="http://schemas.openxmlformats.org/officeDocument/2006/relationships" xmlns:p="http://schemas.openxmlformats.org/presentationml/2006/main">
+  <p:cSld>
+    <p:spTree>
+      <p:nvGrpSpPr>
+        <p:cNvPr id="1" name=""/>
+        <p:cNvGrpSpPr/>
+        <p:nvPr/>
+      </p:nvGrpSpPr>
+      <p:grpSpPr>
+        <a:xfrm>
+          <a:off x="0" y="0"/>
+          <a:ext cx="0" cy="0"/>
+          <a:chOff x="0" y="0"/>
+          <a:chExt cx="0" cy="0"/>
+        </a:xfrm>
+      </p:grpSpPr>
+      <p:sp>
+        <p:nvSpPr>
+          <p:cNvPr id="2" name="Slide Image Placeholder 1"/>
+          <p:cNvSpPr>
+            <a:spLocks noGrp="1" noRot="1" noChangeAspect="1"/>
+          </p:cNvSpPr>
+          <p:nvPr>
+            <p:ph type="sldImg"/>
+          </p:nvPr>
+        </p:nvSpPr>
+        <p:spPr/>
+      </p:sp>
+      <p:sp>
+        <p:nvSpPr>
+          <p:cNvPr id="3" name="Notes Placeholder 2"/>
+          <p:cNvSpPr>
+            <a:spLocks noGrp="1"/>
+          </p:cNvSpPr>
+          <p:nvPr>
+            <p:ph type="body" idx="1"/>
+          </p:nvPr>
+        </p:nvSpPr>
+        <p:spPr/>
+        <p:txBody>
+          <a:bodyPr/>
+          <a:lstStyle/>
+          <a:p>
+            <a:r>
+              <a:rPr lang="en-US" sz="1200" dirty="0" smtClean="0">
+                <a:solidFill>
+                  <a:prstClr val="black"/>
+                </a:solidFill>
+              </a:rPr>
+              <a:t>© Copyright Showeet.com</a:t>
+            </a:r>
+            <a:endParaRPr lang="en-US" dirty="0"/>
+          </a:p>
+        </p:txBody>
+      </p:sp>
+      <p:sp>
+        <p:nvSpPr>
+          <p:cNvPr id="4" name="Slide Number Placeholder 3"/>
+          <p:cNvSpPr>
+            <a:spLocks noGrp="1"/>
+          </p:cNvSpPr>
+          <p:nvPr>
+            <p:ph type="sldNum" sz="quarter" idx="10"/>
+          </p:nvPr>
+        </p:nvSpPr>
+        <p:spPr/>
+        <p:txBody>
+          <a:bodyPr/>
+          <a:lstStyle/>
+          <a:p>
+            <a:fld id="{2CA3AB2B-189A-4C92-A457-C6A3833631A7}" type="slidenum">
+              <a:rPr lang="en-US" smtClean="0"/>
+              <a:pPr/>
+              <a:t>19</a:t>
+            </a:fld>
+            <a:endParaRPr lang="en-US"/>
+          </a:p>
+        </p:txBody>
+      </p:sp>
+    </p:spTree>
+    <p:extLst>
+      <p:ext uri="{BB962C8B-B14F-4D97-AF65-F5344CB8AC3E}">
+        <p14:creationId xmlns:p14="http://schemas.microsoft.com/office/powerpoint/2010/main" val="2203666402"/>
       </p:ext>
     </p:extLst>
   </p:cSld>
@@ -1657,6 +1846,99 @@
     <p:extLst>
       <p:ext uri="{BB962C8B-B14F-4D97-AF65-F5344CB8AC3E}">
         <p14:creationId xmlns:p14="http://schemas.microsoft.com/office/powerpoint/2010/main" val="2706289640"/>
+      </p:ext>
+    </p:extLst>
+  </p:cSld>
+  <p:clrMapOvr>
+    <a:masterClrMapping/>
+  </p:clrMapOvr>
+</p:notes>
+</file>
+
+<file path=ppt/notesSlides/notesSlide20.xml><?xml version="1.0" encoding="utf-8"?>
+<p:notes xmlns:a="http://schemas.openxmlformats.org/drawingml/2006/main" xmlns:r="http://schemas.openxmlformats.org/officeDocument/2006/relationships" xmlns:p="http://schemas.openxmlformats.org/presentationml/2006/main">
+  <p:cSld>
+    <p:spTree>
+      <p:nvGrpSpPr>
+        <p:cNvPr id="1" name=""/>
+        <p:cNvGrpSpPr/>
+        <p:nvPr/>
+      </p:nvGrpSpPr>
+      <p:grpSpPr>
+        <a:xfrm>
+          <a:off x="0" y="0"/>
+          <a:ext cx="0" cy="0"/>
+          <a:chOff x="0" y="0"/>
+          <a:chExt cx="0" cy="0"/>
+        </a:xfrm>
+      </p:grpSpPr>
+      <p:sp>
+        <p:nvSpPr>
+          <p:cNvPr id="2" name="Slide Image Placeholder 1"/>
+          <p:cNvSpPr>
+            <a:spLocks noGrp="1" noRot="1" noChangeAspect="1"/>
+          </p:cNvSpPr>
+          <p:nvPr>
+            <p:ph type="sldImg"/>
+          </p:nvPr>
+        </p:nvSpPr>
+        <p:spPr/>
+      </p:sp>
+      <p:sp>
+        <p:nvSpPr>
+          <p:cNvPr id="3" name="Notes Placeholder 2"/>
+          <p:cNvSpPr>
+            <a:spLocks noGrp="1"/>
+          </p:cNvSpPr>
+          <p:nvPr>
+            <p:ph type="body" idx="1"/>
+          </p:nvPr>
+        </p:nvSpPr>
+        <p:spPr/>
+        <p:txBody>
+          <a:bodyPr/>
+          <a:lstStyle/>
+          <a:p>
+            <a:r>
+              <a:rPr lang="en-US" sz="1200" dirty="0" smtClean="0">
+                <a:solidFill>
+                  <a:prstClr val="black"/>
+                </a:solidFill>
+              </a:rPr>
+              <a:t>© Copyright Showeet.com</a:t>
+            </a:r>
+            <a:endParaRPr lang="en-US" dirty="0"/>
+          </a:p>
+        </p:txBody>
+      </p:sp>
+      <p:sp>
+        <p:nvSpPr>
+          <p:cNvPr id="4" name="Slide Number Placeholder 3"/>
+          <p:cNvSpPr>
+            <a:spLocks noGrp="1"/>
+          </p:cNvSpPr>
+          <p:nvPr>
+            <p:ph type="sldNum" sz="quarter" idx="10"/>
+          </p:nvPr>
+        </p:nvSpPr>
+        <p:spPr/>
+        <p:txBody>
+          <a:bodyPr/>
+          <a:lstStyle/>
+          <a:p>
+            <a:fld id="{2CA3AB2B-189A-4C92-A457-C6A3833631A7}" type="slidenum">
+              <a:rPr lang="en-US" smtClean="0"/>
+              <a:pPr/>
+              <a:t>20</a:t>
+            </a:fld>
+            <a:endParaRPr lang="en-US"/>
+          </a:p>
+        </p:txBody>
+      </p:sp>
+    </p:spTree>
+    <p:extLst>
+      <p:ext uri="{BB962C8B-B14F-4D97-AF65-F5344CB8AC3E}">
+        <p14:creationId xmlns:p14="http://schemas.microsoft.com/office/powerpoint/2010/main" val="1864746675"/>
       </p:ext>
     </p:extLst>
   </p:cSld>
@@ -2028,7 +2310,7 @@
     </p:spTree>
     <p:extLst>
       <p:ext uri="{BB962C8B-B14F-4D97-AF65-F5344CB8AC3E}">
-        <p14:creationId xmlns:p14="http://schemas.microsoft.com/office/powerpoint/2010/main" val="915457071"/>
+        <p14:creationId xmlns:p14="http://schemas.microsoft.com/office/powerpoint/2010/main" val="845770896"/>
       </p:ext>
     </p:extLst>
   </p:cSld>
@@ -2121,7 +2403,7 @@
     </p:spTree>
     <p:extLst>
       <p:ext uri="{BB962C8B-B14F-4D97-AF65-F5344CB8AC3E}">
-        <p14:creationId xmlns:p14="http://schemas.microsoft.com/office/powerpoint/2010/main" val="608487507"/>
+        <p14:creationId xmlns:p14="http://schemas.microsoft.com/office/powerpoint/2010/main" val="915457071"/>
       </p:ext>
     </p:extLst>
   </p:cSld>
@@ -2214,7 +2496,7 @@
     </p:spTree>
     <p:extLst>
       <p:ext uri="{BB962C8B-B14F-4D97-AF65-F5344CB8AC3E}">
-        <p14:creationId xmlns:p14="http://schemas.microsoft.com/office/powerpoint/2010/main" val="249425781"/>
+        <p14:creationId xmlns:p14="http://schemas.microsoft.com/office/powerpoint/2010/main" val="755909956"/>
       </p:ext>
     </p:extLst>
   </p:cSld>
@@ -2307,7 +2589,7 @@
     </p:spTree>
     <p:extLst>
       <p:ext uri="{BB962C8B-B14F-4D97-AF65-F5344CB8AC3E}">
-        <p14:creationId xmlns:p14="http://schemas.microsoft.com/office/powerpoint/2010/main" val="381548719"/>
+        <p14:creationId xmlns:p14="http://schemas.microsoft.com/office/powerpoint/2010/main" val="1539819336"/>
       </p:ext>
     </p:extLst>
   </p:cSld>
@@ -37204,12 +37486,12 @@
           <a:lstStyle/>
           <a:p>
             <a:r>
-              <a:rPr lang="ko-KR" altLang="en-US" dirty="0"/>
-              <a:t>생성자란</a:t>
+              <a:rPr lang="ko-KR" altLang="en-US" dirty="0" err="1" smtClean="0"/>
+              <a:t>메소드의</a:t>
             </a:r>
             <a:r>
-              <a:rPr lang="en-US" altLang="ko-KR" dirty="0"/>
-              <a:t>??</a:t>
+              <a:rPr lang="ko-KR" altLang="en-US" dirty="0" smtClean="0"/>
+              <a:t> 정의</a:t>
             </a:r>
             <a:endParaRPr lang="en-US" dirty="0"/>
           </a:p>
@@ -37240,7 +37522,7 @@
       </p:sp>
       <p:pic>
         <p:nvPicPr>
-          <p:cNvPr id="3" name="그림 2"/>
+          <p:cNvPr id="10" name="그림 9"/>
           <p:cNvPicPr>
             <a:picLocks noChangeAspect="1"/>
           </p:cNvPicPr>
@@ -37254,122 +37536,311 @@
         </p:blipFill>
         <p:spPr>
           <a:xfrm>
-            <a:off x="838200" y="1556792"/>
-            <a:ext cx="2226742" cy="1405066"/>
+            <a:off x="3740299" y="2608953"/>
+            <a:ext cx="771525" cy="857250"/>
           </a:xfrm>
           <a:prstGeom prst="rect">
             <a:avLst/>
           </a:prstGeom>
         </p:spPr>
       </p:pic>
-      <p:pic>
-        <p:nvPicPr>
-          <p:cNvPr id="9" name="그림 8"/>
-          <p:cNvPicPr>
-            <a:picLocks noChangeAspect="1"/>
-          </p:cNvPicPr>
+      <p:grpSp>
+        <p:nvGrpSpPr>
+          <p:cNvPr id="2" name="그룹 1"/>
+          <p:cNvGrpSpPr/>
           <p:nvPr/>
-        </p:nvPicPr>
-        <p:blipFill>
-          <a:blip r:embed="rId4"/>
-          <a:stretch>
-            <a:fillRect/>
-          </a:stretch>
-        </p:blipFill>
+        </p:nvGrpSpPr>
+        <p:grpSpPr>
+          <a:xfrm>
+            <a:off x="1580059" y="2420888"/>
+            <a:ext cx="2016224" cy="432048"/>
+            <a:chOff x="1580059" y="2420888"/>
+            <a:chExt cx="2016224" cy="432048"/>
+          </a:xfrm>
+        </p:grpSpPr>
+        <p:sp>
+          <p:nvSpPr>
+            <p:cNvPr id="11" name="TextBox 10"/>
+            <p:cNvSpPr txBox="1"/>
+            <p:nvPr/>
+          </p:nvSpPr>
+          <p:spPr>
+            <a:xfrm>
+              <a:off x="1580059" y="2420888"/>
+              <a:ext cx="646331" cy="369332"/>
+            </a:xfrm>
+            <a:prstGeom prst="rect">
+              <a:avLst/>
+            </a:prstGeom>
+            <a:noFill/>
+          </p:spPr>
+          <p:txBody>
+            <a:bodyPr wrap="none" rtlCol="0">
+              <a:spAutoFit/>
+            </a:bodyPr>
+            <a:lstStyle/>
+            <a:p>
+              <a:r>
+                <a:rPr lang="ko-KR" altLang="en-US" dirty="0" smtClean="0"/>
+                <a:t>냥이</a:t>
+              </a:r>
+              <a:endParaRPr lang="ko-KR" altLang="en-US" dirty="0"/>
+            </a:p>
+          </p:txBody>
+        </p:sp>
+        <p:cxnSp>
+          <p:nvCxnSpPr>
+            <p:cNvPr id="14" name="직선 화살표 연결선 13"/>
+            <p:cNvCxnSpPr>
+              <a:stCxn id="11" idx="3"/>
+            </p:cNvCxnSpPr>
+            <p:nvPr/>
+          </p:nvCxnSpPr>
+          <p:spPr>
+            <a:xfrm>
+              <a:off x="2226390" y="2605554"/>
+              <a:ext cx="1369893" cy="247382"/>
+            </a:xfrm>
+            <a:prstGeom prst="straightConnector1">
+              <a:avLst/>
+            </a:prstGeom>
+            <a:ln w="19050">
+              <a:solidFill>
+                <a:schemeClr val="accent1">
+                  <a:lumMod val="75000"/>
+                </a:schemeClr>
+              </a:solidFill>
+              <a:tailEnd type="triangle"/>
+            </a:ln>
+          </p:spPr>
+          <p:style>
+            <a:lnRef idx="1">
+              <a:schemeClr val="accent1"/>
+            </a:lnRef>
+            <a:fillRef idx="0">
+              <a:schemeClr val="accent1"/>
+            </a:fillRef>
+            <a:effectRef idx="0">
+              <a:schemeClr val="accent1"/>
+            </a:effectRef>
+            <a:fontRef idx="minor">
+              <a:schemeClr val="tx1"/>
+            </a:fontRef>
+          </p:style>
+        </p:cxnSp>
+      </p:grpSp>
+      <p:grpSp>
+        <p:nvGrpSpPr>
+          <p:cNvPr id="3" name="그룹 2"/>
+          <p:cNvGrpSpPr/>
+          <p:nvPr/>
+        </p:nvGrpSpPr>
+        <p:grpSpPr>
+          <a:xfrm>
+            <a:off x="1724075" y="3161269"/>
+            <a:ext cx="1835333" cy="565055"/>
+            <a:chOff x="1724075" y="3161269"/>
+            <a:chExt cx="1835333" cy="565055"/>
+          </a:xfrm>
+        </p:grpSpPr>
+        <p:sp>
+          <p:nvSpPr>
+            <p:cNvPr id="12" name="TextBox 11"/>
+            <p:cNvSpPr txBox="1"/>
+            <p:nvPr/>
+          </p:nvSpPr>
+          <p:spPr>
+            <a:xfrm>
+              <a:off x="1724075" y="3356992"/>
+              <a:ext cx="535724" cy="369332"/>
+            </a:xfrm>
+            <a:prstGeom prst="rect">
+              <a:avLst/>
+            </a:prstGeom>
+            <a:noFill/>
+          </p:spPr>
+          <p:txBody>
+            <a:bodyPr wrap="none" rtlCol="0">
+              <a:spAutoFit/>
+            </a:bodyPr>
+            <a:lstStyle/>
+            <a:p>
+              <a:r>
+                <a:rPr lang="en-US" altLang="ko-KR" dirty="0" smtClean="0"/>
+                <a:t>300</a:t>
+              </a:r>
+              <a:endParaRPr lang="ko-KR" altLang="en-US" dirty="0"/>
+            </a:p>
+          </p:txBody>
+        </p:sp>
+        <p:cxnSp>
+          <p:nvCxnSpPr>
+            <p:cNvPr id="15" name="직선 화살표 연결선 14"/>
+            <p:cNvCxnSpPr/>
+            <p:nvPr/>
+          </p:nvCxnSpPr>
+          <p:spPr>
+            <a:xfrm flipV="1">
+              <a:off x="2263264" y="3161269"/>
+              <a:ext cx="1296144" cy="380389"/>
+            </a:xfrm>
+            <a:prstGeom prst="straightConnector1">
+              <a:avLst/>
+            </a:prstGeom>
+            <a:ln w="19050">
+              <a:solidFill>
+                <a:schemeClr val="accent1">
+                  <a:lumMod val="75000"/>
+                </a:schemeClr>
+              </a:solidFill>
+              <a:tailEnd type="triangle"/>
+            </a:ln>
+          </p:spPr>
+          <p:style>
+            <a:lnRef idx="1">
+              <a:schemeClr val="accent1"/>
+            </a:lnRef>
+            <a:fillRef idx="0">
+              <a:schemeClr val="accent1"/>
+            </a:fillRef>
+            <a:effectRef idx="0">
+              <a:schemeClr val="accent1"/>
+            </a:effectRef>
+            <a:fontRef idx="minor">
+              <a:schemeClr val="tx1"/>
+            </a:fontRef>
+          </p:style>
+        </p:cxnSp>
+      </p:grpSp>
+      <p:grpSp>
+        <p:nvGrpSpPr>
+          <p:cNvPr id="20" name="그룹 19"/>
+          <p:cNvGrpSpPr/>
+          <p:nvPr/>
+        </p:nvGrpSpPr>
+        <p:grpSpPr>
+          <a:xfrm>
+            <a:off x="7052667" y="2478679"/>
+            <a:ext cx="771525" cy="1279206"/>
+            <a:chOff x="6522286" y="1902262"/>
+            <a:chExt cx="771525" cy="1279206"/>
+          </a:xfrm>
+        </p:grpSpPr>
+        <p:pic>
+          <p:nvPicPr>
+            <p:cNvPr id="17" name="그림 16"/>
+            <p:cNvPicPr>
+              <a:picLocks noChangeAspect="1"/>
+            </p:cNvPicPr>
+            <p:nvPr/>
+          </p:nvPicPr>
+          <p:blipFill>
+            <a:blip r:embed="rId4"/>
+            <a:stretch>
+              <a:fillRect/>
+            </a:stretch>
+          </p:blipFill>
+          <p:spPr>
+            <a:xfrm>
+              <a:off x="6560778" y="2767863"/>
+              <a:ext cx="365802" cy="203223"/>
+            </a:xfrm>
+            <a:prstGeom prst="rect">
+              <a:avLst/>
+            </a:prstGeom>
+          </p:spPr>
+        </p:pic>
+        <p:pic>
+          <p:nvPicPr>
+            <p:cNvPr id="18" name="그림 17"/>
+            <p:cNvPicPr>
+              <a:picLocks noChangeAspect="1"/>
+            </p:cNvPicPr>
+            <p:nvPr/>
+          </p:nvPicPr>
+          <p:blipFill>
+            <a:blip r:embed="rId5"/>
+            <a:stretch>
+              <a:fillRect/>
+            </a:stretch>
+          </p:blipFill>
+          <p:spPr>
+            <a:xfrm>
+              <a:off x="6560778" y="2982106"/>
+              <a:ext cx="448565" cy="199362"/>
+            </a:xfrm>
+            <a:prstGeom prst="rect">
+              <a:avLst/>
+            </a:prstGeom>
+          </p:spPr>
+        </p:pic>
+        <p:pic>
+          <p:nvPicPr>
+            <p:cNvPr id="19" name="그림 18"/>
+            <p:cNvPicPr>
+              <a:picLocks noChangeAspect="1"/>
+            </p:cNvPicPr>
+            <p:nvPr/>
+          </p:nvPicPr>
+          <p:blipFill>
+            <a:blip r:embed="rId3"/>
+            <a:stretch>
+              <a:fillRect/>
+            </a:stretch>
+          </p:blipFill>
+          <p:spPr>
+            <a:xfrm>
+              <a:off x="6522286" y="1902262"/>
+              <a:ext cx="771525" cy="857250"/>
+            </a:xfrm>
+            <a:prstGeom prst="rect">
+              <a:avLst/>
+            </a:prstGeom>
+          </p:spPr>
+        </p:pic>
+      </p:grpSp>
+      <p:cxnSp>
+        <p:nvCxnSpPr>
+          <p:cNvPr id="21" name="직선 화살표 연결선 20"/>
+          <p:cNvCxnSpPr/>
+          <p:nvPr/>
+        </p:nvCxnSpPr>
         <p:spPr>
           <a:xfrm>
-            <a:off x="838200" y="3260438"/>
-            <a:ext cx="7617668" cy="1752738"/>
+            <a:off x="4892427" y="3030756"/>
+            <a:ext cx="1584176" cy="6822"/>
           </a:xfrm>
-          <a:prstGeom prst="rect">
+          <a:prstGeom prst="straightConnector1">
             <a:avLst/>
           </a:prstGeom>
-        </p:spPr>
-      </p:pic>
-      <p:pic>
-        <p:nvPicPr>
-          <p:cNvPr id="10" name="그림 9"/>
-          <p:cNvPicPr>
-            <a:picLocks noChangeAspect="1"/>
-          </p:cNvPicPr>
-          <p:nvPr/>
-        </p:nvPicPr>
-        <p:blipFill>
-          <a:blip r:embed="rId5"/>
-          <a:stretch>
-            <a:fillRect/>
-          </a:stretch>
-        </p:blipFill>
-        <p:spPr>
-          <a:xfrm>
-            <a:off x="4010907" y="2346975"/>
-            <a:ext cx="3752850" cy="257175"/>
-          </a:xfrm>
-          <a:prstGeom prst="rect">
-            <a:avLst/>
-          </a:prstGeom>
-        </p:spPr>
-      </p:pic>
-      <p:sp>
-        <p:nvSpPr>
-          <p:cNvPr id="7" name="직사각형 6"/>
-          <p:cNvSpPr/>
-          <p:nvPr/>
-        </p:nvSpPr>
-        <p:spPr>
-          <a:xfrm rot="20565529">
-            <a:off x="2711624" y="2204864"/>
-            <a:ext cx="4392488" cy="864096"/>
-          </a:xfrm>
-          <a:prstGeom prst="rect">
-            <a:avLst/>
-          </a:prstGeom>
-          <a:solidFill>
-            <a:srgbClr val="C60202"/>
-          </a:solidFill>
-          <a:ln>
+          <a:ln w="19050">
             <a:solidFill>
-              <a:schemeClr val="tx2"/>
+              <a:schemeClr val="accent2">
+                <a:lumMod val="75000"/>
+              </a:schemeClr>
             </a:solidFill>
+            <a:tailEnd type="triangle"/>
           </a:ln>
         </p:spPr>
         <p:style>
-          <a:lnRef idx="2">
-            <a:schemeClr val="accent1">
-              <a:shade val="50000"/>
-            </a:schemeClr>
+          <a:lnRef idx="1">
+            <a:schemeClr val="accent1"/>
           </a:lnRef>
-          <a:fillRef idx="1">
+          <a:fillRef idx="0">
             <a:schemeClr val="accent1"/>
           </a:fillRef>
           <a:effectRef idx="0">
             <a:schemeClr val="accent1"/>
           </a:effectRef>
           <a:fontRef idx="minor">
-            <a:schemeClr val="lt1"/>
+            <a:schemeClr val="tx1"/>
           </a:fontRef>
         </p:style>
-        <p:txBody>
-          <a:bodyPr rtlCol="0" anchor="ctr"/>
-          <a:lstStyle/>
-          <a:p>
-            <a:pPr algn="ctr"/>
-            <a:r>
-              <a:rPr lang="ko-KR" altLang="en-US" sz="3600" smtClean="0"/>
-              <a:t>인자가 있는 </a:t>
-            </a:r>
-            <a:r>
-              <a:rPr lang="ko-KR" altLang="en-US" sz="3600" dirty="0" err="1" smtClean="0"/>
-              <a:t>생성자</a:t>
-            </a:r>
-            <a:endParaRPr lang="ko-KR" altLang="en-US" sz="3600" dirty="0"/>
-          </a:p>
-        </p:txBody>
-      </p:sp>
+      </p:cxnSp>
     </p:spTree>
     <p:extLst>
       <p:ext uri="{BB962C8B-B14F-4D97-AF65-F5344CB8AC3E}">
-        <p14:creationId xmlns:p14="http://schemas.microsoft.com/office/powerpoint/2010/main" val="2700415268"/>
+        <p14:creationId xmlns:p14="http://schemas.microsoft.com/office/powerpoint/2010/main" val="2143139869"/>
       </p:ext>
     </p:extLst>
   </p:cSld>
@@ -37410,7 +37881,7 @@
                                           </p:stCondLst>
                                         </p:cTn>
                                         <p:tgtEl>
-                                          <p:spTgt spid="3"/>
+                                          <p:spTgt spid="10"/>
                                         </p:tgtEl>
                                         <p:attrNameLst>
                                           <p:attrName>style.visibility</p:attrName>
@@ -37424,7 +37895,7 @@
                                       <p:cBhvr>
                                         <p:cTn id="7" dur="500"/>
                                         <p:tgtEl>
-                                          <p:spTgt spid="3"/>
+                                          <p:spTgt spid="10"/>
                                         </p:tgtEl>
                                       </p:cBhvr>
                                     </p:animEffect>
@@ -37463,7 +37934,7 @@
                                           </p:stCondLst>
                                         </p:cTn>
                                         <p:tgtEl>
-                                          <p:spTgt spid="9"/>
+                                          <p:spTgt spid="2"/>
                                         </p:tgtEl>
                                         <p:attrNameLst>
                                           <p:attrName>style.visibility</p:attrName>
@@ -37477,7 +37948,7 @@
                                       <p:cBhvr>
                                         <p:cTn id="12" dur="500"/>
                                         <p:tgtEl>
-                                          <p:spTgt spid="9"/>
+                                          <p:spTgt spid="2"/>
                                         </p:tgtEl>
                                       </p:cBhvr>
                                     </p:animEffect>
@@ -37503,7 +37974,7 @@
                             </p:stCondLst>
                             <p:childTnLst>
                               <p:par>
-                                <p:cTn id="15" presetID="53" presetClass="entr" presetSubtype="16" fill="hold" nodeType="clickEffect">
+                                <p:cTn id="15" presetID="10" presetClass="entr" presetSubtype="0" fill="hold" nodeType="clickEffect">
                                   <p:stCondLst>
                                     <p:cond delay="0"/>
                                   </p:stCondLst>
@@ -37516,7 +37987,7 @@
                                           </p:stCondLst>
                                         </p:cTn>
                                         <p:tgtEl>
-                                          <p:spTgt spid="10"/>
+                                          <p:spTgt spid="3"/>
                                         </p:tgtEl>
                                         <p:attrNameLst>
                                           <p:attrName>style.visibility</p:attrName>
@@ -37526,57 +37997,11 @@
                                         <p:strVal val="visible"/>
                                       </p:to>
                                     </p:set>
-                                    <p:anim calcmode="lin" valueType="num">
-                                      <p:cBhvr>
-                                        <p:cTn id="17" dur="500" fill="hold"/>
-                                        <p:tgtEl>
-                                          <p:spTgt spid="10"/>
-                                        </p:tgtEl>
-                                        <p:attrNameLst>
-                                          <p:attrName>ppt_w</p:attrName>
-                                        </p:attrNameLst>
-                                      </p:cBhvr>
-                                      <p:tavLst>
-                                        <p:tav tm="0">
-                                          <p:val>
-                                            <p:fltVal val="0"/>
-                                          </p:val>
-                                        </p:tav>
-                                        <p:tav tm="100000">
-                                          <p:val>
-                                            <p:strVal val="#ppt_w"/>
-                                          </p:val>
-                                        </p:tav>
-                                      </p:tavLst>
-                                    </p:anim>
-                                    <p:anim calcmode="lin" valueType="num">
-                                      <p:cBhvr>
-                                        <p:cTn id="18" dur="500" fill="hold"/>
-                                        <p:tgtEl>
-                                          <p:spTgt spid="10"/>
-                                        </p:tgtEl>
-                                        <p:attrNameLst>
-                                          <p:attrName>ppt_h</p:attrName>
-                                        </p:attrNameLst>
-                                      </p:cBhvr>
-                                      <p:tavLst>
-                                        <p:tav tm="0">
-                                          <p:val>
-                                            <p:fltVal val="0"/>
-                                          </p:val>
-                                        </p:tav>
-                                        <p:tav tm="100000">
-                                          <p:val>
-                                            <p:strVal val="#ppt_h"/>
-                                          </p:val>
-                                        </p:tav>
-                                      </p:tavLst>
-                                    </p:anim>
                                     <p:animEffect transition="in" filter="fade">
                                       <p:cBhvr>
-                                        <p:cTn id="19" dur="500"/>
+                                        <p:cTn id="17" dur="500"/>
                                         <p:tgtEl>
-                                          <p:spTgt spid="10"/>
+                                          <p:spTgt spid="3"/>
                                         </p:tgtEl>
                                       </p:cBhvr>
                                     </p:animEffect>
@@ -37590,32 +38015,85 @@
                     </p:cTn>
                   </p:par>
                   <p:par>
-                    <p:cTn id="20" fill="hold">
+                    <p:cTn id="18" fill="hold">
                       <p:stCondLst>
                         <p:cond delay="indefinite"/>
                       </p:stCondLst>
                       <p:childTnLst>
                         <p:par>
-                          <p:cTn id="21" fill="hold">
+                          <p:cTn id="19" fill="hold">
                             <p:stCondLst>
                               <p:cond delay="0"/>
                             </p:stCondLst>
                             <p:childTnLst>
                               <p:par>
-                                <p:cTn id="22" presetID="26" presetClass="entr" presetSubtype="0" fill="hold" grpId="0" nodeType="clickEffect">
+                                <p:cTn id="20" presetID="10" presetClass="entr" presetSubtype="0" fill="hold" nodeType="clickEffect">
                                   <p:stCondLst>
                                     <p:cond delay="0"/>
                                   </p:stCondLst>
                                   <p:childTnLst>
                                     <p:set>
                                       <p:cBhvr>
-                                        <p:cTn id="23" dur="1" fill="hold">
+                                        <p:cTn id="21" dur="1" fill="hold">
                                           <p:stCondLst>
                                             <p:cond delay="0"/>
                                           </p:stCondLst>
                                         </p:cTn>
                                         <p:tgtEl>
-                                          <p:spTgt spid="7"/>
+                                          <p:spTgt spid="21"/>
+                                        </p:tgtEl>
+                                        <p:attrNameLst>
+                                          <p:attrName>style.visibility</p:attrName>
+                                        </p:attrNameLst>
+                                      </p:cBhvr>
+                                      <p:to>
+                                        <p:strVal val="visible"/>
+                                      </p:to>
+                                    </p:set>
+                                    <p:animEffect transition="in" filter="fade">
+                                      <p:cBhvr>
+                                        <p:cTn id="22" dur="500"/>
+                                        <p:tgtEl>
+                                          <p:spTgt spid="21"/>
+                                        </p:tgtEl>
+                                      </p:cBhvr>
+                                    </p:animEffect>
+                                  </p:childTnLst>
+                                </p:cTn>
+                              </p:par>
+                            </p:childTnLst>
+                          </p:cTn>
+                        </p:par>
+                      </p:childTnLst>
+                    </p:cTn>
+                  </p:par>
+                  <p:par>
+                    <p:cTn id="23" fill="hold">
+                      <p:stCondLst>
+                        <p:cond delay="indefinite"/>
+                      </p:stCondLst>
+                      <p:childTnLst>
+                        <p:par>
+                          <p:cTn id="24" fill="hold">
+                            <p:stCondLst>
+                              <p:cond delay="0"/>
+                            </p:stCondLst>
+                            <p:childTnLst>
+                              <p:par>
+                                <p:cTn id="25" presetID="26" presetClass="entr" presetSubtype="0" fill="hold" nodeType="clickEffect">
+                                  <p:stCondLst>
+                                    <p:cond delay="0"/>
+                                  </p:stCondLst>
+                                  <p:childTnLst>
+                                    <p:set>
+                                      <p:cBhvr>
+                                        <p:cTn id="26" dur="1" fill="hold">
+                                          <p:stCondLst>
+                                            <p:cond delay="0"/>
+                                          </p:stCondLst>
+                                        </p:cTn>
+                                        <p:tgtEl>
+                                          <p:spTgt spid="20"/>
                                         </p:tgtEl>
                                         <p:attrNameLst>
                                           <p:attrName>style.visibility</p:attrName>
@@ -37627,25 +38105,25 @@
                                     </p:set>
                                     <p:animEffect transition="in" filter="wipe(down)">
                                       <p:cBhvr>
-                                        <p:cTn id="24" dur="290">
+                                        <p:cTn id="27" dur="290">
                                           <p:stCondLst>
                                             <p:cond delay="0"/>
                                           </p:stCondLst>
                                         </p:cTn>
                                         <p:tgtEl>
-                                          <p:spTgt spid="7"/>
+                                          <p:spTgt spid="20"/>
                                         </p:tgtEl>
                                       </p:cBhvr>
                                     </p:animEffect>
                                     <p:anim calcmode="lin" valueType="num">
                                       <p:cBhvr>
-                                        <p:cTn id="25" dur="911" tmFilter="0,0; 0.14,0.36; 0.43,0.73; 0.71,0.91; 1.0,1.0">
+                                        <p:cTn id="28" dur="911" tmFilter="0,0; 0.14,0.36; 0.43,0.73; 0.71,0.91; 1.0,1.0">
                                           <p:stCondLst>
                                             <p:cond delay="0"/>
                                           </p:stCondLst>
                                         </p:cTn>
                                         <p:tgtEl>
-                                          <p:spTgt spid="7"/>
+                                          <p:spTgt spid="20"/>
                                         </p:tgtEl>
                                         <p:attrNameLst>
                                           <p:attrName>ppt_x</p:attrName>
@@ -37666,13 +38144,13 @@
                                     </p:anim>
                                     <p:anim calcmode="lin" valueType="num">
                                       <p:cBhvr>
-                                        <p:cTn id="26" dur="332" tmFilter="0.0,0.0; 0.25,0.07; 0.50,0.2; 0.75,0.467; 1.0,1.0">
+                                        <p:cTn id="29" dur="332" tmFilter="0.0,0.0; 0.25,0.07; 0.50,0.2; 0.75,0.467; 1.0,1.0">
                                           <p:stCondLst>
                                             <p:cond delay="0"/>
                                           </p:stCondLst>
                                         </p:cTn>
                                         <p:tgtEl>
-                                          <p:spTgt spid="7"/>
+                                          <p:spTgt spid="20"/>
                                         </p:tgtEl>
                                         <p:attrNameLst>
                                           <p:attrName>ppt_y</p:attrName>
@@ -37693,13 +38171,13 @@
                                     </p:anim>
                                     <p:anim calcmode="lin" valueType="num">
                                       <p:cBhvr>
-                                        <p:cTn id="27" dur="332" tmFilter="0, 0; 0.125,0.2665; 0.25,0.4; 0.375,0.465; 0.5,0.5;  0.625,0.535; 0.75,0.6; 0.875,0.7335; 1,1">
+                                        <p:cTn id="30" dur="332" tmFilter="0, 0; 0.125,0.2665; 0.25,0.4; 0.375,0.465; 0.5,0.5;  0.625,0.535; 0.75,0.6; 0.875,0.7335; 1,1">
                                           <p:stCondLst>
                                             <p:cond delay="332"/>
                                           </p:stCondLst>
                                         </p:cTn>
                                         <p:tgtEl>
-                                          <p:spTgt spid="7"/>
+                                          <p:spTgt spid="20"/>
                                         </p:tgtEl>
                                         <p:attrNameLst>
                                           <p:attrName>ppt_y</p:attrName>
@@ -37720,13 +38198,13 @@
                                     </p:anim>
                                     <p:anim calcmode="lin" valueType="num">
                                       <p:cBhvr>
-                                        <p:cTn id="28" dur="166" tmFilter="0, 0; 0.125,0.2665; 0.25,0.4; 0.375,0.465; 0.5,0.5;  0.625,0.535; 0.75,0.6; 0.875,0.7335; 1,1">
+                                        <p:cTn id="31" dur="166" tmFilter="0, 0; 0.125,0.2665; 0.25,0.4; 0.375,0.465; 0.5,0.5;  0.625,0.535; 0.75,0.6; 0.875,0.7335; 1,1">
                                           <p:stCondLst>
                                             <p:cond delay="662"/>
                                           </p:stCondLst>
                                         </p:cTn>
                                         <p:tgtEl>
-                                          <p:spTgt spid="7"/>
+                                          <p:spTgt spid="20"/>
                                         </p:tgtEl>
                                         <p:attrNameLst>
                                           <p:attrName>ppt_y</p:attrName>
@@ -37747,13 +38225,13 @@
                                     </p:anim>
                                     <p:anim calcmode="lin" valueType="num">
                                       <p:cBhvr>
-                                        <p:cTn id="29" dur="82" tmFilter="0, 0; 0.125,0.2665; 0.25,0.4; 0.375,0.465; 0.5,0.5;  0.625,0.535; 0.75,0.6; 0.875,0.7335; 1,1">
+                                        <p:cTn id="32" dur="82" tmFilter="0, 0; 0.125,0.2665; 0.25,0.4; 0.375,0.465; 0.5,0.5;  0.625,0.535; 0.75,0.6; 0.875,0.7335; 1,1">
                                           <p:stCondLst>
                                             <p:cond delay="828"/>
                                           </p:stCondLst>
                                         </p:cTn>
                                         <p:tgtEl>
-                                          <p:spTgt spid="7"/>
+                                          <p:spTgt spid="20"/>
                                         </p:tgtEl>
                                         <p:attrNameLst>
                                           <p:attrName>ppt_y</p:attrName>
@@ -37774,104 +38252,104 @@
                                     </p:anim>
                                     <p:animScale>
                                       <p:cBhvr>
-                                        <p:cTn id="30" dur="13">
+                                        <p:cTn id="33" dur="13">
                                           <p:stCondLst>
                                             <p:cond delay="325"/>
                                           </p:stCondLst>
                                         </p:cTn>
                                         <p:tgtEl>
-                                          <p:spTgt spid="7"/>
+                                          <p:spTgt spid="20"/>
                                         </p:tgtEl>
                                       </p:cBhvr>
                                       <p:to x="100000" y="60000"/>
                                     </p:animScale>
                                     <p:animScale>
                                       <p:cBhvr>
-                                        <p:cTn id="31" dur="83" decel="50000">
+                                        <p:cTn id="34" dur="83" decel="50000">
                                           <p:stCondLst>
                                             <p:cond delay="338"/>
                                           </p:stCondLst>
                                         </p:cTn>
                                         <p:tgtEl>
-                                          <p:spTgt spid="7"/>
+                                          <p:spTgt spid="20"/>
                                         </p:tgtEl>
                                       </p:cBhvr>
                                       <p:to x="100000" y="100000"/>
                                     </p:animScale>
                                     <p:animScale>
                                       <p:cBhvr>
-                                        <p:cTn id="32" dur="13">
+                                        <p:cTn id="35" dur="13">
                                           <p:stCondLst>
                                             <p:cond delay="656"/>
                                           </p:stCondLst>
                                         </p:cTn>
                                         <p:tgtEl>
-                                          <p:spTgt spid="7"/>
+                                          <p:spTgt spid="20"/>
                                         </p:tgtEl>
                                       </p:cBhvr>
                                       <p:to x="100000" y="80000"/>
                                     </p:animScale>
                                     <p:animScale>
                                       <p:cBhvr>
-                                        <p:cTn id="33" dur="83" decel="50000">
+                                        <p:cTn id="36" dur="83" decel="50000">
                                           <p:stCondLst>
                                             <p:cond delay="669"/>
                                           </p:stCondLst>
                                         </p:cTn>
                                         <p:tgtEl>
-                                          <p:spTgt spid="7"/>
+                                          <p:spTgt spid="20"/>
                                         </p:tgtEl>
                                       </p:cBhvr>
                                       <p:to x="100000" y="100000"/>
                                     </p:animScale>
                                     <p:animScale>
                                       <p:cBhvr>
-                                        <p:cTn id="34" dur="13">
+                                        <p:cTn id="37" dur="13">
                                           <p:stCondLst>
                                             <p:cond delay="821"/>
                                           </p:stCondLst>
                                         </p:cTn>
                                         <p:tgtEl>
-                                          <p:spTgt spid="7"/>
+                                          <p:spTgt spid="20"/>
                                         </p:tgtEl>
                                       </p:cBhvr>
                                       <p:to x="100000" y="90000"/>
                                     </p:animScale>
                                     <p:animScale>
                                       <p:cBhvr>
-                                        <p:cTn id="35" dur="83" decel="50000">
+                                        <p:cTn id="38" dur="83" decel="50000">
                                           <p:stCondLst>
                                             <p:cond delay="834"/>
                                           </p:stCondLst>
                                         </p:cTn>
                                         <p:tgtEl>
-                                          <p:spTgt spid="7"/>
+                                          <p:spTgt spid="20"/>
                                         </p:tgtEl>
                                       </p:cBhvr>
                                       <p:to x="100000" y="100000"/>
                                     </p:animScale>
                                     <p:animScale>
                                       <p:cBhvr>
-                                        <p:cTn id="36" dur="13">
+                                        <p:cTn id="39" dur="13">
                                           <p:stCondLst>
                                             <p:cond delay="904"/>
                                           </p:stCondLst>
                                         </p:cTn>
                                         <p:tgtEl>
-                                          <p:spTgt spid="7"/>
+                                          <p:spTgt spid="20"/>
                                         </p:tgtEl>
                                       </p:cBhvr>
                                       <p:to x="100000" y="95000"/>
                                     </p:animScale>
                                     <p:animScale>
                                       <p:cBhvr>
-                                        <p:cTn id="37" dur="83" decel="50000">
+                                        <p:cTn id="40" dur="83" decel="50000">
                                           <p:stCondLst>
                                             <p:cond delay="917"/>
                                           </p:stCondLst>
                                         </p:cTn>
                                         <p:tgtEl>
-                                          <p:spTgt spid="7"/>
+                                          <p:spTgt spid="20"/>
                                         </p:tgtEl>
                                       </p:cBhvr>
                                       <p:to x="100000" y="100000"/>
@@ -37906,14 +38384,279 @@
         </p:cTn>
       </p:par>
     </p:tnLst>
-    <p:bldLst>
-      <p:bldP spid="7" grpId="0" animBg="1"/>
-    </p:bldLst>
   </p:timing>
 </p:sld>
 </file>
 
 <file path=ppt/slides/slide11.xml><?xml version="1.0" encoding="utf-8"?>
+<p:sld xmlns:a="http://schemas.openxmlformats.org/drawingml/2006/main" xmlns:r="http://schemas.openxmlformats.org/officeDocument/2006/relationships" xmlns:p="http://schemas.openxmlformats.org/presentationml/2006/main">
+  <p:cSld>
+    <p:spTree>
+      <p:nvGrpSpPr>
+        <p:cNvPr id="1" name=""/>
+        <p:cNvGrpSpPr/>
+        <p:nvPr/>
+      </p:nvGrpSpPr>
+      <p:grpSpPr>
+        <a:xfrm>
+          <a:off x="0" y="0"/>
+          <a:ext cx="0" cy="0"/>
+          <a:chOff x="0" y="0"/>
+          <a:chExt cx="0" cy="0"/>
+        </a:xfrm>
+      </p:grpSpPr>
+      <p:sp>
+        <p:nvSpPr>
+          <p:cNvPr id="4" name="Title 3"/>
+          <p:cNvSpPr>
+            <a:spLocks noGrp="1"/>
+          </p:cNvSpPr>
+          <p:nvPr>
+            <p:ph type="title"/>
+          </p:nvPr>
+        </p:nvSpPr>
+        <p:spPr/>
+        <p:txBody>
+          <a:bodyPr/>
+          <a:lstStyle/>
+          <a:p>
+            <a:r>
+              <a:rPr lang="ko-KR" altLang="en-US" dirty="0" err="1" smtClean="0"/>
+              <a:t>메소드를</a:t>
+            </a:r>
+            <a:r>
+              <a:rPr lang="ko-KR" altLang="en-US" dirty="0" smtClean="0"/>
+              <a:t> 사용해보자</a:t>
+            </a:r>
+            <a:r>
+              <a:rPr lang="en-US" altLang="ko-KR" dirty="0" smtClean="0"/>
+              <a:t>!!</a:t>
+            </a:r>
+            <a:endParaRPr lang="en-US" dirty="0"/>
+          </a:p>
+        </p:txBody>
+      </p:sp>
+      <p:sp>
+        <p:nvSpPr>
+          <p:cNvPr id="8" name="Slide Number Placeholder 7"/>
+          <p:cNvSpPr>
+            <a:spLocks noGrp="1"/>
+          </p:cNvSpPr>
+          <p:nvPr>
+            <p:ph type="sldNum" sz="quarter" idx="12"/>
+          </p:nvPr>
+        </p:nvSpPr>
+        <p:spPr/>
+        <p:txBody>
+          <a:bodyPr/>
+          <a:lstStyle/>
+          <a:p>
+            <a:fld id="{FA3EE389-E41A-49AC-9975-3D3899FF737D}" type="slidenum">
+              <a:rPr lang="en-US" smtClean="0"/>
+              <a:t>11</a:t>
+            </a:fld>
+            <a:endParaRPr lang="en-US"/>
+          </a:p>
+        </p:txBody>
+      </p:sp>
+      <p:pic>
+        <p:nvPicPr>
+          <p:cNvPr id="3" name="그림 2"/>
+          <p:cNvPicPr>
+            <a:picLocks noChangeAspect="1"/>
+          </p:cNvPicPr>
+          <p:nvPr/>
+        </p:nvPicPr>
+        <p:blipFill>
+          <a:blip r:embed="rId3"/>
+          <a:stretch>
+            <a:fillRect/>
+          </a:stretch>
+        </p:blipFill>
+        <p:spPr>
+          <a:xfrm>
+            <a:off x="839416" y="1484784"/>
+            <a:ext cx="7609290" cy="3672408"/>
+          </a:xfrm>
+          <a:prstGeom prst="rect">
+            <a:avLst/>
+          </a:prstGeom>
+        </p:spPr>
+      </p:pic>
+      <p:pic>
+        <p:nvPicPr>
+          <p:cNvPr id="9" name="그림 8"/>
+          <p:cNvPicPr>
+            <a:picLocks noChangeAspect="1"/>
+          </p:cNvPicPr>
+          <p:nvPr/>
+        </p:nvPicPr>
+        <p:blipFill>
+          <a:blip r:embed="rId4"/>
+          <a:stretch>
+            <a:fillRect/>
+          </a:stretch>
+        </p:blipFill>
+        <p:spPr>
+          <a:xfrm>
+            <a:off x="4038600" y="2666467"/>
+            <a:ext cx="3990975" cy="676275"/>
+          </a:xfrm>
+          <a:prstGeom prst="rect">
+            <a:avLst/>
+          </a:prstGeom>
+        </p:spPr>
+      </p:pic>
+    </p:spTree>
+    <p:extLst>
+      <p:ext uri="{BB962C8B-B14F-4D97-AF65-F5344CB8AC3E}">
+        <p14:creationId xmlns:p14="http://schemas.microsoft.com/office/powerpoint/2010/main" val="2585523099"/>
+      </p:ext>
+    </p:extLst>
+  </p:cSld>
+  <p:clrMapOvr>
+    <a:masterClrMapping/>
+  </p:clrMapOvr>
+  <p:timing>
+    <p:tnLst>
+      <p:par>
+        <p:cTn id="1" dur="indefinite" restart="never" nodeType="tmRoot">
+          <p:childTnLst>
+            <p:seq concurrent="1" nextAc="seek">
+              <p:cTn id="2" dur="indefinite" nodeType="mainSeq">
+                <p:childTnLst>
+                  <p:par>
+                    <p:cTn id="3" fill="hold">
+                      <p:stCondLst>
+                        <p:cond delay="indefinite"/>
+                      </p:stCondLst>
+                      <p:childTnLst>
+                        <p:par>
+                          <p:cTn id="4" fill="hold">
+                            <p:stCondLst>
+                              <p:cond delay="0"/>
+                            </p:stCondLst>
+                            <p:childTnLst>
+                              <p:par>
+                                <p:cTn id="5" presetID="14" presetClass="entr" presetSubtype="10" fill="hold" nodeType="clickEffect">
+                                  <p:stCondLst>
+                                    <p:cond delay="0"/>
+                                  </p:stCondLst>
+                                  <p:childTnLst>
+                                    <p:set>
+                                      <p:cBhvr>
+                                        <p:cTn id="6" dur="1" fill="hold">
+                                          <p:stCondLst>
+                                            <p:cond delay="0"/>
+                                          </p:stCondLst>
+                                        </p:cTn>
+                                        <p:tgtEl>
+                                          <p:spTgt spid="3"/>
+                                        </p:tgtEl>
+                                        <p:attrNameLst>
+                                          <p:attrName>style.visibility</p:attrName>
+                                        </p:attrNameLst>
+                                      </p:cBhvr>
+                                      <p:to>
+                                        <p:strVal val="visible"/>
+                                      </p:to>
+                                    </p:set>
+                                    <p:animEffect transition="in" filter="randombar(horizontal)">
+                                      <p:cBhvr>
+                                        <p:cTn id="7" dur="500"/>
+                                        <p:tgtEl>
+                                          <p:spTgt spid="3"/>
+                                        </p:tgtEl>
+                                      </p:cBhvr>
+                                    </p:animEffect>
+                                  </p:childTnLst>
+                                </p:cTn>
+                              </p:par>
+                            </p:childTnLst>
+                          </p:cTn>
+                        </p:par>
+                      </p:childTnLst>
+                    </p:cTn>
+                  </p:par>
+                  <p:par>
+                    <p:cTn id="8" fill="hold">
+                      <p:stCondLst>
+                        <p:cond delay="indefinite"/>
+                      </p:stCondLst>
+                      <p:childTnLst>
+                        <p:par>
+                          <p:cTn id="9" fill="hold">
+                            <p:stCondLst>
+                              <p:cond delay="0"/>
+                            </p:stCondLst>
+                            <p:childTnLst>
+                              <p:par>
+                                <p:cTn id="10" presetID="4" presetClass="entr" presetSubtype="16" fill="hold" nodeType="clickEffect">
+                                  <p:stCondLst>
+                                    <p:cond delay="0"/>
+                                  </p:stCondLst>
+                                  <p:childTnLst>
+                                    <p:set>
+                                      <p:cBhvr>
+                                        <p:cTn id="11" dur="1" fill="hold">
+                                          <p:stCondLst>
+                                            <p:cond delay="0"/>
+                                          </p:stCondLst>
+                                        </p:cTn>
+                                        <p:tgtEl>
+                                          <p:spTgt spid="9"/>
+                                        </p:tgtEl>
+                                        <p:attrNameLst>
+                                          <p:attrName>style.visibility</p:attrName>
+                                        </p:attrNameLst>
+                                      </p:cBhvr>
+                                      <p:to>
+                                        <p:strVal val="visible"/>
+                                      </p:to>
+                                    </p:set>
+                                    <p:animEffect transition="in" filter="box(in)">
+                                      <p:cBhvr>
+                                        <p:cTn id="12" dur="1000"/>
+                                        <p:tgtEl>
+                                          <p:spTgt spid="9"/>
+                                        </p:tgtEl>
+                                      </p:cBhvr>
+                                    </p:animEffect>
+                                  </p:childTnLst>
+                                </p:cTn>
+                              </p:par>
+                            </p:childTnLst>
+                          </p:cTn>
+                        </p:par>
+                      </p:childTnLst>
+                    </p:cTn>
+                  </p:par>
+                </p:childTnLst>
+              </p:cTn>
+              <p:prevCondLst>
+                <p:cond evt="onPrev" delay="0">
+                  <p:tgtEl>
+                    <p:sldTgt/>
+                  </p:tgtEl>
+                </p:cond>
+              </p:prevCondLst>
+              <p:nextCondLst>
+                <p:cond evt="onNext" delay="0">
+                  <p:tgtEl>
+                    <p:sldTgt/>
+                  </p:tgtEl>
+                </p:cond>
+              </p:nextCondLst>
+            </p:seq>
+          </p:childTnLst>
+        </p:cTn>
+      </p:par>
+    </p:tnLst>
+  </p:timing>
+</p:sld>
+</file>
+
+<file path=ppt/slides/slide12.xml><?xml version="1.0" encoding="utf-8"?>
 <p:sld xmlns:a="http://schemas.openxmlformats.org/drawingml/2006/main" xmlns:r="http://schemas.openxmlformats.org/officeDocument/2006/relationships" xmlns:p="http://schemas.openxmlformats.org/presentationml/2006/main">
   <p:cSld>
     <p:spTree>
@@ -37974,15 +38717,177 @@
           <a:p>
             <a:fld id="{FA3EE389-E41A-49AC-9975-3D3899FF737D}" type="slidenum">
               <a:rPr lang="en-US" smtClean="0"/>
-              <a:t>11</a:t>
+              <a:t>12</a:t>
             </a:fld>
             <a:endParaRPr lang="en-US"/>
           </a:p>
         </p:txBody>
       </p:sp>
+      <p:sp>
+        <p:nvSpPr>
+          <p:cNvPr id="6" name="Content Placeholder 4"/>
+          <p:cNvSpPr>
+            <a:spLocks noGrp="1"/>
+          </p:cNvSpPr>
+          <p:nvPr>
+            <p:ph idx="1"/>
+          </p:nvPr>
+        </p:nvSpPr>
+        <p:spPr>
+          <a:xfrm>
+            <a:off x="838200" y="1556792"/>
+            <a:ext cx="10515600" cy="4351338"/>
+          </a:xfrm>
+        </p:spPr>
+        <p:txBody>
+          <a:bodyPr/>
+          <a:lstStyle/>
+          <a:p>
+            <a:r>
+              <a:rPr lang="ko-KR" altLang="en-US" dirty="0" smtClean="0"/>
+              <a:t>클래스에는 꼭 하나의 생성자가 있어야 한다</a:t>
+            </a:r>
+            <a:r>
+              <a:rPr lang="en-US" altLang="ko-KR" dirty="0" smtClean="0"/>
+              <a:t>.</a:t>
+            </a:r>
+            <a:endParaRPr lang="en-US" dirty="0" smtClean="0"/>
+          </a:p>
+          <a:p>
+            <a:pPr lvl="1"/>
+            <a:r>
+              <a:rPr lang="ko-KR" altLang="en-US" dirty="0" smtClean="0"/>
+              <a:t>객체를 생성하기 위해서</a:t>
+            </a:r>
+            <a:endParaRPr lang="en-US" dirty="0" smtClean="0"/>
+          </a:p>
+          <a:p>
+            <a:pPr marL="914400" lvl="2" indent="0">
+              <a:buNone/>
+            </a:pPr>
+            <a:endParaRPr lang="en-US" dirty="0" smtClean="0"/>
+          </a:p>
+          <a:p>
+            <a:r>
+              <a:rPr lang="ko-KR" altLang="en-US" dirty="0" err="1" smtClean="0"/>
+              <a:t>생성자를</a:t>
+            </a:r>
+            <a:r>
+              <a:rPr lang="ko-KR" altLang="en-US" dirty="0" smtClean="0"/>
+              <a:t> 만들 때의 조건</a:t>
+            </a:r>
+            <a:endParaRPr lang="en-US" altLang="ko-KR" dirty="0" smtClean="0"/>
+          </a:p>
+          <a:p>
+            <a:pPr lvl="1"/>
+            <a:r>
+              <a:rPr lang="ko-KR" altLang="en-US" dirty="0" smtClean="0"/>
+              <a:t>클래스와 이름이 같아야 한다</a:t>
+            </a:r>
+            <a:r>
+              <a:rPr lang="en-US" altLang="ko-KR" dirty="0" smtClean="0"/>
+              <a:t>.</a:t>
+            </a:r>
+          </a:p>
+          <a:p>
+            <a:pPr lvl="1"/>
+            <a:r>
+              <a:rPr lang="en-US" altLang="ko-KR" dirty="0" smtClean="0"/>
+              <a:t>Return </a:t>
+            </a:r>
+            <a:r>
+              <a:rPr lang="ko-KR" altLang="en-US" dirty="0" smtClean="0"/>
+              <a:t>값이 없어야 한다</a:t>
+            </a:r>
+            <a:endParaRPr lang="en-US" altLang="ko-KR" dirty="0" smtClean="0"/>
+          </a:p>
+          <a:p>
+            <a:pPr lvl="1"/>
+            <a:r>
+              <a:rPr lang="ko-KR" altLang="en-US" dirty="0" smtClean="0"/>
+              <a:t>생성자가 여러 개 일 경우 인자의 수와 타입에 영향을 받으므로</a:t>
+            </a:r>
+            <a:endParaRPr lang="en-US" altLang="ko-KR" dirty="0" smtClean="0"/>
+          </a:p>
+          <a:p>
+            <a:pPr marL="457200" lvl="1" indent="0">
+              <a:buNone/>
+            </a:pPr>
+            <a:r>
+              <a:rPr lang="en-US" altLang="ko-KR" dirty="0"/>
+              <a:t> </a:t>
+            </a:r>
+            <a:r>
+              <a:rPr lang="en-US" altLang="ko-KR" dirty="0" smtClean="0"/>
+              <a:t>  </a:t>
+            </a:r>
+            <a:r>
+              <a:rPr lang="ko-KR" altLang="en-US" dirty="0" smtClean="0"/>
+              <a:t>생성자가 받는 매개 변수</a:t>
+            </a:r>
+            <a:r>
+              <a:rPr lang="en-US" altLang="ko-KR" dirty="0" smtClean="0"/>
+              <a:t>(</a:t>
+            </a:r>
+            <a:r>
+              <a:rPr lang="ko-KR" altLang="en-US" dirty="0" smtClean="0"/>
+              <a:t>인자</a:t>
+            </a:r>
+            <a:r>
+              <a:rPr lang="en-US" altLang="ko-KR" dirty="0" smtClean="0"/>
+              <a:t>)</a:t>
+            </a:r>
+            <a:r>
+              <a:rPr lang="ko-KR" altLang="en-US" dirty="0" smtClean="0"/>
+              <a:t>는 달라야 한다</a:t>
+            </a:r>
+            <a:r>
+              <a:rPr lang="en-US" altLang="ko-KR" dirty="0" smtClean="0"/>
+              <a:t>.</a:t>
+            </a:r>
+          </a:p>
+        </p:txBody>
+      </p:sp>
+    </p:spTree>
+    <p:extLst>
+      <p:ext uri="{BB962C8B-B14F-4D97-AF65-F5344CB8AC3E}">
+        <p14:creationId xmlns:p14="http://schemas.microsoft.com/office/powerpoint/2010/main" val="2413159610"/>
+      </p:ext>
+    </p:extLst>
+  </p:cSld>
+  <p:clrMapOvr>
+    <a:masterClrMapping/>
+  </p:clrMapOvr>
+  <p:timing>
+    <p:tnLst>
+      <p:par>
+        <p:cTn id="1" dur="indefinite" restart="never" nodeType="tmRoot"/>
+      </p:par>
+    </p:tnLst>
+  </p:timing>
+</p:sld>
+</file>
+
+<file path=ppt/slides/slide13.xml><?xml version="1.0" encoding="utf-8"?>
+<p:sld xmlns:a="http://schemas.openxmlformats.org/drawingml/2006/main" xmlns:r="http://schemas.openxmlformats.org/officeDocument/2006/relationships" xmlns:p="http://schemas.openxmlformats.org/presentationml/2006/main">
+  <p:cSld>
+    <p:spTree>
+      <p:nvGrpSpPr>
+        <p:cNvPr id="1" name=""/>
+        <p:cNvGrpSpPr/>
+        <p:nvPr/>
+      </p:nvGrpSpPr>
+      <p:grpSpPr>
+        <a:xfrm>
+          <a:off x="0" y="0"/>
+          <a:ext cx="0" cy="0"/>
+          <a:chOff x="0" y="0"/>
+          <a:chExt cx="0" cy="0"/>
+        </a:xfrm>
+      </p:grpSpPr>
       <p:pic>
         <p:nvPicPr>
-          <p:cNvPr id="3" name="그림 2"/>
+          <p:cNvPr id="5" name="그림 4"/>
           <p:cNvPicPr>
             <a:picLocks noChangeAspect="1"/>
           </p:cNvPicPr>
@@ -37996,14 +38901,60 @@
         </p:blipFill>
         <p:spPr>
           <a:xfrm>
-            <a:off x="911424" y="1556793"/>
-            <a:ext cx="1769907" cy="1296144"/>
+            <a:off x="900969" y="1811807"/>
+            <a:ext cx="1952625" cy="657225"/>
           </a:xfrm>
           <a:prstGeom prst="rect">
             <a:avLst/>
           </a:prstGeom>
         </p:spPr>
       </p:pic>
+      <p:sp>
+        <p:nvSpPr>
+          <p:cNvPr id="4" name="Title 3"/>
+          <p:cNvSpPr>
+            <a:spLocks noGrp="1"/>
+          </p:cNvSpPr>
+          <p:nvPr>
+            <p:ph type="title"/>
+          </p:nvPr>
+        </p:nvSpPr>
+        <p:spPr/>
+        <p:txBody>
+          <a:bodyPr/>
+          <a:lstStyle/>
+          <a:p>
+            <a:r>
+              <a:rPr lang="ko-KR" altLang="en-US" dirty="0" smtClean="0"/>
+              <a:t>생성자의 종류</a:t>
+            </a:r>
+            <a:endParaRPr lang="en-US" dirty="0"/>
+          </a:p>
+        </p:txBody>
+      </p:sp>
+      <p:sp>
+        <p:nvSpPr>
+          <p:cNvPr id="8" name="Slide Number Placeholder 7"/>
+          <p:cNvSpPr>
+            <a:spLocks noGrp="1"/>
+          </p:cNvSpPr>
+          <p:nvPr>
+            <p:ph type="sldNum" sz="quarter" idx="12"/>
+          </p:nvPr>
+        </p:nvSpPr>
+        <p:spPr/>
+        <p:txBody>
+          <a:bodyPr/>
+          <a:lstStyle/>
+          <a:p>
+            <a:fld id="{FA3EE389-E41A-49AC-9975-3D3899FF737D}" type="slidenum">
+              <a:rPr lang="en-US" smtClean="0"/>
+              <a:t>13</a:t>
+            </a:fld>
+            <a:endParaRPr lang="en-US"/>
+          </a:p>
+        </p:txBody>
+      </p:sp>
       <p:pic>
         <p:nvPicPr>
           <p:cNvPr id="9" name="그림 8"/>
@@ -38092,7 +39043,7 @@
         </p:blipFill>
         <p:spPr>
           <a:xfrm>
-            <a:off x="911424" y="1548005"/>
+            <a:off x="900969" y="1517760"/>
             <a:ext cx="2219325" cy="1381125"/>
           </a:xfrm>
           <a:prstGeom prst="rect">
@@ -38200,7 +39151,7 @@
                                           </p:stCondLst>
                                         </p:cTn>
                                         <p:tgtEl>
-                                          <p:spTgt spid="3"/>
+                                          <p:spTgt spid="5"/>
                                         </p:tgtEl>
                                         <p:attrNameLst>
                                           <p:attrName>style.visibility</p:attrName>
@@ -38214,7 +39165,7 @@
                                       <p:cBhvr>
                                         <p:cTn id="7" dur="500"/>
                                         <p:tgtEl>
-                                          <p:spTgt spid="3"/>
+                                          <p:spTgt spid="5"/>
                                         </p:tgtEl>
                                       </p:cBhvr>
                                     </p:animEffect>
@@ -38916,7 +39867,7 @@
 </p:sld>
 </file>
 
-<file path=ppt/slides/slide12.xml><?xml version="1.0" encoding="utf-8"?>
+<file path=ppt/slides/slide14.xml><?xml version="1.0" encoding="utf-8"?>
 <p:sld xmlns:a="http://schemas.openxmlformats.org/drawingml/2006/main" xmlns:r="http://schemas.openxmlformats.org/officeDocument/2006/relationships" xmlns:p="http://schemas.openxmlformats.org/presentationml/2006/main">
   <p:cSld>
     <p:spTree>
@@ -38949,12 +39900,8 @@
           <a:lstStyle/>
           <a:p>
             <a:r>
-              <a:rPr lang="ko-KR" altLang="en-US" dirty="0" smtClean="0"/>
-              <a:t>생성자란</a:t>
-            </a:r>
-            <a:r>
-              <a:rPr lang="en-US" altLang="ko-KR" dirty="0" smtClean="0"/>
-              <a:t>??</a:t>
+              <a:rPr lang="ko-KR" altLang="en-US" dirty="0"/>
+              <a:t>생성자의 종류</a:t>
             </a:r>
             <a:endParaRPr lang="en-US" dirty="0"/>
           </a:p>
@@ -38977,7 +39924,745 @@
           <a:p>
             <a:fld id="{FA3EE389-E41A-49AC-9975-3D3899FF737D}" type="slidenum">
               <a:rPr lang="en-US" smtClean="0"/>
-              <a:t>12</a:t>
+              <a:t>14</a:t>
+            </a:fld>
+            <a:endParaRPr lang="en-US"/>
+          </a:p>
+        </p:txBody>
+      </p:sp>
+      <p:pic>
+        <p:nvPicPr>
+          <p:cNvPr id="3" name="그림 2"/>
+          <p:cNvPicPr>
+            <a:picLocks noChangeAspect="1"/>
+          </p:cNvPicPr>
+          <p:nvPr/>
+        </p:nvPicPr>
+        <p:blipFill>
+          <a:blip r:embed="rId3"/>
+          <a:stretch>
+            <a:fillRect/>
+          </a:stretch>
+        </p:blipFill>
+        <p:spPr>
+          <a:xfrm>
+            <a:off x="838200" y="1556792"/>
+            <a:ext cx="2226742" cy="1405066"/>
+          </a:xfrm>
+          <a:prstGeom prst="rect">
+            <a:avLst/>
+          </a:prstGeom>
+        </p:spPr>
+      </p:pic>
+      <p:pic>
+        <p:nvPicPr>
+          <p:cNvPr id="9" name="그림 8"/>
+          <p:cNvPicPr>
+            <a:picLocks noChangeAspect="1"/>
+          </p:cNvPicPr>
+          <p:nvPr/>
+        </p:nvPicPr>
+        <p:blipFill>
+          <a:blip r:embed="rId4"/>
+          <a:stretch>
+            <a:fillRect/>
+          </a:stretch>
+        </p:blipFill>
+        <p:spPr>
+          <a:xfrm>
+            <a:off x="838200" y="3260438"/>
+            <a:ext cx="7617668" cy="1752738"/>
+          </a:xfrm>
+          <a:prstGeom prst="rect">
+            <a:avLst/>
+          </a:prstGeom>
+        </p:spPr>
+      </p:pic>
+      <p:pic>
+        <p:nvPicPr>
+          <p:cNvPr id="10" name="그림 9"/>
+          <p:cNvPicPr>
+            <a:picLocks noChangeAspect="1"/>
+          </p:cNvPicPr>
+          <p:nvPr/>
+        </p:nvPicPr>
+        <p:blipFill>
+          <a:blip r:embed="rId5"/>
+          <a:stretch>
+            <a:fillRect/>
+          </a:stretch>
+        </p:blipFill>
+        <p:spPr>
+          <a:xfrm>
+            <a:off x="4010907" y="2346975"/>
+            <a:ext cx="3752850" cy="257175"/>
+          </a:xfrm>
+          <a:prstGeom prst="rect">
+            <a:avLst/>
+          </a:prstGeom>
+        </p:spPr>
+      </p:pic>
+      <p:sp>
+        <p:nvSpPr>
+          <p:cNvPr id="7" name="직사각형 6"/>
+          <p:cNvSpPr/>
+          <p:nvPr/>
+        </p:nvSpPr>
+        <p:spPr>
+          <a:xfrm rot="20565529">
+            <a:off x="2711624" y="2204864"/>
+            <a:ext cx="4392488" cy="864096"/>
+          </a:xfrm>
+          <a:prstGeom prst="rect">
+            <a:avLst/>
+          </a:prstGeom>
+          <a:solidFill>
+            <a:srgbClr val="C60202"/>
+          </a:solidFill>
+          <a:ln>
+            <a:solidFill>
+              <a:schemeClr val="tx2"/>
+            </a:solidFill>
+          </a:ln>
+        </p:spPr>
+        <p:style>
+          <a:lnRef idx="2">
+            <a:schemeClr val="accent1">
+              <a:shade val="50000"/>
+            </a:schemeClr>
+          </a:lnRef>
+          <a:fillRef idx="1">
+            <a:schemeClr val="accent1"/>
+          </a:fillRef>
+          <a:effectRef idx="0">
+            <a:schemeClr val="accent1"/>
+          </a:effectRef>
+          <a:fontRef idx="minor">
+            <a:schemeClr val="lt1"/>
+          </a:fontRef>
+        </p:style>
+        <p:txBody>
+          <a:bodyPr rtlCol="0" anchor="ctr"/>
+          <a:lstStyle/>
+          <a:p>
+            <a:pPr algn="ctr"/>
+            <a:r>
+              <a:rPr lang="ko-KR" altLang="en-US" sz="3600" smtClean="0"/>
+              <a:t>인자가 있는 </a:t>
+            </a:r>
+            <a:r>
+              <a:rPr lang="ko-KR" altLang="en-US" sz="3600" dirty="0" err="1" smtClean="0"/>
+              <a:t>생성자</a:t>
+            </a:r>
+            <a:endParaRPr lang="ko-KR" altLang="en-US" sz="3600" dirty="0"/>
+          </a:p>
+        </p:txBody>
+      </p:sp>
+    </p:spTree>
+    <p:extLst>
+      <p:ext uri="{BB962C8B-B14F-4D97-AF65-F5344CB8AC3E}">
+        <p14:creationId xmlns:p14="http://schemas.microsoft.com/office/powerpoint/2010/main" val="2700415268"/>
+      </p:ext>
+    </p:extLst>
+  </p:cSld>
+  <p:clrMapOvr>
+    <a:masterClrMapping/>
+  </p:clrMapOvr>
+  <p:timing>
+    <p:tnLst>
+      <p:par>
+        <p:cTn id="1" dur="indefinite" restart="never" nodeType="tmRoot">
+          <p:childTnLst>
+            <p:seq concurrent="1" nextAc="seek">
+              <p:cTn id="2" dur="indefinite" nodeType="mainSeq">
+                <p:childTnLst>
+                  <p:par>
+                    <p:cTn id="3" fill="hold">
+                      <p:stCondLst>
+                        <p:cond delay="indefinite"/>
+                      </p:stCondLst>
+                      <p:childTnLst>
+                        <p:par>
+                          <p:cTn id="4" fill="hold">
+                            <p:stCondLst>
+                              <p:cond delay="0"/>
+                            </p:stCondLst>
+                            <p:childTnLst>
+                              <p:par>
+                                <p:cTn id="5" presetID="10" presetClass="entr" presetSubtype="0" fill="hold" nodeType="clickEffect">
+                                  <p:stCondLst>
+                                    <p:cond delay="0"/>
+                                  </p:stCondLst>
+                                  <p:childTnLst>
+                                    <p:set>
+                                      <p:cBhvr>
+                                        <p:cTn id="6" dur="1" fill="hold">
+                                          <p:stCondLst>
+                                            <p:cond delay="0"/>
+                                          </p:stCondLst>
+                                        </p:cTn>
+                                        <p:tgtEl>
+                                          <p:spTgt spid="3"/>
+                                        </p:tgtEl>
+                                        <p:attrNameLst>
+                                          <p:attrName>style.visibility</p:attrName>
+                                        </p:attrNameLst>
+                                      </p:cBhvr>
+                                      <p:to>
+                                        <p:strVal val="visible"/>
+                                      </p:to>
+                                    </p:set>
+                                    <p:animEffect transition="in" filter="fade">
+                                      <p:cBhvr>
+                                        <p:cTn id="7" dur="500"/>
+                                        <p:tgtEl>
+                                          <p:spTgt spid="3"/>
+                                        </p:tgtEl>
+                                      </p:cBhvr>
+                                    </p:animEffect>
+                                  </p:childTnLst>
+                                </p:cTn>
+                              </p:par>
+                            </p:childTnLst>
+                          </p:cTn>
+                        </p:par>
+                      </p:childTnLst>
+                    </p:cTn>
+                  </p:par>
+                  <p:par>
+                    <p:cTn id="8" fill="hold">
+                      <p:stCondLst>
+                        <p:cond delay="indefinite"/>
+                      </p:stCondLst>
+                      <p:childTnLst>
+                        <p:par>
+                          <p:cTn id="9" fill="hold">
+                            <p:stCondLst>
+                              <p:cond delay="0"/>
+                            </p:stCondLst>
+                            <p:childTnLst>
+                              <p:par>
+                                <p:cTn id="10" presetID="10" presetClass="entr" presetSubtype="0" fill="hold" nodeType="clickEffect">
+                                  <p:stCondLst>
+                                    <p:cond delay="0"/>
+                                  </p:stCondLst>
+                                  <p:childTnLst>
+                                    <p:set>
+                                      <p:cBhvr>
+                                        <p:cTn id="11" dur="1" fill="hold">
+                                          <p:stCondLst>
+                                            <p:cond delay="0"/>
+                                          </p:stCondLst>
+                                        </p:cTn>
+                                        <p:tgtEl>
+                                          <p:spTgt spid="9"/>
+                                        </p:tgtEl>
+                                        <p:attrNameLst>
+                                          <p:attrName>style.visibility</p:attrName>
+                                        </p:attrNameLst>
+                                      </p:cBhvr>
+                                      <p:to>
+                                        <p:strVal val="visible"/>
+                                      </p:to>
+                                    </p:set>
+                                    <p:animEffect transition="in" filter="fade">
+                                      <p:cBhvr>
+                                        <p:cTn id="12" dur="500"/>
+                                        <p:tgtEl>
+                                          <p:spTgt spid="9"/>
+                                        </p:tgtEl>
+                                      </p:cBhvr>
+                                    </p:animEffect>
+                                  </p:childTnLst>
+                                </p:cTn>
+                              </p:par>
+                            </p:childTnLst>
+                          </p:cTn>
+                        </p:par>
+                      </p:childTnLst>
+                    </p:cTn>
+                  </p:par>
+                  <p:par>
+                    <p:cTn id="13" fill="hold">
+                      <p:stCondLst>
+                        <p:cond delay="indefinite"/>
+                      </p:stCondLst>
+                      <p:childTnLst>
+                        <p:par>
+                          <p:cTn id="14" fill="hold">
+                            <p:stCondLst>
+                              <p:cond delay="0"/>
+                            </p:stCondLst>
+                            <p:childTnLst>
+                              <p:par>
+                                <p:cTn id="15" presetID="53" presetClass="entr" presetSubtype="16" fill="hold" nodeType="clickEffect">
+                                  <p:stCondLst>
+                                    <p:cond delay="0"/>
+                                  </p:stCondLst>
+                                  <p:childTnLst>
+                                    <p:set>
+                                      <p:cBhvr>
+                                        <p:cTn id="16" dur="1" fill="hold">
+                                          <p:stCondLst>
+                                            <p:cond delay="0"/>
+                                          </p:stCondLst>
+                                        </p:cTn>
+                                        <p:tgtEl>
+                                          <p:spTgt spid="10"/>
+                                        </p:tgtEl>
+                                        <p:attrNameLst>
+                                          <p:attrName>style.visibility</p:attrName>
+                                        </p:attrNameLst>
+                                      </p:cBhvr>
+                                      <p:to>
+                                        <p:strVal val="visible"/>
+                                      </p:to>
+                                    </p:set>
+                                    <p:anim calcmode="lin" valueType="num">
+                                      <p:cBhvr>
+                                        <p:cTn id="17" dur="500" fill="hold"/>
+                                        <p:tgtEl>
+                                          <p:spTgt spid="10"/>
+                                        </p:tgtEl>
+                                        <p:attrNameLst>
+                                          <p:attrName>ppt_w</p:attrName>
+                                        </p:attrNameLst>
+                                      </p:cBhvr>
+                                      <p:tavLst>
+                                        <p:tav tm="0">
+                                          <p:val>
+                                            <p:fltVal val="0"/>
+                                          </p:val>
+                                        </p:tav>
+                                        <p:tav tm="100000">
+                                          <p:val>
+                                            <p:strVal val="#ppt_w"/>
+                                          </p:val>
+                                        </p:tav>
+                                      </p:tavLst>
+                                    </p:anim>
+                                    <p:anim calcmode="lin" valueType="num">
+                                      <p:cBhvr>
+                                        <p:cTn id="18" dur="500" fill="hold"/>
+                                        <p:tgtEl>
+                                          <p:spTgt spid="10"/>
+                                        </p:tgtEl>
+                                        <p:attrNameLst>
+                                          <p:attrName>ppt_h</p:attrName>
+                                        </p:attrNameLst>
+                                      </p:cBhvr>
+                                      <p:tavLst>
+                                        <p:tav tm="0">
+                                          <p:val>
+                                            <p:fltVal val="0"/>
+                                          </p:val>
+                                        </p:tav>
+                                        <p:tav tm="100000">
+                                          <p:val>
+                                            <p:strVal val="#ppt_h"/>
+                                          </p:val>
+                                        </p:tav>
+                                      </p:tavLst>
+                                    </p:anim>
+                                    <p:animEffect transition="in" filter="fade">
+                                      <p:cBhvr>
+                                        <p:cTn id="19" dur="500"/>
+                                        <p:tgtEl>
+                                          <p:spTgt spid="10"/>
+                                        </p:tgtEl>
+                                      </p:cBhvr>
+                                    </p:animEffect>
+                                  </p:childTnLst>
+                                </p:cTn>
+                              </p:par>
+                            </p:childTnLst>
+                          </p:cTn>
+                        </p:par>
+                      </p:childTnLst>
+                    </p:cTn>
+                  </p:par>
+                  <p:par>
+                    <p:cTn id="20" fill="hold">
+                      <p:stCondLst>
+                        <p:cond delay="indefinite"/>
+                      </p:stCondLst>
+                      <p:childTnLst>
+                        <p:par>
+                          <p:cTn id="21" fill="hold">
+                            <p:stCondLst>
+                              <p:cond delay="0"/>
+                            </p:stCondLst>
+                            <p:childTnLst>
+                              <p:par>
+                                <p:cTn id="22" presetID="26" presetClass="entr" presetSubtype="0" fill="hold" grpId="0" nodeType="clickEffect">
+                                  <p:stCondLst>
+                                    <p:cond delay="0"/>
+                                  </p:stCondLst>
+                                  <p:childTnLst>
+                                    <p:set>
+                                      <p:cBhvr>
+                                        <p:cTn id="23" dur="1" fill="hold">
+                                          <p:stCondLst>
+                                            <p:cond delay="0"/>
+                                          </p:stCondLst>
+                                        </p:cTn>
+                                        <p:tgtEl>
+                                          <p:spTgt spid="7"/>
+                                        </p:tgtEl>
+                                        <p:attrNameLst>
+                                          <p:attrName>style.visibility</p:attrName>
+                                        </p:attrNameLst>
+                                      </p:cBhvr>
+                                      <p:to>
+                                        <p:strVal val="visible"/>
+                                      </p:to>
+                                    </p:set>
+                                    <p:animEffect transition="in" filter="wipe(down)">
+                                      <p:cBhvr>
+                                        <p:cTn id="24" dur="290">
+                                          <p:stCondLst>
+                                            <p:cond delay="0"/>
+                                          </p:stCondLst>
+                                        </p:cTn>
+                                        <p:tgtEl>
+                                          <p:spTgt spid="7"/>
+                                        </p:tgtEl>
+                                      </p:cBhvr>
+                                    </p:animEffect>
+                                    <p:anim calcmode="lin" valueType="num">
+                                      <p:cBhvr>
+                                        <p:cTn id="25" dur="911" tmFilter="0,0; 0.14,0.36; 0.43,0.73; 0.71,0.91; 1.0,1.0">
+                                          <p:stCondLst>
+                                            <p:cond delay="0"/>
+                                          </p:stCondLst>
+                                        </p:cTn>
+                                        <p:tgtEl>
+                                          <p:spTgt spid="7"/>
+                                        </p:tgtEl>
+                                        <p:attrNameLst>
+                                          <p:attrName>ppt_x</p:attrName>
+                                        </p:attrNameLst>
+                                      </p:cBhvr>
+                                      <p:tavLst>
+                                        <p:tav tm="0">
+                                          <p:val>
+                                            <p:strVal val="#ppt_x-0.25"/>
+                                          </p:val>
+                                        </p:tav>
+                                        <p:tav tm="100000">
+                                          <p:val>
+                                            <p:strVal val="#ppt_x"/>
+                                          </p:val>
+                                        </p:tav>
+                                      </p:tavLst>
+                                    </p:anim>
+                                    <p:anim calcmode="lin" valueType="num">
+                                      <p:cBhvr>
+                                        <p:cTn id="26" dur="332" tmFilter="0.0,0.0; 0.25,0.07; 0.50,0.2; 0.75,0.467; 1.0,1.0">
+                                          <p:stCondLst>
+                                            <p:cond delay="0"/>
+                                          </p:stCondLst>
+                                        </p:cTn>
+                                        <p:tgtEl>
+                                          <p:spTgt spid="7"/>
+                                        </p:tgtEl>
+                                        <p:attrNameLst>
+                                          <p:attrName>ppt_y</p:attrName>
+                                        </p:attrNameLst>
+                                      </p:cBhvr>
+                                      <p:tavLst>
+                                        <p:tav tm="0" fmla="#ppt_y-sin(pi*$)/3">
+                                          <p:val>
+                                            <p:fltVal val="0.5"/>
+                                          </p:val>
+                                        </p:tav>
+                                        <p:tav tm="100000">
+                                          <p:val>
+                                            <p:fltVal val="1"/>
+                                          </p:val>
+                                        </p:tav>
+                                      </p:tavLst>
+                                    </p:anim>
+                                    <p:anim calcmode="lin" valueType="num">
+                                      <p:cBhvr>
+                                        <p:cTn id="27" dur="332" tmFilter="0, 0; 0.125,0.2665; 0.25,0.4; 0.375,0.465; 0.5,0.5;  0.625,0.535; 0.75,0.6; 0.875,0.7335; 1,1">
+                                          <p:stCondLst>
+                                            <p:cond delay="332"/>
+                                          </p:stCondLst>
+                                        </p:cTn>
+                                        <p:tgtEl>
+                                          <p:spTgt spid="7"/>
+                                        </p:tgtEl>
+                                        <p:attrNameLst>
+                                          <p:attrName>ppt_y</p:attrName>
+                                        </p:attrNameLst>
+                                      </p:cBhvr>
+                                      <p:tavLst>
+                                        <p:tav tm="0" fmla="#ppt_y-sin(pi*$)/9">
+                                          <p:val>
+                                            <p:fltVal val="0"/>
+                                          </p:val>
+                                        </p:tav>
+                                        <p:tav tm="100000">
+                                          <p:val>
+                                            <p:fltVal val="1"/>
+                                          </p:val>
+                                        </p:tav>
+                                      </p:tavLst>
+                                    </p:anim>
+                                    <p:anim calcmode="lin" valueType="num">
+                                      <p:cBhvr>
+                                        <p:cTn id="28" dur="166" tmFilter="0, 0; 0.125,0.2665; 0.25,0.4; 0.375,0.465; 0.5,0.5;  0.625,0.535; 0.75,0.6; 0.875,0.7335; 1,1">
+                                          <p:stCondLst>
+                                            <p:cond delay="662"/>
+                                          </p:stCondLst>
+                                        </p:cTn>
+                                        <p:tgtEl>
+                                          <p:spTgt spid="7"/>
+                                        </p:tgtEl>
+                                        <p:attrNameLst>
+                                          <p:attrName>ppt_y</p:attrName>
+                                        </p:attrNameLst>
+                                      </p:cBhvr>
+                                      <p:tavLst>
+                                        <p:tav tm="0" fmla="#ppt_y-sin(pi*$)/27">
+                                          <p:val>
+                                            <p:fltVal val="0"/>
+                                          </p:val>
+                                        </p:tav>
+                                        <p:tav tm="100000">
+                                          <p:val>
+                                            <p:fltVal val="1"/>
+                                          </p:val>
+                                        </p:tav>
+                                      </p:tavLst>
+                                    </p:anim>
+                                    <p:anim calcmode="lin" valueType="num">
+                                      <p:cBhvr>
+                                        <p:cTn id="29" dur="82" tmFilter="0, 0; 0.125,0.2665; 0.25,0.4; 0.375,0.465; 0.5,0.5;  0.625,0.535; 0.75,0.6; 0.875,0.7335; 1,1">
+                                          <p:stCondLst>
+                                            <p:cond delay="828"/>
+                                          </p:stCondLst>
+                                        </p:cTn>
+                                        <p:tgtEl>
+                                          <p:spTgt spid="7"/>
+                                        </p:tgtEl>
+                                        <p:attrNameLst>
+                                          <p:attrName>ppt_y</p:attrName>
+                                        </p:attrNameLst>
+                                      </p:cBhvr>
+                                      <p:tavLst>
+                                        <p:tav tm="0" fmla="#ppt_y-sin(pi*$)/81">
+                                          <p:val>
+                                            <p:fltVal val="0"/>
+                                          </p:val>
+                                        </p:tav>
+                                        <p:tav tm="100000">
+                                          <p:val>
+                                            <p:fltVal val="1"/>
+                                          </p:val>
+                                        </p:tav>
+                                      </p:tavLst>
+                                    </p:anim>
+                                    <p:animScale>
+                                      <p:cBhvr>
+                                        <p:cTn id="30" dur="13">
+                                          <p:stCondLst>
+                                            <p:cond delay="325"/>
+                                          </p:stCondLst>
+                                        </p:cTn>
+                                        <p:tgtEl>
+                                          <p:spTgt spid="7"/>
+                                        </p:tgtEl>
+                                      </p:cBhvr>
+                                      <p:to x="100000" y="60000"/>
+                                    </p:animScale>
+                                    <p:animScale>
+                                      <p:cBhvr>
+                                        <p:cTn id="31" dur="83" decel="50000">
+                                          <p:stCondLst>
+                                            <p:cond delay="338"/>
+                                          </p:stCondLst>
+                                        </p:cTn>
+                                        <p:tgtEl>
+                                          <p:spTgt spid="7"/>
+                                        </p:tgtEl>
+                                      </p:cBhvr>
+                                      <p:to x="100000" y="100000"/>
+                                    </p:animScale>
+                                    <p:animScale>
+                                      <p:cBhvr>
+                                        <p:cTn id="32" dur="13">
+                                          <p:stCondLst>
+                                            <p:cond delay="656"/>
+                                          </p:stCondLst>
+                                        </p:cTn>
+                                        <p:tgtEl>
+                                          <p:spTgt spid="7"/>
+                                        </p:tgtEl>
+                                      </p:cBhvr>
+                                      <p:to x="100000" y="80000"/>
+                                    </p:animScale>
+                                    <p:animScale>
+                                      <p:cBhvr>
+                                        <p:cTn id="33" dur="83" decel="50000">
+                                          <p:stCondLst>
+                                            <p:cond delay="669"/>
+                                          </p:stCondLst>
+                                        </p:cTn>
+                                        <p:tgtEl>
+                                          <p:spTgt spid="7"/>
+                                        </p:tgtEl>
+                                      </p:cBhvr>
+                                      <p:to x="100000" y="100000"/>
+                                    </p:animScale>
+                                    <p:animScale>
+                                      <p:cBhvr>
+                                        <p:cTn id="34" dur="13">
+                                          <p:stCondLst>
+                                            <p:cond delay="821"/>
+                                          </p:stCondLst>
+                                        </p:cTn>
+                                        <p:tgtEl>
+                                          <p:spTgt spid="7"/>
+                                        </p:tgtEl>
+                                      </p:cBhvr>
+                                      <p:to x="100000" y="90000"/>
+                                    </p:animScale>
+                                    <p:animScale>
+                                      <p:cBhvr>
+                                        <p:cTn id="35" dur="83" decel="50000">
+                                          <p:stCondLst>
+                                            <p:cond delay="834"/>
+                                          </p:stCondLst>
+                                        </p:cTn>
+                                        <p:tgtEl>
+                                          <p:spTgt spid="7"/>
+                                        </p:tgtEl>
+                                      </p:cBhvr>
+                                      <p:to x="100000" y="100000"/>
+                                    </p:animScale>
+                                    <p:animScale>
+                                      <p:cBhvr>
+                                        <p:cTn id="36" dur="13">
+                                          <p:stCondLst>
+                                            <p:cond delay="904"/>
+                                          </p:stCondLst>
+                                        </p:cTn>
+                                        <p:tgtEl>
+                                          <p:spTgt spid="7"/>
+                                        </p:tgtEl>
+                                      </p:cBhvr>
+                                      <p:to x="100000" y="95000"/>
+                                    </p:animScale>
+                                    <p:animScale>
+                                      <p:cBhvr>
+                                        <p:cTn id="37" dur="83" decel="50000">
+                                          <p:stCondLst>
+                                            <p:cond delay="917"/>
+                                          </p:stCondLst>
+                                        </p:cTn>
+                                        <p:tgtEl>
+                                          <p:spTgt spid="7"/>
+                                        </p:tgtEl>
+                                      </p:cBhvr>
+                                      <p:to x="100000" y="100000"/>
+                                    </p:animScale>
+                                  </p:childTnLst>
+                                </p:cTn>
+                              </p:par>
+                            </p:childTnLst>
+                          </p:cTn>
+                        </p:par>
+                      </p:childTnLst>
+                    </p:cTn>
+                  </p:par>
+                </p:childTnLst>
+              </p:cTn>
+              <p:prevCondLst>
+                <p:cond evt="onPrev" delay="0">
+                  <p:tgtEl>
+                    <p:sldTgt/>
+                  </p:tgtEl>
+                </p:cond>
+              </p:prevCondLst>
+              <p:nextCondLst>
+                <p:cond evt="onNext" delay="0">
+                  <p:tgtEl>
+                    <p:sldTgt/>
+                  </p:tgtEl>
+                </p:cond>
+              </p:nextCondLst>
+            </p:seq>
+          </p:childTnLst>
+        </p:cTn>
+      </p:par>
+    </p:tnLst>
+    <p:bldLst>
+      <p:bldP spid="7" grpId="0" animBg="1"/>
+    </p:bldLst>
+  </p:timing>
+</p:sld>
+</file>
+
+<file path=ppt/slides/slide15.xml><?xml version="1.0" encoding="utf-8"?>
+<p:sld xmlns:a="http://schemas.openxmlformats.org/drawingml/2006/main" xmlns:r="http://schemas.openxmlformats.org/officeDocument/2006/relationships" xmlns:p="http://schemas.openxmlformats.org/presentationml/2006/main">
+  <p:cSld>
+    <p:spTree>
+      <p:nvGrpSpPr>
+        <p:cNvPr id="1" name=""/>
+        <p:cNvGrpSpPr/>
+        <p:nvPr/>
+      </p:nvGrpSpPr>
+      <p:grpSpPr>
+        <a:xfrm>
+          <a:off x="0" y="0"/>
+          <a:ext cx="0" cy="0"/>
+          <a:chOff x="0" y="0"/>
+          <a:chExt cx="0" cy="0"/>
+        </a:xfrm>
+      </p:grpSpPr>
+      <p:sp>
+        <p:nvSpPr>
+          <p:cNvPr id="4" name="Title 3"/>
+          <p:cNvSpPr>
+            <a:spLocks noGrp="1"/>
+          </p:cNvSpPr>
+          <p:nvPr>
+            <p:ph type="title"/>
+          </p:nvPr>
+        </p:nvSpPr>
+        <p:spPr/>
+        <p:txBody>
+          <a:bodyPr/>
+          <a:lstStyle/>
+          <a:p>
+            <a:r>
+              <a:rPr lang="ko-KR" altLang="en-US" dirty="0"/>
+              <a:t>생성자의 종류</a:t>
+            </a:r>
+            <a:endParaRPr lang="en-US" dirty="0"/>
+          </a:p>
+        </p:txBody>
+      </p:sp>
+      <p:sp>
+        <p:nvSpPr>
+          <p:cNvPr id="8" name="Slide Number Placeholder 7"/>
+          <p:cNvSpPr>
+            <a:spLocks noGrp="1"/>
+          </p:cNvSpPr>
+          <p:nvPr>
+            <p:ph type="sldNum" sz="quarter" idx="12"/>
+          </p:nvPr>
+        </p:nvSpPr>
+        <p:spPr/>
+        <p:txBody>
+          <a:bodyPr/>
+          <a:lstStyle/>
+          <a:p>
+            <a:fld id="{FA3EE389-E41A-49AC-9975-3D3899FF737D}" type="slidenum">
+              <a:rPr lang="en-US" smtClean="0"/>
+              <a:t>15</a:t>
             </a:fld>
             <a:endParaRPr lang="en-US"/>
           </a:p>
@@ -39658,7 +41343,7 @@
 </p:sld>
 </file>
 
-<file path=ppt/slides/slide13.xml><?xml version="1.0" encoding="utf-8"?>
+<file path=ppt/slides/slide16.xml><?xml version="1.0" encoding="utf-8"?>
 <p:sld xmlns:a="http://schemas.openxmlformats.org/drawingml/2006/main" xmlns:r="http://schemas.openxmlformats.org/officeDocument/2006/relationships" xmlns:p="http://schemas.openxmlformats.org/presentationml/2006/main">
   <p:cSld>
     <p:spTree>
@@ -39723,7 +41408,7 @@
           <a:p>
             <a:fld id="{FA3EE389-E41A-49AC-9975-3D3899FF737D}" type="slidenum">
               <a:rPr lang="en-US" smtClean="0"/>
-              <a:t>13</a:t>
+              <a:t>16</a:t>
             </a:fld>
             <a:endParaRPr lang="en-US"/>
           </a:p>
@@ -41048,7 +42733,7 @@
 </p:sld>
 </file>
 
-<file path=ppt/slides/slide14.xml><?xml version="1.0" encoding="utf-8"?>
+<file path=ppt/slides/slide17.xml><?xml version="1.0" encoding="utf-8"?>
 <p:sld xmlns:a="http://schemas.openxmlformats.org/drawingml/2006/main" xmlns:r="http://schemas.openxmlformats.org/officeDocument/2006/relationships" xmlns:p="http://schemas.openxmlformats.org/presentationml/2006/main">
   <p:cSld>
     <p:spTree>
@@ -41109,7 +42794,7 @@
           <a:p>
             <a:fld id="{FA3EE389-E41A-49AC-9975-3D3899FF737D}" type="slidenum">
               <a:rPr lang="en-US" smtClean="0"/>
-              <a:t>14</a:t>
+              <a:t>17</a:t>
             </a:fld>
             <a:endParaRPr lang="en-US"/>
           </a:p>
@@ -41632,7 +43317,7 @@
 </p:sld>
 </file>
 
-<file path=ppt/slides/slide15.xml><?xml version="1.0" encoding="utf-8"?>
+<file path=ppt/slides/slide18.xml><?xml version="1.0" encoding="utf-8"?>
 <p:sld xmlns:a="http://schemas.openxmlformats.org/drawingml/2006/main" xmlns:r="http://schemas.openxmlformats.org/officeDocument/2006/relationships" xmlns:p="http://schemas.openxmlformats.org/presentationml/2006/main">
   <p:cSld>
     <p:spTree>
@@ -41689,7 +43374,7 @@
           <a:p>
             <a:fld id="{FA3EE389-E41A-49AC-9975-3D3899FF737D}" type="slidenum">
               <a:rPr lang="en-US" smtClean="0"/>
-              <a:t>15</a:t>
+              <a:t>18</a:t>
             </a:fld>
             <a:endParaRPr lang="en-US"/>
           </a:p>
@@ -41704,7 +43389,7 @@
         <p:spPr>
           <a:xfrm>
             <a:off x="1199456" y="1988840"/>
-            <a:ext cx="6787436" cy="1477328"/>
+            <a:ext cx="6787436" cy="2031325"/>
           </a:xfrm>
           <a:prstGeom prst="rect">
             <a:avLst/>
@@ -41833,7 +43518,35 @@
               <a:rPr lang="en-US" altLang="ko-KR" dirty="0" smtClean="0"/>
               <a:t>.</a:t>
             </a:r>
-            <a:endParaRPr lang="ko-KR" altLang="en-US" dirty="0"/>
+          </a:p>
+          <a:p>
+            <a:endParaRPr lang="en-US" altLang="ko-KR" dirty="0"/>
+          </a:p>
+          <a:p>
+            <a:r>
+              <a:rPr lang="ko-KR" altLang="en-US" dirty="0" smtClean="0"/>
+              <a:t>학점은 </a:t>
+            </a:r>
+            <a:r>
+              <a:rPr lang="en-US" altLang="ko-KR" dirty="0" smtClean="0"/>
+              <a:t>100~91 – A</a:t>
+            </a:r>
+            <a:r>
+              <a:rPr lang="ko-KR" altLang="en-US" dirty="0"/>
+              <a:t> </a:t>
+            </a:r>
+            <a:r>
+              <a:rPr lang="en-US" altLang="ko-KR" dirty="0" smtClean="0"/>
+              <a:t>/ 90~81 – B / 80~71 – C / 70~61 – D / </a:t>
+            </a:r>
+            <a:r>
+              <a:rPr lang="ko-KR" altLang="en-US" dirty="0" smtClean="0"/>
+              <a:t>나머지 </a:t>
+            </a:r>
+            <a:r>
+              <a:rPr lang="en-US" altLang="ko-KR" dirty="0" smtClean="0"/>
+              <a:t>- F</a:t>
+            </a:r>
           </a:p>
         </p:txBody>
       </p:sp>
@@ -42179,7 +43892,7 @@
 </p:sld>
 </file>
 
-<file path=ppt/slides/slide16.xml><?xml version="1.0" encoding="utf-8"?>
+<file path=ppt/slides/slide19.xml><?xml version="1.0" encoding="utf-8"?>
 <p:sld xmlns:a="http://schemas.openxmlformats.org/drawingml/2006/main" xmlns:r="http://schemas.openxmlformats.org/officeDocument/2006/relationships" xmlns:p="http://schemas.openxmlformats.org/presentationml/2006/main">
   <p:cSld>
     <p:spTree>
@@ -42236,7 +43949,7 @@
           <a:p>
             <a:fld id="{FA3EE389-E41A-49AC-9975-3D3899FF737D}" type="slidenum">
               <a:rPr lang="en-US" smtClean="0"/>
-              <a:t>16</a:t>
+              <a:t>19</a:t>
             </a:fld>
             <a:endParaRPr lang="en-US"/>
           </a:p>
@@ -42246,128 +43959,6 @@
     <p:extLst>
       <p:ext uri="{BB962C8B-B14F-4D97-AF65-F5344CB8AC3E}">
         <p14:creationId xmlns:p14="http://schemas.microsoft.com/office/powerpoint/2010/main" val="371785908"/>
-      </p:ext>
-    </p:extLst>
-  </p:cSld>
-  <p:clrMapOvr>
-    <a:masterClrMapping/>
-  </p:clrMapOvr>
-  <p:timing>
-    <p:tnLst>
-      <p:par>
-        <p:cTn id="1" dur="indefinite" restart="never" nodeType="tmRoot"/>
-      </p:par>
-    </p:tnLst>
-  </p:timing>
-</p:sld>
-</file>
-
-<file path=ppt/slides/slide17.xml><?xml version="1.0" encoding="utf-8"?>
-<p:sld xmlns:a="http://schemas.openxmlformats.org/drawingml/2006/main" xmlns:r="http://schemas.openxmlformats.org/officeDocument/2006/relationships" xmlns:p="http://schemas.openxmlformats.org/presentationml/2006/main">
-  <p:cSld>
-    <p:spTree>
-      <p:nvGrpSpPr>
-        <p:cNvPr id="1" name=""/>
-        <p:cNvGrpSpPr/>
-        <p:nvPr/>
-      </p:nvGrpSpPr>
-      <p:grpSpPr>
-        <a:xfrm>
-          <a:off x="0" y="0"/>
-          <a:ext cx="0" cy="0"/>
-          <a:chOff x="0" y="0"/>
-          <a:chExt cx="0" cy="0"/>
-        </a:xfrm>
-      </p:grpSpPr>
-      <p:sp>
-        <p:nvSpPr>
-          <p:cNvPr id="8" name="Slide Number Placeholder 7"/>
-          <p:cNvSpPr>
-            <a:spLocks noGrp="1"/>
-          </p:cNvSpPr>
-          <p:nvPr>
-            <p:ph type="sldNum" sz="quarter" idx="12"/>
-          </p:nvPr>
-        </p:nvSpPr>
-        <p:spPr/>
-        <p:txBody>
-          <a:bodyPr/>
-          <a:lstStyle/>
-          <a:p>
-            <a:fld id="{FA3EE389-E41A-49AC-9975-3D3899FF737D}" type="slidenum">
-              <a:rPr lang="en-US" smtClean="0"/>
-              <a:t>17</a:t>
-            </a:fld>
-            <a:endParaRPr lang="en-US"/>
-          </a:p>
-        </p:txBody>
-      </p:sp>
-      <p:pic>
-        <p:nvPicPr>
-          <p:cNvPr id="5" name="그림 4"/>
-          <p:cNvPicPr>
-            <a:picLocks noChangeAspect="1"/>
-          </p:cNvPicPr>
-          <p:nvPr/>
-        </p:nvPicPr>
-        <p:blipFill>
-          <a:blip r:embed="rId3">
-            <a:extLst>
-              <a:ext uri="{28A0092B-C50C-407E-A947-70E740481C1C}">
-                <a14:useLocalDpi xmlns:a14="http://schemas.microsoft.com/office/drawing/2010/main" val="0"/>
-              </a:ext>
-            </a:extLst>
-          </a:blip>
-          <a:stretch>
-            <a:fillRect/>
-          </a:stretch>
-        </p:blipFill>
-        <p:spPr>
-          <a:xfrm>
-            <a:off x="3615680" y="979909"/>
-            <a:ext cx="3200400" cy="4105275"/>
-          </a:xfrm>
-          <a:prstGeom prst="rect">
-            <a:avLst/>
-          </a:prstGeom>
-        </p:spPr>
-      </p:pic>
-      <p:sp>
-        <p:nvSpPr>
-          <p:cNvPr id="7" name="Title 3"/>
-          <p:cNvSpPr>
-            <a:spLocks noGrp="1"/>
-          </p:cNvSpPr>
-          <p:nvPr>
-            <p:ph type="title"/>
-          </p:nvPr>
-        </p:nvSpPr>
-        <p:spPr>
-          <a:xfrm>
-            <a:off x="838200" y="365125"/>
-            <a:ext cx="10515600" cy="1325563"/>
-          </a:xfrm>
-        </p:spPr>
-        <p:txBody>
-          <a:bodyPr/>
-          <a:lstStyle/>
-          <a:p>
-            <a:r>
-              <a:rPr lang="ko-KR" altLang="en-US" dirty="0" smtClean="0"/>
-              <a:t>감사합니다</a:t>
-            </a:r>
-            <a:r>
-              <a:rPr lang="en-US" altLang="ko-KR" dirty="0" smtClean="0"/>
-              <a:t>.</a:t>
-            </a:r>
-            <a:endParaRPr lang="en-US" dirty="0"/>
-          </a:p>
-        </p:txBody>
-      </p:sp>
-    </p:spTree>
-    <p:extLst>
-      <p:ext uri="{BB962C8B-B14F-4D97-AF65-F5344CB8AC3E}">
-        <p14:creationId xmlns:p14="http://schemas.microsoft.com/office/powerpoint/2010/main" val="3282595288"/>
       </p:ext>
     </p:extLst>
   </p:cSld>
@@ -42679,7 +44270,7 @@
           <a:p>
             <a:r>
               <a:rPr lang="ko-KR" altLang="en-US" dirty="0" smtClean="0"/>
-              <a:t>필드</a:t>
+              <a:t>변수</a:t>
             </a:r>
             <a:r>
               <a:rPr lang="en-US" altLang="ko-KR" dirty="0" smtClean="0"/>
@@ -43143,6 +44734,128 @@
 </p:sld>
 </file>
 
+<file path=ppt/slides/slide20.xml><?xml version="1.0" encoding="utf-8"?>
+<p:sld xmlns:a="http://schemas.openxmlformats.org/drawingml/2006/main" xmlns:r="http://schemas.openxmlformats.org/officeDocument/2006/relationships" xmlns:p="http://schemas.openxmlformats.org/presentationml/2006/main">
+  <p:cSld>
+    <p:spTree>
+      <p:nvGrpSpPr>
+        <p:cNvPr id="1" name=""/>
+        <p:cNvGrpSpPr/>
+        <p:nvPr/>
+      </p:nvGrpSpPr>
+      <p:grpSpPr>
+        <a:xfrm>
+          <a:off x="0" y="0"/>
+          <a:ext cx="0" cy="0"/>
+          <a:chOff x="0" y="0"/>
+          <a:chExt cx="0" cy="0"/>
+        </a:xfrm>
+      </p:grpSpPr>
+      <p:sp>
+        <p:nvSpPr>
+          <p:cNvPr id="8" name="Slide Number Placeholder 7"/>
+          <p:cNvSpPr>
+            <a:spLocks noGrp="1"/>
+          </p:cNvSpPr>
+          <p:nvPr>
+            <p:ph type="sldNum" sz="quarter" idx="12"/>
+          </p:nvPr>
+        </p:nvSpPr>
+        <p:spPr/>
+        <p:txBody>
+          <a:bodyPr/>
+          <a:lstStyle/>
+          <a:p>
+            <a:fld id="{FA3EE389-E41A-49AC-9975-3D3899FF737D}" type="slidenum">
+              <a:rPr lang="en-US" smtClean="0"/>
+              <a:t>20</a:t>
+            </a:fld>
+            <a:endParaRPr lang="en-US"/>
+          </a:p>
+        </p:txBody>
+      </p:sp>
+      <p:pic>
+        <p:nvPicPr>
+          <p:cNvPr id="5" name="그림 4"/>
+          <p:cNvPicPr>
+            <a:picLocks noChangeAspect="1"/>
+          </p:cNvPicPr>
+          <p:nvPr/>
+        </p:nvPicPr>
+        <p:blipFill>
+          <a:blip r:embed="rId3">
+            <a:extLst>
+              <a:ext uri="{28A0092B-C50C-407E-A947-70E740481C1C}">
+                <a14:useLocalDpi xmlns:a14="http://schemas.microsoft.com/office/drawing/2010/main" val="0"/>
+              </a:ext>
+            </a:extLst>
+          </a:blip>
+          <a:stretch>
+            <a:fillRect/>
+          </a:stretch>
+        </p:blipFill>
+        <p:spPr>
+          <a:xfrm>
+            <a:off x="3615680" y="979909"/>
+            <a:ext cx="3200400" cy="4105275"/>
+          </a:xfrm>
+          <a:prstGeom prst="rect">
+            <a:avLst/>
+          </a:prstGeom>
+        </p:spPr>
+      </p:pic>
+      <p:sp>
+        <p:nvSpPr>
+          <p:cNvPr id="7" name="Title 3"/>
+          <p:cNvSpPr>
+            <a:spLocks noGrp="1"/>
+          </p:cNvSpPr>
+          <p:nvPr>
+            <p:ph type="title"/>
+          </p:nvPr>
+        </p:nvSpPr>
+        <p:spPr>
+          <a:xfrm>
+            <a:off x="838200" y="365125"/>
+            <a:ext cx="10515600" cy="1325563"/>
+          </a:xfrm>
+        </p:spPr>
+        <p:txBody>
+          <a:bodyPr/>
+          <a:lstStyle/>
+          <a:p>
+            <a:r>
+              <a:rPr lang="ko-KR" altLang="en-US" dirty="0" smtClean="0"/>
+              <a:t>감사합니다</a:t>
+            </a:r>
+            <a:r>
+              <a:rPr lang="en-US" altLang="ko-KR" dirty="0" smtClean="0"/>
+              <a:t>.</a:t>
+            </a:r>
+            <a:endParaRPr lang="en-US" dirty="0"/>
+          </a:p>
+        </p:txBody>
+      </p:sp>
+    </p:spTree>
+    <p:extLst>
+      <p:ext uri="{BB962C8B-B14F-4D97-AF65-F5344CB8AC3E}">
+        <p14:creationId xmlns:p14="http://schemas.microsoft.com/office/powerpoint/2010/main" val="3282595288"/>
+      </p:ext>
+    </p:extLst>
+  </p:cSld>
+  <p:clrMapOvr>
+    <a:masterClrMapping/>
+  </p:clrMapOvr>
+  <p:timing>
+    <p:tnLst>
+      <p:par>
+        <p:cTn id="1" dur="indefinite" restart="never" nodeType="tmRoot"/>
+      </p:par>
+    </p:tnLst>
+  </p:timing>
+</p:sld>
+</file>
+
 <file path=ppt/slides/slide3.xml><?xml version="1.0" encoding="utf-8"?>
 <p:sld xmlns:a="http://schemas.openxmlformats.org/drawingml/2006/main" xmlns:r="http://schemas.openxmlformats.org/officeDocument/2006/relationships" xmlns:p="http://schemas.openxmlformats.org/presentationml/2006/main">
   <p:cSld>
@@ -43302,7 +45015,7 @@
             </a:pPr>
             <a:r>
               <a:rPr lang="ko-KR" altLang="en-US" sz="2800" dirty="0" smtClean="0"/>
-              <a:t>필드</a:t>
+              <a:t>변수</a:t>
             </a:r>
             <a:endParaRPr lang="ko-KR" altLang="en-US" sz="2800" dirty="0"/>
           </a:p>
@@ -44735,7 +46448,7 @@
           <a:p>
             <a:r>
               <a:rPr lang="ko-KR" altLang="en-US" dirty="0" smtClean="0"/>
-              <a:t>필드를 사용해보자</a:t>
+              <a:t>변수의 종류를 찾아보자</a:t>
             </a:r>
             <a:r>
               <a:rPr lang="en-US" altLang="ko-KR" dirty="0" smtClean="0"/>
@@ -44770,7 +46483,7 @@
       </p:sp>
       <p:pic>
         <p:nvPicPr>
-          <p:cNvPr id="3" name="그림 2"/>
+          <p:cNvPr id="2" name="그림 1"/>
           <p:cNvPicPr>
             <a:picLocks noChangeAspect="1"/>
           </p:cNvPicPr>
@@ -44784,14 +46497,561 @@
         </p:blipFill>
         <p:spPr>
           <a:xfrm>
-            <a:off x="911424" y="1690591"/>
-            <a:ext cx="6821142" cy="3160192"/>
+            <a:off x="3719736" y="1844824"/>
+            <a:ext cx="5544617" cy="1712430"/>
           </a:xfrm>
           <a:prstGeom prst="rect">
             <a:avLst/>
           </a:prstGeom>
         </p:spPr>
       </p:pic>
+      <p:sp>
+        <p:nvSpPr>
+          <p:cNvPr id="7" name="TextBox 6"/>
+          <p:cNvSpPr txBox="1"/>
+          <p:nvPr/>
+        </p:nvSpPr>
+        <p:spPr>
+          <a:xfrm>
+            <a:off x="839416" y="1772816"/>
+            <a:ext cx="2709396" cy="523220"/>
+          </a:xfrm>
+          <a:prstGeom prst="rect">
+            <a:avLst/>
+          </a:prstGeom>
+          <a:noFill/>
+        </p:spPr>
+        <p:txBody>
+          <a:bodyPr wrap="none" rtlCol="0">
+            <a:spAutoFit/>
+          </a:bodyPr>
+          <a:lstStyle/>
+          <a:p>
+            <a:pPr marL="285750" indent="-285750">
+              <a:buFont typeface="Arial" panose="020B0604020202020204" pitchFamily="34" charset="0"/>
+              <a:buChar char="•"/>
+            </a:pPr>
+            <a:r>
+              <a:rPr lang="ko-KR" altLang="en-US" sz="2800" dirty="0" err="1" smtClean="0"/>
+              <a:t>인스턴스</a:t>
+            </a:r>
+            <a:r>
+              <a:rPr lang="ko-KR" altLang="en-US" sz="2800" dirty="0" smtClean="0"/>
+              <a:t> 변수</a:t>
+            </a:r>
+            <a:endParaRPr lang="ko-KR" altLang="en-US" sz="2800" dirty="0"/>
+          </a:p>
+        </p:txBody>
+      </p:sp>
+      <p:sp>
+        <p:nvSpPr>
+          <p:cNvPr id="10" name="TextBox 9"/>
+          <p:cNvSpPr txBox="1"/>
+          <p:nvPr/>
+        </p:nvSpPr>
+        <p:spPr>
+          <a:xfrm>
+            <a:off x="839416" y="2299286"/>
+            <a:ext cx="2350323" cy="523220"/>
+          </a:xfrm>
+          <a:prstGeom prst="rect">
+            <a:avLst/>
+          </a:prstGeom>
+          <a:noFill/>
+        </p:spPr>
+        <p:txBody>
+          <a:bodyPr wrap="none" rtlCol="0">
+            <a:spAutoFit/>
+          </a:bodyPr>
+          <a:lstStyle/>
+          <a:p>
+            <a:pPr marL="285750" indent="-285750">
+              <a:buFont typeface="Arial" panose="020B0604020202020204" pitchFamily="34" charset="0"/>
+              <a:buChar char="•"/>
+            </a:pPr>
+            <a:r>
+              <a:rPr lang="ko-KR" altLang="en-US" sz="2800" dirty="0" smtClean="0"/>
+              <a:t>클래스 변수</a:t>
+            </a:r>
+            <a:endParaRPr lang="ko-KR" altLang="en-US" sz="2800" dirty="0"/>
+          </a:p>
+        </p:txBody>
+      </p:sp>
+      <p:sp>
+        <p:nvSpPr>
+          <p:cNvPr id="11" name="TextBox 10"/>
+          <p:cNvSpPr txBox="1"/>
+          <p:nvPr/>
+        </p:nvSpPr>
+        <p:spPr>
+          <a:xfrm>
+            <a:off x="839416" y="2808338"/>
+            <a:ext cx="1991251" cy="523220"/>
+          </a:xfrm>
+          <a:prstGeom prst="rect">
+            <a:avLst/>
+          </a:prstGeom>
+          <a:noFill/>
+        </p:spPr>
+        <p:txBody>
+          <a:bodyPr wrap="none" rtlCol="0">
+            <a:spAutoFit/>
+          </a:bodyPr>
+          <a:lstStyle/>
+          <a:p>
+            <a:pPr marL="285750" indent="-285750">
+              <a:buFont typeface="Arial" panose="020B0604020202020204" pitchFamily="34" charset="0"/>
+              <a:buChar char="•"/>
+            </a:pPr>
+            <a:r>
+              <a:rPr lang="ko-KR" altLang="en-US" sz="2800" dirty="0" smtClean="0"/>
+              <a:t>지역 변수</a:t>
+            </a:r>
+            <a:endParaRPr lang="ko-KR" altLang="en-US" sz="2800" dirty="0"/>
+          </a:p>
+        </p:txBody>
+      </p:sp>
+    </p:spTree>
+    <p:extLst>
+      <p:ext uri="{BB962C8B-B14F-4D97-AF65-F5344CB8AC3E}">
+        <p14:creationId xmlns:p14="http://schemas.microsoft.com/office/powerpoint/2010/main" val="3541201403"/>
+      </p:ext>
+    </p:extLst>
+  </p:cSld>
+  <p:clrMapOvr>
+    <a:masterClrMapping/>
+  </p:clrMapOvr>
+  <p:timing>
+    <p:tnLst>
+      <p:par>
+        <p:cTn id="1" dur="indefinite" restart="never" nodeType="tmRoot">
+          <p:childTnLst>
+            <p:seq concurrent="1" nextAc="seek">
+              <p:cTn id="2" dur="indefinite" nodeType="mainSeq">
+                <p:childTnLst>
+                  <p:par>
+                    <p:cTn id="3" fill="hold">
+                      <p:stCondLst>
+                        <p:cond delay="indefinite"/>
+                      </p:stCondLst>
+                      <p:childTnLst>
+                        <p:par>
+                          <p:cTn id="4" fill="hold">
+                            <p:stCondLst>
+                              <p:cond delay="0"/>
+                            </p:stCondLst>
+                            <p:childTnLst>
+                              <p:par>
+                                <p:cTn id="5" presetID="10" presetClass="entr" presetSubtype="0" fill="hold" nodeType="clickEffect">
+                                  <p:stCondLst>
+                                    <p:cond delay="0"/>
+                                  </p:stCondLst>
+                                  <p:childTnLst>
+                                    <p:set>
+                                      <p:cBhvr>
+                                        <p:cTn id="6" dur="1" fill="hold">
+                                          <p:stCondLst>
+                                            <p:cond delay="0"/>
+                                          </p:stCondLst>
+                                        </p:cTn>
+                                        <p:tgtEl>
+                                          <p:spTgt spid="2"/>
+                                        </p:tgtEl>
+                                        <p:attrNameLst>
+                                          <p:attrName>style.visibility</p:attrName>
+                                        </p:attrNameLst>
+                                      </p:cBhvr>
+                                      <p:to>
+                                        <p:strVal val="visible"/>
+                                      </p:to>
+                                    </p:set>
+                                    <p:animEffect transition="in" filter="fade">
+                                      <p:cBhvr>
+                                        <p:cTn id="7" dur="500"/>
+                                        <p:tgtEl>
+                                          <p:spTgt spid="2"/>
+                                        </p:tgtEl>
+                                      </p:cBhvr>
+                                    </p:animEffect>
+                                  </p:childTnLst>
+                                </p:cTn>
+                              </p:par>
+                            </p:childTnLst>
+                          </p:cTn>
+                        </p:par>
+                      </p:childTnLst>
+                    </p:cTn>
+                  </p:par>
+                  <p:par>
+                    <p:cTn id="8" fill="hold">
+                      <p:stCondLst>
+                        <p:cond delay="indefinite"/>
+                      </p:stCondLst>
+                      <p:childTnLst>
+                        <p:par>
+                          <p:cTn id="9" fill="hold">
+                            <p:stCondLst>
+                              <p:cond delay="0"/>
+                            </p:stCondLst>
+                            <p:childTnLst>
+                              <p:par>
+                                <p:cTn id="10" presetID="2" presetClass="entr" presetSubtype="8" fill="hold" grpId="0" nodeType="clickEffect">
+                                  <p:stCondLst>
+                                    <p:cond delay="0"/>
+                                  </p:stCondLst>
+                                  <p:childTnLst>
+                                    <p:set>
+                                      <p:cBhvr>
+                                        <p:cTn id="11" dur="1" fill="hold">
+                                          <p:stCondLst>
+                                            <p:cond delay="0"/>
+                                          </p:stCondLst>
+                                        </p:cTn>
+                                        <p:tgtEl>
+                                          <p:spTgt spid="7"/>
+                                        </p:tgtEl>
+                                        <p:attrNameLst>
+                                          <p:attrName>style.visibility</p:attrName>
+                                        </p:attrNameLst>
+                                      </p:cBhvr>
+                                      <p:to>
+                                        <p:strVal val="visible"/>
+                                      </p:to>
+                                    </p:set>
+                                    <p:anim calcmode="lin" valueType="num">
+                                      <p:cBhvr additive="base">
+                                        <p:cTn id="12" dur="500" fill="hold"/>
+                                        <p:tgtEl>
+                                          <p:spTgt spid="7"/>
+                                        </p:tgtEl>
+                                        <p:attrNameLst>
+                                          <p:attrName>ppt_x</p:attrName>
+                                        </p:attrNameLst>
+                                      </p:cBhvr>
+                                      <p:tavLst>
+                                        <p:tav tm="0">
+                                          <p:val>
+                                            <p:strVal val="0-#ppt_w/2"/>
+                                          </p:val>
+                                        </p:tav>
+                                        <p:tav tm="100000">
+                                          <p:val>
+                                            <p:strVal val="#ppt_x"/>
+                                          </p:val>
+                                        </p:tav>
+                                      </p:tavLst>
+                                    </p:anim>
+                                    <p:anim calcmode="lin" valueType="num">
+                                      <p:cBhvr additive="base">
+                                        <p:cTn id="13" dur="500" fill="hold"/>
+                                        <p:tgtEl>
+                                          <p:spTgt spid="7"/>
+                                        </p:tgtEl>
+                                        <p:attrNameLst>
+                                          <p:attrName>ppt_y</p:attrName>
+                                        </p:attrNameLst>
+                                      </p:cBhvr>
+                                      <p:tavLst>
+                                        <p:tav tm="0">
+                                          <p:val>
+                                            <p:strVal val="#ppt_y"/>
+                                          </p:val>
+                                        </p:tav>
+                                        <p:tav tm="100000">
+                                          <p:val>
+                                            <p:strVal val="#ppt_y"/>
+                                          </p:val>
+                                        </p:tav>
+                                      </p:tavLst>
+                                    </p:anim>
+                                  </p:childTnLst>
+                                </p:cTn>
+                              </p:par>
+                            </p:childTnLst>
+                          </p:cTn>
+                        </p:par>
+                      </p:childTnLst>
+                    </p:cTn>
+                  </p:par>
+                  <p:par>
+                    <p:cTn id="14" fill="hold">
+                      <p:stCondLst>
+                        <p:cond delay="indefinite"/>
+                      </p:stCondLst>
+                      <p:childTnLst>
+                        <p:par>
+                          <p:cTn id="15" fill="hold">
+                            <p:stCondLst>
+                              <p:cond delay="0"/>
+                            </p:stCondLst>
+                            <p:childTnLst>
+                              <p:par>
+                                <p:cTn id="16" presetID="2" presetClass="entr" presetSubtype="8" fill="hold" grpId="0" nodeType="clickEffect">
+                                  <p:stCondLst>
+                                    <p:cond delay="0"/>
+                                  </p:stCondLst>
+                                  <p:childTnLst>
+                                    <p:set>
+                                      <p:cBhvr>
+                                        <p:cTn id="17" dur="1" fill="hold">
+                                          <p:stCondLst>
+                                            <p:cond delay="0"/>
+                                          </p:stCondLst>
+                                        </p:cTn>
+                                        <p:tgtEl>
+                                          <p:spTgt spid="10"/>
+                                        </p:tgtEl>
+                                        <p:attrNameLst>
+                                          <p:attrName>style.visibility</p:attrName>
+                                        </p:attrNameLst>
+                                      </p:cBhvr>
+                                      <p:to>
+                                        <p:strVal val="visible"/>
+                                      </p:to>
+                                    </p:set>
+                                    <p:anim calcmode="lin" valueType="num">
+                                      <p:cBhvr additive="base">
+                                        <p:cTn id="18" dur="500" fill="hold"/>
+                                        <p:tgtEl>
+                                          <p:spTgt spid="10"/>
+                                        </p:tgtEl>
+                                        <p:attrNameLst>
+                                          <p:attrName>ppt_x</p:attrName>
+                                        </p:attrNameLst>
+                                      </p:cBhvr>
+                                      <p:tavLst>
+                                        <p:tav tm="0">
+                                          <p:val>
+                                            <p:strVal val="0-#ppt_w/2"/>
+                                          </p:val>
+                                        </p:tav>
+                                        <p:tav tm="100000">
+                                          <p:val>
+                                            <p:strVal val="#ppt_x"/>
+                                          </p:val>
+                                        </p:tav>
+                                      </p:tavLst>
+                                    </p:anim>
+                                    <p:anim calcmode="lin" valueType="num">
+                                      <p:cBhvr additive="base">
+                                        <p:cTn id="19" dur="500" fill="hold"/>
+                                        <p:tgtEl>
+                                          <p:spTgt spid="10"/>
+                                        </p:tgtEl>
+                                        <p:attrNameLst>
+                                          <p:attrName>ppt_y</p:attrName>
+                                        </p:attrNameLst>
+                                      </p:cBhvr>
+                                      <p:tavLst>
+                                        <p:tav tm="0">
+                                          <p:val>
+                                            <p:strVal val="#ppt_y"/>
+                                          </p:val>
+                                        </p:tav>
+                                        <p:tav tm="100000">
+                                          <p:val>
+                                            <p:strVal val="#ppt_y"/>
+                                          </p:val>
+                                        </p:tav>
+                                      </p:tavLst>
+                                    </p:anim>
+                                  </p:childTnLst>
+                                </p:cTn>
+                              </p:par>
+                            </p:childTnLst>
+                          </p:cTn>
+                        </p:par>
+                      </p:childTnLst>
+                    </p:cTn>
+                  </p:par>
+                  <p:par>
+                    <p:cTn id="20" fill="hold">
+                      <p:stCondLst>
+                        <p:cond delay="indefinite"/>
+                      </p:stCondLst>
+                      <p:childTnLst>
+                        <p:par>
+                          <p:cTn id="21" fill="hold">
+                            <p:stCondLst>
+                              <p:cond delay="0"/>
+                            </p:stCondLst>
+                            <p:childTnLst>
+                              <p:par>
+                                <p:cTn id="22" presetID="2" presetClass="entr" presetSubtype="8" fill="hold" grpId="0" nodeType="clickEffect">
+                                  <p:stCondLst>
+                                    <p:cond delay="0"/>
+                                  </p:stCondLst>
+                                  <p:childTnLst>
+                                    <p:set>
+                                      <p:cBhvr>
+                                        <p:cTn id="23" dur="1" fill="hold">
+                                          <p:stCondLst>
+                                            <p:cond delay="0"/>
+                                          </p:stCondLst>
+                                        </p:cTn>
+                                        <p:tgtEl>
+                                          <p:spTgt spid="11"/>
+                                        </p:tgtEl>
+                                        <p:attrNameLst>
+                                          <p:attrName>style.visibility</p:attrName>
+                                        </p:attrNameLst>
+                                      </p:cBhvr>
+                                      <p:to>
+                                        <p:strVal val="visible"/>
+                                      </p:to>
+                                    </p:set>
+                                    <p:anim calcmode="lin" valueType="num">
+                                      <p:cBhvr additive="base">
+                                        <p:cTn id="24" dur="500" fill="hold"/>
+                                        <p:tgtEl>
+                                          <p:spTgt spid="11"/>
+                                        </p:tgtEl>
+                                        <p:attrNameLst>
+                                          <p:attrName>ppt_x</p:attrName>
+                                        </p:attrNameLst>
+                                      </p:cBhvr>
+                                      <p:tavLst>
+                                        <p:tav tm="0">
+                                          <p:val>
+                                            <p:strVal val="0-#ppt_w/2"/>
+                                          </p:val>
+                                        </p:tav>
+                                        <p:tav tm="100000">
+                                          <p:val>
+                                            <p:strVal val="#ppt_x"/>
+                                          </p:val>
+                                        </p:tav>
+                                      </p:tavLst>
+                                    </p:anim>
+                                    <p:anim calcmode="lin" valueType="num">
+                                      <p:cBhvr additive="base">
+                                        <p:cTn id="25" dur="500" fill="hold"/>
+                                        <p:tgtEl>
+                                          <p:spTgt spid="11"/>
+                                        </p:tgtEl>
+                                        <p:attrNameLst>
+                                          <p:attrName>ppt_y</p:attrName>
+                                        </p:attrNameLst>
+                                      </p:cBhvr>
+                                      <p:tavLst>
+                                        <p:tav tm="0">
+                                          <p:val>
+                                            <p:strVal val="#ppt_y"/>
+                                          </p:val>
+                                        </p:tav>
+                                        <p:tav tm="100000">
+                                          <p:val>
+                                            <p:strVal val="#ppt_y"/>
+                                          </p:val>
+                                        </p:tav>
+                                      </p:tavLst>
+                                    </p:anim>
+                                  </p:childTnLst>
+                                </p:cTn>
+                              </p:par>
+                            </p:childTnLst>
+                          </p:cTn>
+                        </p:par>
+                      </p:childTnLst>
+                    </p:cTn>
+                  </p:par>
+                </p:childTnLst>
+              </p:cTn>
+              <p:prevCondLst>
+                <p:cond evt="onPrev" delay="0">
+                  <p:tgtEl>
+                    <p:sldTgt/>
+                  </p:tgtEl>
+                </p:cond>
+              </p:prevCondLst>
+              <p:nextCondLst>
+                <p:cond evt="onNext" delay="0">
+                  <p:tgtEl>
+                    <p:sldTgt/>
+                  </p:tgtEl>
+                </p:cond>
+              </p:nextCondLst>
+            </p:seq>
+          </p:childTnLst>
+        </p:cTn>
+      </p:par>
+    </p:tnLst>
+    <p:bldLst>
+      <p:bldP spid="7" grpId="0"/>
+      <p:bldP spid="10" grpId="0"/>
+      <p:bldP spid="11" grpId="0"/>
+    </p:bldLst>
+  </p:timing>
+</p:sld>
+</file>
+
+<file path=ppt/slides/slide7.xml><?xml version="1.0" encoding="utf-8"?>
+<p:sld xmlns:a="http://schemas.openxmlformats.org/drawingml/2006/main" xmlns:r="http://schemas.openxmlformats.org/officeDocument/2006/relationships" xmlns:p="http://schemas.openxmlformats.org/presentationml/2006/main">
+  <p:cSld>
+    <p:spTree>
+      <p:nvGrpSpPr>
+        <p:cNvPr id="1" name=""/>
+        <p:cNvGrpSpPr/>
+        <p:nvPr/>
+      </p:nvGrpSpPr>
+      <p:grpSpPr>
+        <a:xfrm>
+          <a:off x="0" y="0"/>
+          <a:ext cx="0" cy="0"/>
+          <a:chOff x="0" y="0"/>
+          <a:chExt cx="0" cy="0"/>
+        </a:xfrm>
+      </p:grpSpPr>
+      <p:sp>
+        <p:nvSpPr>
+          <p:cNvPr id="4" name="Title 3"/>
+          <p:cNvSpPr>
+            <a:spLocks noGrp="1"/>
+          </p:cNvSpPr>
+          <p:nvPr>
+            <p:ph type="title"/>
+          </p:nvPr>
+        </p:nvSpPr>
+        <p:spPr/>
+        <p:txBody>
+          <a:bodyPr/>
+          <a:lstStyle/>
+          <a:p>
+            <a:r>
+              <a:rPr lang="ko-KR" altLang="en-US" dirty="0" smtClean="0"/>
+              <a:t>변수를 사용해보자</a:t>
+            </a:r>
+            <a:r>
+              <a:rPr lang="en-US" altLang="ko-KR" dirty="0" smtClean="0"/>
+              <a:t>!!</a:t>
+            </a:r>
+            <a:endParaRPr lang="en-US" dirty="0"/>
+          </a:p>
+        </p:txBody>
+      </p:sp>
+      <p:sp>
+        <p:nvSpPr>
+          <p:cNvPr id="8" name="Slide Number Placeholder 7"/>
+          <p:cNvSpPr>
+            <a:spLocks noGrp="1"/>
+          </p:cNvSpPr>
+          <p:nvPr>
+            <p:ph type="sldNum" sz="quarter" idx="12"/>
+          </p:nvPr>
+        </p:nvSpPr>
+        <p:spPr/>
+        <p:txBody>
+          <a:bodyPr/>
+          <a:lstStyle/>
+          <a:p>
+            <a:fld id="{FA3EE389-E41A-49AC-9975-3D3899FF737D}" type="slidenum">
+              <a:rPr lang="en-US" smtClean="0"/>
+              <a:t>7</a:t>
+            </a:fld>
+            <a:endParaRPr lang="en-US"/>
+          </a:p>
+        </p:txBody>
+      </p:sp>
       <p:pic>
         <p:nvPicPr>
           <p:cNvPr id="9" name="그림 8"/>
@@ -44801,14 +47061,14 @@
           <p:nvPr/>
         </p:nvPicPr>
         <p:blipFill>
-          <a:blip r:embed="rId4"/>
+          <a:blip r:embed="rId3"/>
           <a:stretch>
             <a:fillRect/>
           </a:stretch>
         </p:blipFill>
         <p:spPr>
           <a:xfrm>
-            <a:off x="4038600" y="2594460"/>
+            <a:off x="4593582" y="2833592"/>
             <a:ext cx="3990975" cy="676275"/>
           </a:xfrm>
           <a:prstGeom prst="rect">
@@ -44816,6 +47076,125 @@
           </a:prstGeom>
         </p:spPr>
       </p:pic>
+      <p:grpSp>
+        <p:nvGrpSpPr>
+          <p:cNvPr id="5" name="그룹 4"/>
+          <p:cNvGrpSpPr/>
+          <p:nvPr/>
+        </p:nvGrpSpPr>
+        <p:grpSpPr>
+          <a:xfrm>
+            <a:off x="1007958" y="1412776"/>
+            <a:ext cx="6705382" cy="5122785"/>
+            <a:chOff x="1007958" y="1412776"/>
+            <a:chExt cx="6705382" cy="5122785"/>
+          </a:xfrm>
+        </p:grpSpPr>
+        <p:pic>
+          <p:nvPicPr>
+            <p:cNvPr id="3" name="그림 2"/>
+            <p:cNvPicPr>
+              <a:picLocks noChangeAspect="1"/>
+            </p:cNvPicPr>
+            <p:nvPr/>
+          </p:nvPicPr>
+          <p:blipFill>
+            <a:blip r:embed="rId4"/>
+            <a:stretch>
+              <a:fillRect/>
+            </a:stretch>
+          </p:blipFill>
+          <p:spPr>
+            <a:xfrm>
+              <a:off x="1007958" y="3429000"/>
+              <a:ext cx="6705382" cy="3106561"/>
+            </a:xfrm>
+            <a:prstGeom prst="rect">
+              <a:avLst/>
+            </a:prstGeom>
+          </p:spPr>
+        </p:pic>
+        <p:pic>
+          <p:nvPicPr>
+            <p:cNvPr id="2" name="그림 1"/>
+            <p:cNvPicPr>
+              <a:picLocks noChangeAspect="1"/>
+            </p:cNvPicPr>
+            <p:nvPr/>
+          </p:nvPicPr>
+          <p:blipFill>
+            <a:blip r:embed="rId5"/>
+            <a:stretch>
+              <a:fillRect/>
+            </a:stretch>
+          </p:blipFill>
+          <p:spPr>
+            <a:xfrm>
+              <a:off x="1007958" y="1412776"/>
+              <a:ext cx="2090461" cy="1999571"/>
+            </a:xfrm>
+            <a:prstGeom prst="rect">
+              <a:avLst/>
+            </a:prstGeom>
+          </p:spPr>
+        </p:pic>
+      </p:grpSp>
+      <p:sp>
+        <p:nvSpPr>
+          <p:cNvPr id="10" name="직사각형 9"/>
+          <p:cNvSpPr/>
+          <p:nvPr/>
+        </p:nvSpPr>
+        <p:spPr>
+          <a:xfrm rot="20565529">
+            <a:off x="2711624" y="2204864"/>
+            <a:ext cx="4392488" cy="864096"/>
+          </a:xfrm>
+          <a:prstGeom prst="rect">
+            <a:avLst/>
+          </a:prstGeom>
+          <a:solidFill>
+            <a:srgbClr val="C60202"/>
+          </a:solidFill>
+          <a:ln>
+            <a:solidFill>
+              <a:schemeClr val="tx2"/>
+            </a:solidFill>
+          </a:ln>
+        </p:spPr>
+        <p:style>
+          <a:lnRef idx="2">
+            <a:schemeClr val="accent1">
+              <a:shade val="50000"/>
+            </a:schemeClr>
+          </a:lnRef>
+          <a:fillRef idx="1">
+            <a:schemeClr val="accent1"/>
+          </a:fillRef>
+          <a:effectRef idx="0">
+            <a:schemeClr val="accent1"/>
+          </a:effectRef>
+          <a:fontRef idx="minor">
+            <a:schemeClr val="lt1"/>
+          </a:fontRef>
+        </p:style>
+        <p:txBody>
+          <a:bodyPr rtlCol="0" anchor="ctr"/>
+          <a:lstStyle/>
+          <a:p>
+            <a:pPr algn="ctr"/>
+            <a:r>
+              <a:rPr lang="ko-KR" altLang="en-US" sz="3600" dirty="0" err="1" smtClean="0"/>
+              <a:t>인스턴스</a:t>
+            </a:r>
+            <a:r>
+              <a:rPr lang="ko-KR" altLang="en-US" sz="3600" dirty="0" smtClean="0"/>
+              <a:t> 변수</a:t>
+            </a:r>
+            <a:endParaRPr lang="ko-KR" altLang="en-US" sz="3600" dirty="0"/>
+          </a:p>
+        </p:txBody>
+      </p:sp>
     </p:spTree>
     <p:extLst>
       <p:ext uri="{BB962C8B-B14F-4D97-AF65-F5344CB8AC3E}">
@@ -44860,7 +47239,7 @@
                                           </p:stCondLst>
                                         </p:cTn>
                                         <p:tgtEl>
-                                          <p:spTgt spid="3"/>
+                                          <p:spTgt spid="5"/>
                                         </p:tgtEl>
                                         <p:attrNameLst>
                                           <p:attrName>style.visibility</p:attrName>
@@ -44874,7 +47253,7 @@
                                       <p:cBhvr>
                                         <p:cTn id="7" dur="500"/>
                                         <p:tgtEl>
-                                          <p:spTgt spid="3"/>
+                                          <p:spTgt spid="5"/>
                                         </p:tgtEl>
                                       </p:cBhvr>
                                     </p:animEffect>
@@ -45183,454 +47562,27 @@
                       </p:childTnLst>
                     </p:cTn>
                   </p:par>
-                </p:childTnLst>
-              </p:cTn>
-              <p:prevCondLst>
-                <p:cond evt="onPrev" delay="0">
-                  <p:tgtEl>
-                    <p:sldTgt/>
-                  </p:tgtEl>
-                </p:cond>
-              </p:prevCondLst>
-              <p:nextCondLst>
-                <p:cond evt="onNext" delay="0">
-                  <p:tgtEl>
-                    <p:sldTgt/>
-                  </p:tgtEl>
-                </p:cond>
-              </p:nextCondLst>
-            </p:seq>
-          </p:childTnLst>
-        </p:cTn>
-      </p:par>
-    </p:tnLst>
-  </p:timing>
-</p:sld>
-</file>
-
-<file path=ppt/slides/slide7.xml><?xml version="1.0" encoding="utf-8"?>
-<p:sld xmlns:a="http://schemas.openxmlformats.org/drawingml/2006/main" xmlns:r="http://schemas.openxmlformats.org/officeDocument/2006/relationships" xmlns:p="http://schemas.openxmlformats.org/presentationml/2006/main">
-  <p:cSld>
-    <p:spTree>
-      <p:nvGrpSpPr>
-        <p:cNvPr id="1" name=""/>
-        <p:cNvGrpSpPr/>
-        <p:nvPr/>
-      </p:nvGrpSpPr>
-      <p:grpSpPr>
-        <a:xfrm>
-          <a:off x="0" y="0"/>
-          <a:ext cx="0" cy="0"/>
-          <a:chOff x="0" y="0"/>
-          <a:chExt cx="0" cy="0"/>
-        </a:xfrm>
-      </p:grpSpPr>
-      <p:sp>
-        <p:nvSpPr>
-          <p:cNvPr id="4" name="Title 3"/>
-          <p:cNvSpPr>
-            <a:spLocks noGrp="1"/>
-          </p:cNvSpPr>
-          <p:nvPr>
-            <p:ph type="title"/>
-          </p:nvPr>
-        </p:nvSpPr>
-        <p:spPr/>
-        <p:txBody>
-          <a:bodyPr/>
-          <a:lstStyle/>
-          <a:p>
-            <a:r>
-              <a:rPr lang="ko-KR" altLang="en-US" dirty="0" err="1" smtClean="0"/>
-              <a:t>메소드의</a:t>
-            </a:r>
-            <a:r>
-              <a:rPr lang="ko-KR" altLang="en-US" dirty="0" smtClean="0"/>
-              <a:t> 정의</a:t>
-            </a:r>
-            <a:endParaRPr lang="en-US" dirty="0"/>
-          </a:p>
-        </p:txBody>
-      </p:sp>
-      <p:sp>
-        <p:nvSpPr>
-          <p:cNvPr id="8" name="Slide Number Placeholder 7"/>
-          <p:cNvSpPr>
-            <a:spLocks noGrp="1"/>
-          </p:cNvSpPr>
-          <p:nvPr>
-            <p:ph type="sldNum" sz="quarter" idx="12"/>
-          </p:nvPr>
-        </p:nvSpPr>
-        <p:spPr/>
-        <p:txBody>
-          <a:bodyPr/>
-          <a:lstStyle/>
-          <a:p>
-            <a:fld id="{FA3EE389-E41A-49AC-9975-3D3899FF737D}" type="slidenum">
-              <a:rPr lang="en-US" smtClean="0"/>
-              <a:t>7</a:t>
-            </a:fld>
-            <a:endParaRPr lang="en-US"/>
-          </a:p>
-        </p:txBody>
-      </p:sp>
-      <p:pic>
-        <p:nvPicPr>
-          <p:cNvPr id="10" name="그림 9"/>
-          <p:cNvPicPr>
-            <a:picLocks noChangeAspect="1"/>
-          </p:cNvPicPr>
-          <p:nvPr/>
-        </p:nvPicPr>
-        <p:blipFill>
-          <a:blip r:embed="rId3"/>
-          <a:stretch>
-            <a:fillRect/>
-          </a:stretch>
-        </p:blipFill>
-        <p:spPr>
-          <a:xfrm>
-            <a:off x="3740299" y="2608953"/>
-            <a:ext cx="771525" cy="857250"/>
-          </a:xfrm>
-          <a:prstGeom prst="rect">
-            <a:avLst/>
-          </a:prstGeom>
-        </p:spPr>
-      </p:pic>
-      <p:grpSp>
-        <p:nvGrpSpPr>
-          <p:cNvPr id="2" name="그룹 1"/>
-          <p:cNvGrpSpPr/>
-          <p:nvPr/>
-        </p:nvGrpSpPr>
-        <p:grpSpPr>
-          <a:xfrm>
-            <a:off x="1580059" y="2420888"/>
-            <a:ext cx="2016224" cy="432048"/>
-            <a:chOff x="1580059" y="2420888"/>
-            <a:chExt cx="2016224" cy="432048"/>
-          </a:xfrm>
-        </p:grpSpPr>
-        <p:sp>
-          <p:nvSpPr>
-            <p:cNvPr id="11" name="TextBox 10"/>
-            <p:cNvSpPr txBox="1"/>
-            <p:nvPr/>
-          </p:nvSpPr>
-          <p:spPr>
-            <a:xfrm>
-              <a:off x="1580059" y="2420888"/>
-              <a:ext cx="646331" cy="369332"/>
-            </a:xfrm>
-            <a:prstGeom prst="rect">
-              <a:avLst/>
-            </a:prstGeom>
-            <a:noFill/>
-          </p:spPr>
-          <p:txBody>
-            <a:bodyPr wrap="none" rtlCol="0">
-              <a:spAutoFit/>
-            </a:bodyPr>
-            <a:lstStyle/>
-            <a:p>
-              <a:r>
-                <a:rPr lang="ko-KR" altLang="en-US" dirty="0" smtClean="0"/>
-                <a:t>냥이</a:t>
-              </a:r>
-              <a:endParaRPr lang="ko-KR" altLang="en-US" dirty="0"/>
-            </a:p>
-          </p:txBody>
-        </p:sp>
-        <p:cxnSp>
-          <p:nvCxnSpPr>
-            <p:cNvPr id="14" name="직선 화살표 연결선 13"/>
-            <p:cNvCxnSpPr>
-              <a:stCxn id="11" idx="3"/>
-            </p:cNvCxnSpPr>
-            <p:nvPr/>
-          </p:nvCxnSpPr>
-          <p:spPr>
-            <a:xfrm>
-              <a:off x="2226390" y="2605554"/>
-              <a:ext cx="1369893" cy="247382"/>
-            </a:xfrm>
-            <a:prstGeom prst="straightConnector1">
-              <a:avLst/>
-            </a:prstGeom>
-            <a:ln w="19050">
-              <a:solidFill>
-                <a:schemeClr val="accent1">
-                  <a:lumMod val="75000"/>
-                </a:schemeClr>
-              </a:solidFill>
-              <a:tailEnd type="triangle"/>
-            </a:ln>
-          </p:spPr>
-          <p:style>
-            <a:lnRef idx="1">
-              <a:schemeClr val="accent1"/>
-            </a:lnRef>
-            <a:fillRef idx="0">
-              <a:schemeClr val="accent1"/>
-            </a:fillRef>
-            <a:effectRef idx="0">
-              <a:schemeClr val="accent1"/>
-            </a:effectRef>
-            <a:fontRef idx="minor">
-              <a:schemeClr val="tx1"/>
-            </a:fontRef>
-          </p:style>
-        </p:cxnSp>
-      </p:grpSp>
-      <p:grpSp>
-        <p:nvGrpSpPr>
-          <p:cNvPr id="3" name="그룹 2"/>
-          <p:cNvGrpSpPr/>
-          <p:nvPr/>
-        </p:nvGrpSpPr>
-        <p:grpSpPr>
-          <a:xfrm>
-            <a:off x="1724075" y="3161269"/>
-            <a:ext cx="1835333" cy="565055"/>
-            <a:chOff x="1724075" y="3161269"/>
-            <a:chExt cx="1835333" cy="565055"/>
-          </a:xfrm>
-        </p:grpSpPr>
-        <p:sp>
-          <p:nvSpPr>
-            <p:cNvPr id="12" name="TextBox 11"/>
-            <p:cNvSpPr txBox="1"/>
-            <p:nvPr/>
-          </p:nvSpPr>
-          <p:spPr>
-            <a:xfrm>
-              <a:off x="1724075" y="3356992"/>
-              <a:ext cx="535724" cy="369332"/>
-            </a:xfrm>
-            <a:prstGeom prst="rect">
-              <a:avLst/>
-            </a:prstGeom>
-            <a:noFill/>
-          </p:spPr>
-          <p:txBody>
-            <a:bodyPr wrap="none" rtlCol="0">
-              <a:spAutoFit/>
-            </a:bodyPr>
-            <a:lstStyle/>
-            <a:p>
-              <a:r>
-                <a:rPr lang="en-US" altLang="ko-KR" dirty="0" smtClean="0"/>
-                <a:t>300</a:t>
-              </a:r>
-              <a:endParaRPr lang="ko-KR" altLang="en-US" dirty="0"/>
-            </a:p>
-          </p:txBody>
-        </p:sp>
-        <p:cxnSp>
-          <p:nvCxnSpPr>
-            <p:cNvPr id="15" name="직선 화살표 연결선 14"/>
-            <p:cNvCxnSpPr/>
-            <p:nvPr/>
-          </p:nvCxnSpPr>
-          <p:spPr>
-            <a:xfrm flipV="1">
-              <a:off x="2263264" y="3161269"/>
-              <a:ext cx="1296144" cy="380389"/>
-            </a:xfrm>
-            <a:prstGeom prst="straightConnector1">
-              <a:avLst/>
-            </a:prstGeom>
-            <a:ln w="19050">
-              <a:solidFill>
-                <a:schemeClr val="accent1">
-                  <a:lumMod val="75000"/>
-                </a:schemeClr>
-              </a:solidFill>
-              <a:tailEnd type="triangle"/>
-            </a:ln>
-          </p:spPr>
-          <p:style>
-            <a:lnRef idx="1">
-              <a:schemeClr val="accent1"/>
-            </a:lnRef>
-            <a:fillRef idx="0">
-              <a:schemeClr val="accent1"/>
-            </a:fillRef>
-            <a:effectRef idx="0">
-              <a:schemeClr val="accent1"/>
-            </a:effectRef>
-            <a:fontRef idx="minor">
-              <a:schemeClr val="tx1"/>
-            </a:fontRef>
-          </p:style>
-        </p:cxnSp>
-      </p:grpSp>
-      <p:grpSp>
-        <p:nvGrpSpPr>
-          <p:cNvPr id="20" name="그룹 19"/>
-          <p:cNvGrpSpPr/>
-          <p:nvPr/>
-        </p:nvGrpSpPr>
-        <p:grpSpPr>
-          <a:xfrm>
-            <a:off x="7052667" y="2478679"/>
-            <a:ext cx="771525" cy="1279206"/>
-            <a:chOff x="6522286" y="1902262"/>
-            <a:chExt cx="771525" cy="1279206"/>
-          </a:xfrm>
-        </p:grpSpPr>
-        <p:pic>
-          <p:nvPicPr>
-            <p:cNvPr id="17" name="그림 16"/>
-            <p:cNvPicPr>
-              <a:picLocks noChangeAspect="1"/>
-            </p:cNvPicPr>
-            <p:nvPr/>
-          </p:nvPicPr>
-          <p:blipFill>
-            <a:blip r:embed="rId4"/>
-            <a:stretch>
-              <a:fillRect/>
-            </a:stretch>
-          </p:blipFill>
-          <p:spPr>
-            <a:xfrm>
-              <a:off x="6560778" y="2767863"/>
-              <a:ext cx="365802" cy="203223"/>
-            </a:xfrm>
-            <a:prstGeom prst="rect">
-              <a:avLst/>
-            </a:prstGeom>
-          </p:spPr>
-        </p:pic>
-        <p:pic>
-          <p:nvPicPr>
-            <p:cNvPr id="18" name="그림 17"/>
-            <p:cNvPicPr>
-              <a:picLocks noChangeAspect="1"/>
-            </p:cNvPicPr>
-            <p:nvPr/>
-          </p:nvPicPr>
-          <p:blipFill>
-            <a:blip r:embed="rId5"/>
-            <a:stretch>
-              <a:fillRect/>
-            </a:stretch>
-          </p:blipFill>
-          <p:spPr>
-            <a:xfrm>
-              <a:off x="6560778" y="2982106"/>
-              <a:ext cx="448565" cy="199362"/>
-            </a:xfrm>
-            <a:prstGeom prst="rect">
-              <a:avLst/>
-            </a:prstGeom>
-          </p:spPr>
-        </p:pic>
-        <p:pic>
-          <p:nvPicPr>
-            <p:cNvPr id="19" name="그림 18"/>
-            <p:cNvPicPr>
-              <a:picLocks noChangeAspect="1"/>
-            </p:cNvPicPr>
-            <p:nvPr/>
-          </p:nvPicPr>
-          <p:blipFill>
-            <a:blip r:embed="rId3"/>
-            <a:stretch>
-              <a:fillRect/>
-            </a:stretch>
-          </p:blipFill>
-          <p:spPr>
-            <a:xfrm>
-              <a:off x="6522286" y="1902262"/>
-              <a:ext cx="771525" cy="857250"/>
-            </a:xfrm>
-            <a:prstGeom prst="rect">
-              <a:avLst/>
-            </a:prstGeom>
-          </p:spPr>
-        </p:pic>
-      </p:grpSp>
-      <p:cxnSp>
-        <p:nvCxnSpPr>
-          <p:cNvPr id="21" name="직선 화살표 연결선 20"/>
-          <p:cNvCxnSpPr/>
-          <p:nvPr/>
-        </p:nvCxnSpPr>
-        <p:spPr>
-          <a:xfrm>
-            <a:off x="4892427" y="3030756"/>
-            <a:ext cx="1584176" cy="6822"/>
-          </a:xfrm>
-          <a:prstGeom prst="straightConnector1">
-            <a:avLst/>
-          </a:prstGeom>
-          <a:ln w="19050">
-            <a:solidFill>
-              <a:schemeClr val="accent2">
-                <a:lumMod val="75000"/>
-              </a:schemeClr>
-            </a:solidFill>
-            <a:tailEnd type="triangle"/>
-          </a:ln>
-        </p:spPr>
-        <p:style>
-          <a:lnRef idx="1">
-            <a:schemeClr val="accent1"/>
-          </a:lnRef>
-          <a:fillRef idx="0">
-            <a:schemeClr val="accent1"/>
-          </a:fillRef>
-          <a:effectRef idx="0">
-            <a:schemeClr val="accent1"/>
-          </a:effectRef>
-          <a:fontRef idx="minor">
-            <a:schemeClr val="tx1"/>
-          </a:fontRef>
-        </p:style>
-      </p:cxnSp>
-    </p:spTree>
-    <p:extLst>
-      <p:ext uri="{BB962C8B-B14F-4D97-AF65-F5344CB8AC3E}">
-        <p14:creationId xmlns:p14="http://schemas.microsoft.com/office/powerpoint/2010/main" val="2143139869"/>
-      </p:ext>
-    </p:extLst>
-  </p:cSld>
-  <p:clrMapOvr>
-    <a:masterClrMapping/>
-  </p:clrMapOvr>
-  <p:timing>
-    <p:tnLst>
-      <p:par>
-        <p:cTn id="1" dur="indefinite" restart="never" nodeType="tmRoot">
-          <p:childTnLst>
-            <p:seq concurrent="1" nextAc="seek">
-              <p:cTn id="2" dur="indefinite" nodeType="mainSeq">
-                <p:childTnLst>
                   <p:par>
-                    <p:cTn id="3" fill="hold">
+                    <p:cTn id="26" fill="hold">
                       <p:stCondLst>
                         <p:cond delay="indefinite"/>
                       </p:stCondLst>
                       <p:childTnLst>
                         <p:par>
-                          <p:cTn id="4" fill="hold">
+                          <p:cTn id="27" fill="hold">
                             <p:stCondLst>
                               <p:cond delay="0"/>
                             </p:stCondLst>
                             <p:childTnLst>
                               <p:par>
-                                <p:cTn id="5" presetID="10" presetClass="entr" presetSubtype="0" fill="hold" nodeType="clickEffect">
+                                <p:cTn id="28" presetID="26" presetClass="entr" presetSubtype="0" fill="hold" grpId="0" nodeType="clickEffect">
                                   <p:stCondLst>
                                     <p:cond delay="0"/>
                                   </p:stCondLst>
                                   <p:childTnLst>
                                     <p:set>
                                       <p:cBhvr>
-                                        <p:cTn id="6" dur="1" fill="hold">
+                                        <p:cTn id="29" dur="1" fill="hold">
                                           <p:stCondLst>
                                             <p:cond delay="0"/>
                                           </p:stCondLst>
@@ -45646,239 +47598,27 @@
                                         <p:strVal val="visible"/>
                                       </p:to>
                                     </p:set>
-                                    <p:animEffect transition="in" filter="fade">
+                                    <p:animEffect transition="in" filter="wipe(down)">
                                       <p:cBhvr>
-                                        <p:cTn id="7" dur="500"/>
+                                        <p:cTn id="30" dur="290">
+                                          <p:stCondLst>
+                                            <p:cond delay="0"/>
+                                          </p:stCondLst>
+                                        </p:cTn>
                                         <p:tgtEl>
                                           <p:spTgt spid="10"/>
                                         </p:tgtEl>
                                       </p:cBhvr>
                                     </p:animEffect>
-                                  </p:childTnLst>
-                                </p:cTn>
-                              </p:par>
-                            </p:childTnLst>
-                          </p:cTn>
-                        </p:par>
-                      </p:childTnLst>
-                    </p:cTn>
-                  </p:par>
-                  <p:par>
-                    <p:cTn id="8" fill="hold">
-                      <p:stCondLst>
-                        <p:cond delay="indefinite"/>
-                      </p:stCondLst>
-                      <p:childTnLst>
-                        <p:par>
-                          <p:cTn id="9" fill="hold">
-                            <p:stCondLst>
-                              <p:cond delay="0"/>
-                            </p:stCondLst>
-                            <p:childTnLst>
-                              <p:par>
-                                <p:cTn id="10" presetID="10" presetClass="entr" presetSubtype="0" fill="hold" nodeType="clickEffect">
-                                  <p:stCondLst>
-                                    <p:cond delay="0"/>
-                                  </p:stCondLst>
-                                  <p:childTnLst>
-                                    <p:set>
+                                    <p:anim calcmode="lin" valueType="num">
                                       <p:cBhvr>
-                                        <p:cTn id="11" dur="1" fill="hold">
+                                        <p:cTn id="31" dur="911" tmFilter="0,0; 0.14,0.36; 0.43,0.73; 0.71,0.91; 1.0,1.0">
                                           <p:stCondLst>
                                             <p:cond delay="0"/>
                                           </p:stCondLst>
                                         </p:cTn>
                                         <p:tgtEl>
-                                          <p:spTgt spid="2"/>
-                                        </p:tgtEl>
-                                        <p:attrNameLst>
-                                          <p:attrName>style.visibility</p:attrName>
-                                        </p:attrNameLst>
-                                      </p:cBhvr>
-                                      <p:to>
-                                        <p:strVal val="visible"/>
-                                      </p:to>
-                                    </p:set>
-                                    <p:animEffect transition="in" filter="fade">
-                                      <p:cBhvr>
-                                        <p:cTn id="12" dur="500"/>
-                                        <p:tgtEl>
-                                          <p:spTgt spid="2"/>
-                                        </p:tgtEl>
-                                      </p:cBhvr>
-                                    </p:animEffect>
-                                  </p:childTnLst>
-                                </p:cTn>
-                              </p:par>
-                            </p:childTnLst>
-                          </p:cTn>
-                        </p:par>
-                      </p:childTnLst>
-                    </p:cTn>
-                  </p:par>
-                  <p:par>
-                    <p:cTn id="13" fill="hold">
-                      <p:stCondLst>
-                        <p:cond delay="indefinite"/>
-                      </p:stCondLst>
-                      <p:childTnLst>
-                        <p:par>
-                          <p:cTn id="14" fill="hold">
-                            <p:stCondLst>
-                              <p:cond delay="0"/>
-                            </p:stCondLst>
-                            <p:childTnLst>
-                              <p:par>
-                                <p:cTn id="15" presetID="10" presetClass="entr" presetSubtype="0" fill="hold" nodeType="clickEffect">
-                                  <p:stCondLst>
-                                    <p:cond delay="0"/>
-                                  </p:stCondLst>
-                                  <p:childTnLst>
-                                    <p:set>
-                                      <p:cBhvr>
-                                        <p:cTn id="16" dur="1" fill="hold">
-                                          <p:stCondLst>
-                                            <p:cond delay="0"/>
-                                          </p:stCondLst>
-                                        </p:cTn>
-                                        <p:tgtEl>
-                                          <p:spTgt spid="3"/>
-                                        </p:tgtEl>
-                                        <p:attrNameLst>
-                                          <p:attrName>style.visibility</p:attrName>
-                                        </p:attrNameLst>
-                                      </p:cBhvr>
-                                      <p:to>
-                                        <p:strVal val="visible"/>
-                                      </p:to>
-                                    </p:set>
-                                    <p:animEffect transition="in" filter="fade">
-                                      <p:cBhvr>
-                                        <p:cTn id="17" dur="500"/>
-                                        <p:tgtEl>
-                                          <p:spTgt spid="3"/>
-                                        </p:tgtEl>
-                                      </p:cBhvr>
-                                    </p:animEffect>
-                                  </p:childTnLst>
-                                </p:cTn>
-                              </p:par>
-                            </p:childTnLst>
-                          </p:cTn>
-                        </p:par>
-                      </p:childTnLst>
-                    </p:cTn>
-                  </p:par>
-                  <p:par>
-                    <p:cTn id="18" fill="hold">
-                      <p:stCondLst>
-                        <p:cond delay="indefinite"/>
-                      </p:stCondLst>
-                      <p:childTnLst>
-                        <p:par>
-                          <p:cTn id="19" fill="hold">
-                            <p:stCondLst>
-                              <p:cond delay="0"/>
-                            </p:stCondLst>
-                            <p:childTnLst>
-                              <p:par>
-                                <p:cTn id="20" presetID="10" presetClass="entr" presetSubtype="0" fill="hold" nodeType="clickEffect">
-                                  <p:stCondLst>
-                                    <p:cond delay="0"/>
-                                  </p:stCondLst>
-                                  <p:childTnLst>
-                                    <p:set>
-                                      <p:cBhvr>
-                                        <p:cTn id="21" dur="1" fill="hold">
-                                          <p:stCondLst>
-                                            <p:cond delay="0"/>
-                                          </p:stCondLst>
-                                        </p:cTn>
-                                        <p:tgtEl>
-                                          <p:spTgt spid="21"/>
-                                        </p:tgtEl>
-                                        <p:attrNameLst>
-                                          <p:attrName>style.visibility</p:attrName>
-                                        </p:attrNameLst>
-                                      </p:cBhvr>
-                                      <p:to>
-                                        <p:strVal val="visible"/>
-                                      </p:to>
-                                    </p:set>
-                                    <p:animEffect transition="in" filter="fade">
-                                      <p:cBhvr>
-                                        <p:cTn id="22" dur="500"/>
-                                        <p:tgtEl>
-                                          <p:spTgt spid="21"/>
-                                        </p:tgtEl>
-                                      </p:cBhvr>
-                                    </p:animEffect>
-                                  </p:childTnLst>
-                                </p:cTn>
-                              </p:par>
-                            </p:childTnLst>
-                          </p:cTn>
-                        </p:par>
-                      </p:childTnLst>
-                    </p:cTn>
-                  </p:par>
-                  <p:par>
-                    <p:cTn id="23" fill="hold">
-                      <p:stCondLst>
-                        <p:cond delay="indefinite"/>
-                      </p:stCondLst>
-                      <p:childTnLst>
-                        <p:par>
-                          <p:cTn id="24" fill="hold">
-                            <p:stCondLst>
-                              <p:cond delay="0"/>
-                            </p:stCondLst>
-                            <p:childTnLst>
-                              <p:par>
-                                <p:cTn id="25" presetID="26" presetClass="entr" presetSubtype="0" fill="hold" nodeType="clickEffect">
-                                  <p:stCondLst>
-                                    <p:cond delay="0"/>
-                                  </p:stCondLst>
-                                  <p:childTnLst>
-                                    <p:set>
-                                      <p:cBhvr>
-                                        <p:cTn id="26" dur="1" fill="hold">
-                                          <p:stCondLst>
-                                            <p:cond delay="0"/>
-                                          </p:stCondLst>
-                                        </p:cTn>
-                                        <p:tgtEl>
-                                          <p:spTgt spid="20"/>
-                                        </p:tgtEl>
-                                        <p:attrNameLst>
-                                          <p:attrName>style.visibility</p:attrName>
-                                        </p:attrNameLst>
-                                      </p:cBhvr>
-                                      <p:to>
-                                        <p:strVal val="visible"/>
-                                      </p:to>
-                                    </p:set>
-                                    <p:animEffect transition="in" filter="wipe(down)">
-                                      <p:cBhvr>
-                                        <p:cTn id="27" dur="290">
-                                          <p:stCondLst>
-                                            <p:cond delay="0"/>
-                                          </p:stCondLst>
-                                        </p:cTn>
-                                        <p:tgtEl>
-                                          <p:spTgt spid="20"/>
-                                        </p:tgtEl>
-                                      </p:cBhvr>
-                                    </p:animEffect>
-                                    <p:anim calcmode="lin" valueType="num">
-                                      <p:cBhvr>
-                                        <p:cTn id="28" dur="911" tmFilter="0,0; 0.14,0.36; 0.43,0.73; 0.71,0.91; 1.0,1.0">
-                                          <p:stCondLst>
-                                            <p:cond delay="0"/>
-                                          </p:stCondLst>
-                                        </p:cTn>
-                                        <p:tgtEl>
-                                          <p:spTgt spid="20"/>
+                                          <p:spTgt spid="10"/>
                                         </p:tgtEl>
                                         <p:attrNameLst>
                                           <p:attrName>ppt_x</p:attrName>
@@ -45899,13 +47639,13 @@
                                     </p:anim>
                                     <p:anim calcmode="lin" valueType="num">
                                       <p:cBhvr>
-                                        <p:cTn id="29" dur="332" tmFilter="0.0,0.0; 0.25,0.07; 0.50,0.2; 0.75,0.467; 1.0,1.0">
+                                        <p:cTn id="32" dur="332" tmFilter="0.0,0.0; 0.25,0.07; 0.50,0.2; 0.75,0.467; 1.0,1.0">
                                           <p:stCondLst>
                                             <p:cond delay="0"/>
                                           </p:stCondLst>
                                         </p:cTn>
                                         <p:tgtEl>
-                                          <p:spTgt spid="20"/>
+                                          <p:spTgt spid="10"/>
                                         </p:tgtEl>
                                         <p:attrNameLst>
                                           <p:attrName>ppt_y</p:attrName>
@@ -45926,13 +47666,13 @@
                                     </p:anim>
                                     <p:anim calcmode="lin" valueType="num">
                                       <p:cBhvr>
-                                        <p:cTn id="30" dur="332" tmFilter="0, 0; 0.125,0.2665; 0.25,0.4; 0.375,0.465; 0.5,0.5;  0.625,0.535; 0.75,0.6; 0.875,0.7335; 1,1">
+                                        <p:cTn id="33" dur="332" tmFilter="0, 0; 0.125,0.2665; 0.25,0.4; 0.375,0.465; 0.5,0.5;  0.625,0.535; 0.75,0.6; 0.875,0.7335; 1,1">
                                           <p:stCondLst>
                                             <p:cond delay="332"/>
                                           </p:stCondLst>
                                         </p:cTn>
                                         <p:tgtEl>
-                                          <p:spTgt spid="20"/>
+                                          <p:spTgt spid="10"/>
                                         </p:tgtEl>
                                         <p:attrNameLst>
                                           <p:attrName>ppt_y</p:attrName>
@@ -45953,13 +47693,13 @@
                                     </p:anim>
                                     <p:anim calcmode="lin" valueType="num">
                                       <p:cBhvr>
-                                        <p:cTn id="31" dur="166" tmFilter="0, 0; 0.125,0.2665; 0.25,0.4; 0.375,0.465; 0.5,0.5;  0.625,0.535; 0.75,0.6; 0.875,0.7335; 1,1">
+                                        <p:cTn id="34" dur="166" tmFilter="0, 0; 0.125,0.2665; 0.25,0.4; 0.375,0.465; 0.5,0.5;  0.625,0.535; 0.75,0.6; 0.875,0.7335; 1,1">
                                           <p:stCondLst>
                                             <p:cond delay="662"/>
                                           </p:stCondLst>
                                         </p:cTn>
                                         <p:tgtEl>
-                                          <p:spTgt spid="20"/>
+                                          <p:spTgt spid="10"/>
                                         </p:tgtEl>
                                         <p:attrNameLst>
                                           <p:attrName>ppt_y</p:attrName>
@@ -45980,13 +47720,13 @@
                                     </p:anim>
                                     <p:anim calcmode="lin" valueType="num">
                                       <p:cBhvr>
-                                        <p:cTn id="32" dur="82" tmFilter="0, 0; 0.125,0.2665; 0.25,0.4; 0.375,0.465; 0.5,0.5;  0.625,0.535; 0.75,0.6; 0.875,0.7335; 1,1">
+                                        <p:cTn id="35" dur="82" tmFilter="0, 0; 0.125,0.2665; 0.25,0.4; 0.375,0.465; 0.5,0.5;  0.625,0.535; 0.75,0.6; 0.875,0.7335; 1,1">
                                           <p:stCondLst>
                                             <p:cond delay="828"/>
                                           </p:stCondLst>
                                         </p:cTn>
                                         <p:tgtEl>
-                                          <p:spTgt spid="20"/>
+                                          <p:spTgt spid="10"/>
                                         </p:tgtEl>
                                         <p:attrNameLst>
                                           <p:attrName>ppt_y</p:attrName>
@@ -46007,104 +47747,104 @@
                                     </p:anim>
                                     <p:animScale>
                                       <p:cBhvr>
-                                        <p:cTn id="33" dur="13">
+                                        <p:cTn id="36" dur="13">
                                           <p:stCondLst>
                                             <p:cond delay="325"/>
                                           </p:stCondLst>
                                         </p:cTn>
                                         <p:tgtEl>
-                                          <p:spTgt spid="20"/>
+                                          <p:spTgt spid="10"/>
                                         </p:tgtEl>
                                       </p:cBhvr>
                                       <p:to x="100000" y="60000"/>
                                     </p:animScale>
                                     <p:animScale>
                                       <p:cBhvr>
-                                        <p:cTn id="34" dur="83" decel="50000">
+                                        <p:cTn id="37" dur="83" decel="50000">
                                           <p:stCondLst>
                                             <p:cond delay="338"/>
                                           </p:stCondLst>
                                         </p:cTn>
                                         <p:tgtEl>
-                                          <p:spTgt spid="20"/>
+                                          <p:spTgt spid="10"/>
                                         </p:tgtEl>
                                       </p:cBhvr>
                                       <p:to x="100000" y="100000"/>
                                     </p:animScale>
                                     <p:animScale>
                                       <p:cBhvr>
-                                        <p:cTn id="35" dur="13">
+                                        <p:cTn id="38" dur="13">
                                           <p:stCondLst>
                                             <p:cond delay="656"/>
                                           </p:stCondLst>
                                         </p:cTn>
                                         <p:tgtEl>
-                                          <p:spTgt spid="20"/>
+                                          <p:spTgt spid="10"/>
                                         </p:tgtEl>
                                       </p:cBhvr>
                                       <p:to x="100000" y="80000"/>
                                     </p:animScale>
                                     <p:animScale>
                                       <p:cBhvr>
-                                        <p:cTn id="36" dur="83" decel="50000">
+                                        <p:cTn id="39" dur="83" decel="50000">
                                           <p:stCondLst>
                                             <p:cond delay="669"/>
                                           </p:stCondLst>
                                         </p:cTn>
                                         <p:tgtEl>
-                                          <p:spTgt spid="20"/>
+                                          <p:spTgt spid="10"/>
                                         </p:tgtEl>
                                       </p:cBhvr>
                                       <p:to x="100000" y="100000"/>
                                     </p:animScale>
                                     <p:animScale>
                                       <p:cBhvr>
-                                        <p:cTn id="37" dur="13">
+                                        <p:cTn id="40" dur="13">
                                           <p:stCondLst>
                                             <p:cond delay="821"/>
                                           </p:stCondLst>
                                         </p:cTn>
                                         <p:tgtEl>
-                                          <p:spTgt spid="20"/>
+                                          <p:spTgt spid="10"/>
                                         </p:tgtEl>
                                       </p:cBhvr>
                                       <p:to x="100000" y="90000"/>
                                     </p:animScale>
                                     <p:animScale>
                                       <p:cBhvr>
-                                        <p:cTn id="38" dur="83" decel="50000">
+                                        <p:cTn id="41" dur="83" decel="50000">
                                           <p:stCondLst>
                                             <p:cond delay="834"/>
                                           </p:stCondLst>
                                         </p:cTn>
                                         <p:tgtEl>
-                                          <p:spTgt spid="20"/>
+                                          <p:spTgt spid="10"/>
                                         </p:tgtEl>
                                       </p:cBhvr>
                                       <p:to x="100000" y="100000"/>
                                     </p:animScale>
                                     <p:animScale>
                                       <p:cBhvr>
-                                        <p:cTn id="39" dur="13">
+                                        <p:cTn id="42" dur="13">
                                           <p:stCondLst>
                                             <p:cond delay="904"/>
                                           </p:stCondLst>
                                         </p:cTn>
                                         <p:tgtEl>
-                                          <p:spTgt spid="20"/>
+                                          <p:spTgt spid="10"/>
                                         </p:tgtEl>
                                       </p:cBhvr>
                                       <p:to x="100000" y="95000"/>
                                     </p:animScale>
                                     <p:animScale>
                                       <p:cBhvr>
-                                        <p:cTn id="40" dur="83" decel="50000">
+                                        <p:cTn id="43" dur="83" decel="50000">
                                           <p:stCondLst>
                                             <p:cond delay="917"/>
                                           </p:stCondLst>
                                         </p:cTn>
                                         <p:tgtEl>
-                                          <p:spTgt spid="20"/>
+                                          <p:spTgt spid="10"/>
                                         </p:tgtEl>
                                       </p:cBhvr>
                                       <p:to x="100000" y="100000"/>
@@ -46139,6 +47879,9 @@
         </p:cTn>
       </p:par>
     </p:tnLst>
+    <p:bldLst>
+      <p:bldP spid="10" grpId="0" animBg="1"/>
+    </p:bldLst>
   </p:timing>
 </p:sld>
 </file>
@@ -46176,12 +47919,8 @@
           <a:lstStyle/>
           <a:p>
             <a:r>
-              <a:rPr lang="ko-KR" altLang="en-US" dirty="0" err="1" smtClean="0"/>
-              <a:t>메소드를</a:t>
-            </a:r>
-            <a:r>
               <a:rPr lang="ko-KR" altLang="en-US" dirty="0" smtClean="0"/>
-              <a:t> 사용해보자</a:t>
+              <a:t>변수를 사용해보자</a:t>
             </a:r>
             <a:r>
               <a:rPr lang="en-US" altLang="ko-KR" dirty="0" smtClean="0"/>
@@ -46214,321 +47953,72 @@
           </a:p>
         </p:txBody>
       </p:sp>
+      <p:grpSp>
+        <p:nvGrpSpPr>
+          <p:cNvPr id="6" name="그룹 5"/>
+          <p:cNvGrpSpPr/>
+          <p:nvPr/>
+        </p:nvGrpSpPr>
+        <p:grpSpPr>
+          <a:xfrm>
+            <a:off x="838200" y="1484785"/>
+            <a:ext cx="6007878" cy="4683595"/>
+            <a:chOff x="838200" y="1484785"/>
+            <a:chExt cx="6007878" cy="4683595"/>
+          </a:xfrm>
+        </p:grpSpPr>
+        <p:pic>
+          <p:nvPicPr>
+            <p:cNvPr id="2" name="그림 1"/>
+            <p:cNvPicPr>
+              <a:picLocks noChangeAspect="1"/>
+            </p:cNvPicPr>
+            <p:nvPr/>
+          </p:nvPicPr>
+          <p:blipFill>
+            <a:blip r:embed="rId3"/>
+            <a:stretch>
+              <a:fillRect/>
+            </a:stretch>
+          </p:blipFill>
+          <p:spPr>
+            <a:xfrm>
+              <a:off x="838200" y="1484785"/>
+              <a:ext cx="2026077" cy="1944216"/>
+            </a:xfrm>
+            <a:prstGeom prst="rect">
+              <a:avLst/>
+            </a:prstGeom>
+          </p:spPr>
+        </p:pic>
+        <p:pic>
+          <p:nvPicPr>
+            <p:cNvPr id="5" name="그림 4"/>
+            <p:cNvPicPr>
+              <a:picLocks noChangeAspect="1"/>
+            </p:cNvPicPr>
+            <p:nvPr/>
+          </p:nvPicPr>
+          <p:blipFill>
+            <a:blip r:embed="rId4"/>
+            <a:stretch>
+              <a:fillRect/>
+            </a:stretch>
+          </p:blipFill>
+          <p:spPr>
+            <a:xfrm>
+              <a:off x="838200" y="3501008"/>
+              <a:ext cx="6007878" cy="2667372"/>
+            </a:xfrm>
+            <a:prstGeom prst="rect">
+              <a:avLst/>
+            </a:prstGeom>
+          </p:spPr>
+        </p:pic>
+      </p:grpSp>
       <p:pic>
         <p:nvPicPr>
-          <p:cNvPr id="3" name="그림 2"/>
-          <p:cNvPicPr>
-            <a:picLocks noChangeAspect="1"/>
-          </p:cNvPicPr>
-          <p:nvPr/>
-        </p:nvPicPr>
-        <p:blipFill>
-          <a:blip r:embed="rId3"/>
-          <a:stretch>
-            <a:fillRect/>
-          </a:stretch>
-        </p:blipFill>
-        <p:spPr>
-          <a:xfrm>
-            <a:off x="839416" y="1484784"/>
-            <a:ext cx="7609290" cy="3672408"/>
-          </a:xfrm>
-          <a:prstGeom prst="rect">
-            <a:avLst/>
-          </a:prstGeom>
-        </p:spPr>
-      </p:pic>
-      <p:pic>
-        <p:nvPicPr>
-          <p:cNvPr id="9" name="그림 8"/>
-          <p:cNvPicPr>
-            <a:picLocks noChangeAspect="1"/>
-          </p:cNvPicPr>
-          <p:nvPr/>
-        </p:nvPicPr>
-        <p:blipFill>
-          <a:blip r:embed="rId4"/>
-          <a:stretch>
-            <a:fillRect/>
-          </a:stretch>
-        </p:blipFill>
-        <p:spPr>
-          <a:xfrm>
-            <a:off x="4038600" y="2666467"/>
-            <a:ext cx="3990975" cy="676275"/>
-          </a:xfrm>
-          <a:prstGeom prst="rect">
-            <a:avLst/>
-          </a:prstGeom>
-        </p:spPr>
-      </p:pic>
-    </p:spTree>
-    <p:extLst>
-      <p:ext uri="{BB962C8B-B14F-4D97-AF65-F5344CB8AC3E}">
-        <p14:creationId xmlns:p14="http://schemas.microsoft.com/office/powerpoint/2010/main" val="2585523099"/>
-      </p:ext>
-    </p:extLst>
-  </p:cSld>
-  <p:clrMapOvr>
-    <a:masterClrMapping/>
-  </p:clrMapOvr>
-  <p:timing>
-    <p:tnLst>
-      <p:par>
-        <p:cTn id="1" dur="indefinite" restart="never" nodeType="tmRoot">
-          <p:childTnLst>
-            <p:seq concurrent="1" nextAc="seek">
-              <p:cTn id="2" dur="indefinite" nodeType="mainSeq">
-                <p:childTnLst>
-                  <p:par>
-                    <p:cTn id="3" fill="hold">
-                      <p:stCondLst>
-                        <p:cond delay="indefinite"/>
-                      </p:stCondLst>
-                      <p:childTnLst>
-                        <p:par>
-                          <p:cTn id="4" fill="hold">
-                            <p:stCondLst>
-                              <p:cond delay="0"/>
-                            </p:stCondLst>
-                            <p:childTnLst>
-                              <p:par>
-                                <p:cTn id="5" presetID="14" presetClass="entr" presetSubtype="10" fill="hold" nodeType="clickEffect">
-                                  <p:stCondLst>
-                                    <p:cond delay="0"/>
-                                  </p:stCondLst>
-                                  <p:childTnLst>
-                                    <p:set>
-                                      <p:cBhvr>
-                                        <p:cTn id="6" dur="1" fill="hold">
-                                          <p:stCondLst>
-                                            <p:cond delay="0"/>
-                                          </p:stCondLst>
-                                        </p:cTn>
-                                        <p:tgtEl>
-                                          <p:spTgt spid="3"/>
-                                        </p:tgtEl>
-                                        <p:attrNameLst>
-                                          <p:attrName>style.visibility</p:attrName>
-                                        </p:attrNameLst>
-                                      </p:cBhvr>
-                                      <p:to>
-                                        <p:strVal val="visible"/>
-                                      </p:to>
-                                    </p:set>
-                                    <p:animEffect transition="in" filter="randombar(horizontal)">
-                                      <p:cBhvr>
-                                        <p:cTn id="7" dur="500"/>
-                                        <p:tgtEl>
-                                          <p:spTgt spid="3"/>
-                                        </p:tgtEl>
-                                      </p:cBhvr>
-                                    </p:animEffect>
-                                  </p:childTnLst>
-                                </p:cTn>
-                              </p:par>
-                            </p:childTnLst>
-                          </p:cTn>
-                        </p:par>
-                      </p:childTnLst>
-                    </p:cTn>
-                  </p:par>
-                  <p:par>
-                    <p:cTn id="8" fill="hold">
-                      <p:stCondLst>
-                        <p:cond delay="indefinite"/>
-                      </p:stCondLst>
-                      <p:childTnLst>
-                        <p:par>
-                          <p:cTn id="9" fill="hold">
-                            <p:stCondLst>
-                              <p:cond delay="0"/>
-                            </p:stCondLst>
-                            <p:childTnLst>
-                              <p:par>
-                                <p:cTn id="10" presetID="4" presetClass="entr" presetSubtype="16" fill="hold" nodeType="clickEffect">
-                                  <p:stCondLst>
-                                    <p:cond delay="0"/>
-                                  </p:stCondLst>
-                                  <p:childTnLst>
-                                    <p:set>
-                                      <p:cBhvr>
-                                        <p:cTn id="11" dur="1" fill="hold">
-                                          <p:stCondLst>
-                                            <p:cond delay="0"/>
-                                          </p:stCondLst>
-                                        </p:cTn>
-                                        <p:tgtEl>
-                                          <p:spTgt spid="9"/>
-                                        </p:tgtEl>
-                                        <p:attrNameLst>
-                                          <p:attrName>style.visibility</p:attrName>
-                                        </p:attrNameLst>
-                                      </p:cBhvr>
-                                      <p:to>
-                                        <p:strVal val="visible"/>
-                                      </p:to>
-                                    </p:set>
-                                    <p:animEffect transition="in" filter="box(in)">
-                                      <p:cBhvr>
-                                        <p:cTn id="12" dur="1000"/>
-                                        <p:tgtEl>
-                                          <p:spTgt spid="9"/>
-                                        </p:tgtEl>
-                                      </p:cBhvr>
-                                    </p:animEffect>
-                                  </p:childTnLst>
-                                </p:cTn>
-                              </p:par>
-                            </p:childTnLst>
-                          </p:cTn>
-                        </p:par>
-                      </p:childTnLst>
-                    </p:cTn>
-                  </p:par>
-                </p:childTnLst>
-              </p:cTn>
-              <p:prevCondLst>
-                <p:cond evt="onPrev" delay="0">
-                  <p:tgtEl>
-                    <p:sldTgt/>
-                  </p:tgtEl>
-                </p:cond>
-              </p:prevCondLst>
-              <p:nextCondLst>
-                <p:cond evt="onNext" delay="0">
-                  <p:tgtEl>
-                    <p:sldTgt/>
-                  </p:tgtEl>
-                </p:cond>
-              </p:nextCondLst>
-            </p:seq>
-          </p:childTnLst>
-        </p:cTn>
-      </p:par>
-    </p:tnLst>
-  </p:timing>
-</p:sld>
-</file>
-
-<file path=ppt/slides/slide9.xml><?xml version="1.0" encoding="utf-8"?>
-<p:sld xmlns:a="http://schemas.openxmlformats.org/drawingml/2006/main" xmlns:r="http://schemas.openxmlformats.org/officeDocument/2006/relationships" xmlns:p="http://schemas.openxmlformats.org/presentationml/2006/main">
-  <p:cSld>
-    <p:spTree>
-      <p:nvGrpSpPr>
-        <p:cNvPr id="1" name=""/>
-        <p:cNvGrpSpPr/>
-        <p:nvPr/>
-      </p:nvGrpSpPr>
-      <p:grpSpPr>
-        <a:xfrm>
-          <a:off x="0" y="0"/>
-          <a:ext cx="0" cy="0"/>
-          <a:chOff x="0" y="0"/>
-          <a:chExt cx="0" cy="0"/>
-        </a:xfrm>
-      </p:grpSpPr>
-      <p:sp>
-        <p:nvSpPr>
-          <p:cNvPr id="4" name="Title 3"/>
-          <p:cNvSpPr>
-            <a:spLocks noGrp="1"/>
-          </p:cNvSpPr>
-          <p:nvPr>
-            <p:ph type="title"/>
-          </p:nvPr>
-        </p:nvSpPr>
-        <p:spPr/>
-        <p:txBody>
-          <a:bodyPr/>
-          <a:lstStyle/>
-          <a:p>
-            <a:r>
-              <a:rPr lang="ko-KR" altLang="en-US" dirty="0" smtClean="0"/>
-              <a:t>생성자란</a:t>
-            </a:r>
-            <a:r>
-              <a:rPr lang="en-US" altLang="ko-KR" dirty="0" smtClean="0"/>
-              <a:t>??</a:t>
-            </a:r>
-            <a:endParaRPr lang="en-US" dirty="0"/>
-          </a:p>
-        </p:txBody>
-      </p:sp>
-      <p:sp>
-        <p:nvSpPr>
-          <p:cNvPr id="8" name="Slide Number Placeholder 7"/>
-          <p:cNvSpPr>
-            <a:spLocks noGrp="1"/>
-          </p:cNvSpPr>
-          <p:nvPr>
-            <p:ph type="sldNum" sz="quarter" idx="12"/>
-          </p:nvPr>
-        </p:nvSpPr>
-        <p:spPr/>
-        <p:txBody>
-          <a:bodyPr/>
-          <a:lstStyle/>
-          <a:p>
-            <a:fld id="{FA3EE389-E41A-49AC-9975-3D3899FF737D}" type="slidenum">
-              <a:rPr lang="en-US" smtClean="0"/>
-              <a:t>9</a:t>
-            </a:fld>
-            <a:endParaRPr lang="en-US"/>
-          </a:p>
-        </p:txBody>
-      </p:sp>
-      <p:pic>
-        <p:nvPicPr>
-          <p:cNvPr id="3" name="그림 2"/>
-          <p:cNvPicPr>
-            <a:picLocks noChangeAspect="1"/>
-          </p:cNvPicPr>
-          <p:nvPr/>
-        </p:nvPicPr>
-        <p:blipFill>
-          <a:blip r:embed="rId3"/>
-          <a:stretch>
-            <a:fillRect/>
-          </a:stretch>
-        </p:blipFill>
-        <p:spPr>
-          <a:xfrm>
-            <a:off x="838201" y="1623219"/>
-            <a:ext cx="2161456" cy="1506741"/>
-          </a:xfrm>
-          <a:prstGeom prst="rect">
-            <a:avLst/>
-          </a:prstGeom>
-        </p:spPr>
-      </p:pic>
-      <p:pic>
-        <p:nvPicPr>
-          <p:cNvPr id="9" name="그림 8"/>
-          <p:cNvPicPr>
-            <a:picLocks noChangeAspect="1"/>
-          </p:cNvPicPr>
-          <p:nvPr/>
-        </p:nvPicPr>
-        <p:blipFill>
-          <a:blip r:embed="rId4"/>
-          <a:stretch>
-            <a:fillRect/>
-          </a:stretch>
-        </p:blipFill>
-        <p:spPr>
-          <a:xfrm>
-            <a:off x="838200" y="3306085"/>
-            <a:ext cx="7511752" cy="1779099"/>
-          </a:xfrm>
-          <a:prstGeom prst="rect">
-            <a:avLst/>
-          </a:prstGeom>
-        </p:spPr>
-      </p:pic>
-      <p:pic>
-        <p:nvPicPr>
-          <p:cNvPr id="10" name="그림 9"/>
+          <p:cNvPr id="7" name="그림 6"/>
           <p:cNvPicPr>
             <a:picLocks noChangeAspect="1"/>
           </p:cNvPicPr>
@@ -46542,8 +48032,95 @@
         </p:blipFill>
         <p:spPr>
           <a:xfrm>
-            <a:off x="3719736" y="2305257"/>
-            <a:ext cx="3762375" cy="276225"/>
+            <a:off x="4511824" y="2708920"/>
+            <a:ext cx="3886200" cy="619125"/>
+          </a:xfrm>
+          <a:prstGeom prst="rect">
+            <a:avLst/>
+          </a:prstGeom>
+        </p:spPr>
+      </p:pic>
+      <p:grpSp>
+        <p:nvGrpSpPr>
+          <p:cNvPr id="14" name="그룹 13"/>
+          <p:cNvGrpSpPr/>
+          <p:nvPr/>
+        </p:nvGrpSpPr>
+        <p:grpSpPr>
+          <a:xfrm>
+            <a:off x="836901" y="1481708"/>
+            <a:ext cx="6046695" cy="4683596"/>
+            <a:chOff x="836901" y="1481708"/>
+            <a:chExt cx="6046695" cy="4683596"/>
+          </a:xfrm>
+        </p:grpSpPr>
+        <p:pic>
+          <p:nvPicPr>
+            <p:cNvPr id="10" name="그림 9"/>
+            <p:cNvPicPr>
+              <a:picLocks noChangeAspect="1"/>
+            </p:cNvPicPr>
+            <p:nvPr/>
+          </p:nvPicPr>
+          <p:blipFill>
+            <a:blip r:embed="rId6"/>
+            <a:stretch>
+              <a:fillRect/>
+            </a:stretch>
+          </p:blipFill>
+          <p:spPr>
+            <a:xfrm>
+              <a:off x="838199" y="1481708"/>
+              <a:ext cx="2757904" cy="2016223"/>
+            </a:xfrm>
+            <a:prstGeom prst="rect">
+              <a:avLst/>
+            </a:prstGeom>
+          </p:spPr>
+        </p:pic>
+        <p:pic>
+          <p:nvPicPr>
+            <p:cNvPr id="11" name="그림 10"/>
+            <p:cNvPicPr>
+              <a:picLocks noChangeAspect="1"/>
+            </p:cNvPicPr>
+            <p:nvPr/>
+          </p:nvPicPr>
+          <p:blipFill>
+            <a:blip r:embed="rId7"/>
+            <a:stretch>
+              <a:fillRect/>
+            </a:stretch>
+          </p:blipFill>
+          <p:spPr>
+            <a:xfrm>
+              <a:off x="836901" y="3505264"/>
+              <a:ext cx="6046695" cy="2660040"/>
+            </a:xfrm>
+            <a:prstGeom prst="rect">
+              <a:avLst/>
+            </a:prstGeom>
+          </p:spPr>
+        </p:pic>
+      </p:grpSp>
+      <p:pic>
+        <p:nvPicPr>
+          <p:cNvPr id="15" name="그림 14"/>
+          <p:cNvPicPr>
+            <a:picLocks noChangeAspect="1"/>
+          </p:cNvPicPr>
+          <p:nvPr/>
+        </p:nvPicPr>
+        <p:blipFill>
+          <a:blip r:embed="rId8"/>
+          <a:stretch>
+            <a:fillRect/>
+          </a:stretch>
+        </p:blipFill>
+        <p:spPr>
+          <a:xfrm>
+            <a:off x="4473724" y="2718444"/>
+            <a:ext cx="3924300" cy="600075"/>
           </a:xfrm>
           <a:prstGeom prst="rect">
             <a:avLst/>
@@ -46552,7 +48129,7 @@
       </p:pic>
       <p:sp>
         <p:nvSpPr>
-          <p:cNvPr id="5" name="직사각형 4"/>
+          <p:cNvPr id="16" name="직사각형 15"/>
           <p:cNvSpPr/>
           <p:nvPr/>
         </p:nvSpPr>
@@ -46596,11 +48173,7 @@
             <a:pPr algn="ctr"/>
             <a:r>
               <a:rPr lang="ko-KR" altLang="en-US" sz="3600" dirty="0" smtClean="0"/>
-              <a:t>인자가 없는 </a:t>
-            </a:r>
-            <a:r>
-              <a:rPr lang="ko-KR" altLang="en-US" sz="3600" dirty="0" err="1" smtClean="0"/>
-              <a:t>생성자</a:t>
+              <a:t>클래스 변수</a:t>
             </a:r>
             <a:endParaRPr lang="ko-KR" altLang="en-US" sz="3600" dirty="0"/>
           </a:p>
@@ -46609,7 +48182,7 @@
     </p:spTree>
     <p:extLst>
       <p:ext uri="{BB962C8B-B14F-4D97-AF65-F5344CB8AC3E}">
-        <p14:creationId xmlns:p14="http://schemas.microsoft.com/office/powerpoint/2010/main" val="1306459254"/>
+        <p14:creationId xmlns:p14="http://schemas.microsoft.com/office/powerpoint/2010/main" val="1053579648"/>
       </p:ext>
     </p:extLst>
   </p:cSld>
@@ -46650,7 +48223,7 @@
                                           </p:stCondLst>
                                         </p:cTn>
                                         <p:tgtEl>
-                                          <p:spTgt spid="3"/>
+                                          <p:spTgt spid="6"/>
                                         </p:tgtEl>
                                         <p:attrNameLst>
                                           <p:attrName>style.visibility</p:attrName>
@@ -46664,7 +48237,7 @@
                                       <p:cBhvr>
                                         <p:cTn id="7" dur="500"/>
                                         <p:tgtEl>
-                                          <p:spTgt spid="3"/>
+                                          <p:spTgt spid="6"/>
                                         </p:tgtEl>
                                       </p:cBhvr>
                                     </p:animEffect>
@@ -46690,7 +48263,7 @@
                             </p:stCondLst>
                             <p:childTnLst>
                               <p:par>
-                                <p:cTn id="10" presetID="10" presetClass="entr" presetSubtype="0" fill="hold" nodeType="clickEffect">
+                                <p:cTn id="10" presetID="53" presetClass="entr" presetSubtype="16" fill="hold" nodeType="clickEffect">
                                   <p:stCondLst>
                                     <p:cond delay="0"/>
                                   </p:stCondLst>
@@ -46703,60 +48276,7 @@
                                           </p:stCondLst>
                                         </p:cTn>
                                         <p:tgtEl>
-                                          <p:spTgt spid="9"/>
-                                        </p:tgtEl>
-                                        <p:attrNameLst>
-                                          <p:attrName>style.visibility</p:attrName>
-                                        </p:attrNameLst>
-                                      </p:cBhvr>
-                                      <p:to>
-                                        <p:strVal val="visible"/>
-                                      </p:to>
-                                    </p:set>
-                                    <p:animEffect transition="in" filter="fade">
-                                      <p:cBhvr>
-                                        <p:cTn id="12" dur="500"/>
-                                        <p:tgtEl>
-                                          <p:spTgt spid="9"/>
-                                        </p:tgtEl>
-                                      </p:cBhvr>
-                                    </p:animEffect>
-                                  </p:childTnLst>
-                                </p:cTn>
-                              </p:par>
-                            </p:childTnLst>
-                          </p:cTn>
-                        </p:par>
-                      </p:childTnLst>
-                    </p:cTn>
-                  </p:par>
-                  <p:par>
-                    <p:cTn id="13" fill="hold">
-                      <p:stCondLst>
-                        <p:cond delay="indefinite"/>
-                      </p:stCondLst>
-                      <p:childTnLst>
-                        <p:par>
-                          <p:cTn id="14" fill="hold">
-                            <p:stCondLst>
-                              <p:cond delay="0"/>
-                            </p:stCondLst>
-                            <p:childTnLst>
-                              <p:par>
-                                <p:cTn id="15" presetID="53" presetClass="entr" presetSubtype="16" fill="hold" nodeType="clickEffect">
-                                  <p:stCondLst>
-                                    <p:cond delay="0"/>
-                                  </p:stCondLst>
-                                  <p:childTnLst>
-                                    <p:set>
-                                      <p:cBhvr>
-                                        <p:cTn id="16" dur="1" fill="hold">
-                                          <p:stCondLst>
-                                            <p:cond delay="0"/>
-                                          </p:stCondLst>
-                                        </p:cTn>
-                                        <p:tgtEl>
-                                          <p:spTgt spid="10"/>
+                                          <p:spTgt spid="7"/>
                                         </p:tgtEl>
                                         <p:attrNameLst>
                                           <p:attrName>style.visibility</p:attrName>
@@ -46768,9 +48288,9 @@
                                     </p:set>
                                     <p:anim calcmode="lin" valueType="num">
                                       <p:cBhvr>
-                                        <p:cTn id="17" dur="500" fill="hold"/>
+                                        <p:cTn id="12" dur="500" fill="hold"/>
                                         <p:tgtEl>
-                                          <p:spTgt spid="10"/>
+                                          <p:spTgt spid="7"/>
                                         </p:tgtEl>
                                         <p:attrNameLst>
                                           <p:attrName>ppt_w</p:attrName>
@@ -46791,9 +48311,9 @@
                                     </p:anim>
                                     <p:anim calcmode="lin" valueType="num">
                                       <p:cBhvr>
-                                        <p:cTn id="18" dur="500" fill="hold"/>
+                                        <p:cTn id="13" dur="500" fill="hold"/>
                                         <p:tgtEl>
-                                          <p:spTgt spid="10"/>
+                                          <p:spTgt spid="7"/>
                                         </p:tgtEl>
                                         <p:attrNameLst>
                                           <p:attrName>ppt_h</p:attrName>
@@ -46814,9 +48334,9 @@
                                     </p:anim>
                                     <p:animEffect transition="in" filter="fade">
                                       <p:cBhvr>
-                                        <p:cTn id="19" dur="500"/>
+                                        <p:cTn id="14" dur="500"/>
                                         <p:tgtEl>
-                                          <p:spTgt spid="10"/>
+                                          <p:spTgt spid="7"/>
                                         </p:tgtEl>
                                       </p:cBhvr>
                                     </p:animEffect>
@@ -46830,32 +48350,32 @@
                     </p:cTn>
                   </p:par>
                   <p:par>
-                    <p:cTn id="20" fill="hold">
+                    <p:cTn id="15" fill="hold">
                       <p:stCondLst>
                         <p:cond delay="indefinite"/>
                       </p:stCondLst>
                       <p:childTnLst>
                         <p:par>
-                          <p:cTn id="21" fill="hold">
+                          <p:cTn id="16" fill="hold">
                             <p:stCondLst>
                               <p:cond delay="0"/>
                             </p:stCondLst>
                             <p:childTnLst>
                               <p:par>
-                                <p:cTn id="22" presetID="26" presetClass="entr" presetSubtype="0" fill="hold" grpId="0" nodeType="clickEffect">
+                                <p:cTn id="17" presetID="26" presetClass="entr" presetSubtype="0" fill="hold" nodeType="clickEffect">
                                   <p:stCondLst>
                                     <p:cond delay="0"/>
                                   </p:stCondLst>
                                   <p:childTnLst>
                                     <p:set>
                                       <p:cBhvr>
-                                        <p:cTn id="23" dur="1" fill="hold">
+                                        <p:cTn id="18" dur="1" fill="hold">
                                           <p:stCondLst>
                                             <p:cond delay="0"/>
                                           </p:stCondLst>
                                         </p:cTn>
                                         <p:tgtEl>
-                                          <p:spTgt spid="5"/>
+                                          <p:spTgt spid="14"/>
                                         </p:tgtEl>
                                         <p:attrNameLst>
                                           <p:attrName>style.visibility</p:attrName>
@@ -46867,25 +48387,25 @@
                                     </p:set>
                                     <p:animEffect transition="in" filter="wipe(down)">
                                       <p:cBhvr>
-                                        <p:cTn id="24" dur="290">
+                                        <p:cTn id="19" dur="290">
                                           <p:stCondLst>
                                             <p:cond delay="0"/>
                                           </p:stCondLst>
                                         </p:cTn>
                                         <p:tgtEl>
-                                          <p:spTgt spid="5"/>
+                                          <p:spTgt spid="14"/>
                                         </p:tgtEl>
                                       </p:cBhvr>
                                     </p:animEffect>
                                     <p:anim calcmode="lin" valueType="num">
                                       <p:cBhvr>
-                                        <p:cTn id="25" dur="911" tmFilter="0,0; 0.14,0.36; 0.43,0.73; 0.71,0.91; 1.0,1.0">
+                                        <p:cTn id="20" dur="911" tmFilter="0,0; 0.14,0.36; 0.43,0.73; 0.71,0.91; 1.0,1.0">
                                           <p:stCondLst>
                                             <p:cond delay="0"/>
                                           </p:stCondLst>
                                         </p:cTn>
                                         <p:tgtEl>
-                                          <p:spTgt spid="5"/>
+                                          <p:spTgt spid="14"/>
                                         </p:tgtEl>
                                         <p:attrNameLst>
                                           <p:attrName>ppt_x</p:attrName>
@@ -46906,13 +48426,13 @@
                                     </p:anim>
                                     <p:anim calcmode="lin" valueType="num">
                                       <p:cBhvr>
-                                        <p:cTn id="26" dur="332" tmFilter="0.0,0.0; 0.25,0.07; 0.50,0.2; 0.75,0.467; 1.0,1.0">
+                                        <p:cTn id="21" dur="332" tmFilter="0.0,0.0; 0.25,0.07; 0.50,0.2; 0.75,0.467; 1.0,1.0">
                                           <p:stCondLst>
                                             <p:cond delay="0"/>
                                           </p:stCondLst>
                                         </p:cTn>
                                         <p:tgtEl>
-                                          <p:spTgt spid="5"/>
+                                          <p:spTgt spid="14"/>
                                         </p:tgtEl>
                                         <p:attrNameLst>
                                           <p:attrName>ppt_y</p:attrName>
@@ -46933,13 +48453,13 @@
                                     </p:anim>
                                     <p:anim calcmode="lin" valueType="num">
                                       <p:cBhvr>
-                                        <p:cTn id="27" dur="332" tmFilter="0, 0; 0.125,0.2665; 0.25,0.4; 0.375,0.465; 0.5,0.5;  0.625,0.535; 0.75,0.6; 0.875,0.7335; 1,1">
+                                        <p:cTn id="22" dur="332" tmFilter="0, 0; 0.125,0.2665; 0.25,0.4; 0.375,0.465; 0.5,0.5;  0.625,0.535; 0.75,0.6; 0.875,0.7335; 1,1">
                                           <p:stCondLst>
                                             <p:cond delay="332"/>
                                           </p:stCondLst>
                                         </p:cTn>
                                         <p:tgtEl>
-                                          <p:spTgt spid="5"/>
+                                          <p:spTgt spid="14"/>
                                         </p:tgtEl>
                                         <p:attrNameLst>
                                           <p:attrName>ppt_y</p:attrName>
@@ -46960,13 +48480,13 @@
                                     </p:anim>
                                     <p:anim calcmode="lin" valueType="num">
                                       <p:cBhvr>
-                                        <p:cTn id="28" dur="166" tmFilter="0, 0; 0.125,0.2665; 0.25,0.4; 0.375,0.465; 0.5,0.5;  0.625,0.535; 0.75,0.6; 0.875,0.7335; 1,1">
+                                        <p:cTn id="23" dur="166" tmFilter="0, 0; 0.125,0.2665; 0.25,0.4; 0.375,0.465; 0.5,0.5;  0.625,0.535; 0.75,0.6; 0.875,0.7335; 1,1">
                                           <p:stCondLst>
                                             <p:cond delay="662"/>
                                           </p:stCondLst>
                                         </p:cTn>
                                         <p:tgtEl>
-                                          <p:spTgt spid="5"/>
+                                          <p:spTgt spid="14"/>
                                         </p:tgtEl>
                                         <p:attrNameLst>
                                           <p:attrName>ppt_y</p:attrName>
@@ -46987,13 +48507,13 @@
                                     </p:anim>
                                     <p:anim calcmode="lin" valueType="num">
                                       <p:cBhvr>
-                                        <p:cTn id="29" dur="82" tmFilter="0, 0; 0.125,0.2665; 0.25,0.4; 0.375,0.465; 0.5,0.5;  0.625,0.535; 0.75,0.6; 0.875,0.7335; 1,1">
+                                        <p:cTn id="24" dur="82" tmFilter="0, 0; 0.125,0.2665; 0.25,0.4; 0.375,0.465; 0.5,0.5;  0.625,0.535; 0.75,0.6; 0.875,0.7335; 1,1">
                                           <p:stCondLst>
                                             <p:cond delay="828"/>
                                           </p:stCondLst>
                                         </p:cTn>
                                         <p:tgtEl>
-                                          <p:spTgt spid="5"/>
+                                          <p:spTgt spid="14"/>
                                         </p:tgtEl>
                                         <p:attrNameLst>
                                           <p:attrName>ppt_y</p:attrName>
@@ -47014,104 +48534,696 @@
                                     </p:anim>
                                     <p:animScale>
                                       <p:cBhvr>
-                                        <p:cTn id="30" dur="13">
+                                        <p:cTn id="25" dur="13">
                                           <p:stCondLst>
                                             <p:cond delay="325"/>
                                           </p:stCondLst>
                                         </p:cTn>
                                         <p:tgtEl>
-                                          <p:spTgt spid="5"/>
+                                          <p:spTgt spid="14"/>
                                         </p:tgtEl>
                                       </p:cBhvr>
                                       <p:to x="100000" y="60000"/>
                                     </p:animScale>
                                     <p:animScale>
                                       <p:cBhvr>
-                                        <p:cTn id="31" dur="83" decel="50000">
+                                        <p:cTn id="26" dur="83" decel="50000">
                                           <p:stCondLst>
                                             <p:cond delay="338"/>
                                           </p:stCondLst>
                                         </p:cTn>
                                         <p:tgtEl>
-                                          <p:spTgt spid="5"/>
+                                          <p:spTgt spid="14"/>
                                         </p:tgtEl>
                                       </p:cBhvr>
                                       <p:to x="100000" y="100000"/>
                                     </p:animScale>
                                     <p:animScale>
                                       <p:cBhvr>
-                                        <p:cTn id="32" dur="13">
+                                        <p:cTn id="27" dur="13">
                                           <p:stCondLst>
                                             <p:cond delay="656"/>
                                           </p:stCondLst>
                                         </p:cTn>
                                         <p:tgtEl>
-                                          <p:spTgt spid="5"/>
+                                          <p:spTgt spid="14"/>
                                         </p:tgtEl>
                                       </p:cBhvr>
                                       <p:to x="100000" y="80000"/>
                                     </p:animScale>
                                     <p:animScale>
                                       <p:cBhvr>
-                                        <p:cTn id="33" dur="83" decel="50000">
+                                        <p:cTn id="28" dur="83" decel="50000">
                                           <p:stCondLst>
                                             <p:cond delay="669"/>
                                           </p:stCondLst>
                                         </p:cTn>
                                         <p:tgtEl>
-                                          <p:spTgt spid="5"/>
+                                          <p:spTgt spid="14"/>
                                         </p:tgtEl>
                                       </p:cBhvr>
                                       <p:to x="100000" y="100000"/>
                                     </p:animScale>
                                     <p:animScale>
                                       <p:cBhvr>
-                                        <p:cTn id="34" dur="13">
+                                        <p:cTn id="29" dur="13">
                                           <p:stCondLst>
                                             <p:cond delay="821"/>
                                           </p:stCondLst>
                                         </p:cTn>
                                         <p:tgtEl>
-                                          <p:spTgt spid="5"/>
+                                          <p:spTgt spid="14"/>
                                         </p:tgtEl>
                                       </p:cBhvr>
                                       <p:to x="100000" y="90000"/>
                                     </p:animScale>
                                     <p:animScale>
                                       <p:cBhvr>
-                                        <p:cTn id="35" dur="83" decel="50000">
+                                        <p:cTn id="30" dur="83" decel="50000">
                                           <p:stCondLst>
                                             <p:cond delay="834"/>
                                           </p:stCondLst>
                                         </p:cTn>
                                         <p:tgtEl>
-                                          <p:spTgt spid="5"/>
+                                          <p:spTgt spid="14"/>
                                         </p:tgtEl>
                                       </p:cBhvr>
                                       <p:to x="100000" y="100000"/>
                                     </p:animScale>
                                     <p:animScale>
                                       <p:cBhvr>
-                                        <p:cTn id="36" dur="13">
+                                        <p:cTn id="31" dur="13">
                                           <p:stCondLst>
                                             <p:cond delay="904"/>
                                           </p:stCondLst>
                                         </p:cTn>
                                         <p:tgtEl>
-                                          <p:spTgt spid="5"/>
+                                          <p:spTgt spid="14"/>
                                         </p:tgtEl>
                                       </p:cBhvr>
                                       <p:to x="100000" y="95000"/>
                                     </p:animScale>
                                     <p:animScale>
                                       <p:cBhvr>
-                                        <p:cTn id="37" dur="83" decel="50000">
+                                        <p:cTn id="32" dur="83" decel="50000">
                                           <p:stCondLst>
                                             <p:cond delay="917"/>
                                           </p:stCondLst>
                                         </p:cTn>
                                         <p:tgtEl>
-                                          <p:spTgt spid="5"/>
+                                          <p:spTgt spid="14"/>
+                                        </p:tgtEl>
+                                      </p:cBhvr>
+                                      <p:to x="100000" y="100000"/>
+                                    </p:animScale>
+                                  </p:childTnLst>
+                                </p:cTn>
+                              </p:par>
+                            </p:childTnLst>
+                          </p:cTn>
+                        </p:par>
+                      </p:childTnLst>
+                    </p:cTn>
+                  </p:par>
+                  <p:par>
+                    <p:cTn id="33" fill="hold">
+                      <p:stCondLst>
+                        <p:cond delay="indefinite"/>
+                      </p:stCondLst>
+                      <p:childTnLst>
+                        <p:par>
+                          <p:cTn id="34" fill="hold">
+                            <p:stCondLst>
+                              <p:cond delay="0"/>
+                            </p:stCondLst>
+                            <p:childTnLst>
+                              <p:par>
+                                <p:cTn id="35" presetID="26" presetClass="entr" presetSubtype="0" fill="hold" nodeType="clickEffect">
+                                  <p:stCondLst>
+                                    <p:cond delay="0"/>
+                                  </p:stCondLst>
+                                  <p:childTnLst>
+                                    <p:set>
+                                      <p:cBhvr>
+                                        <p:cTn id="36" dur="1" fill="hold">
+                                          <p:stCondLst>
+                                            <p:cond delay="0"/>
+                                          </p:stCondLst>
+                                        </p:cTn>
+                                        <p:tgtEl>
+                                          <p:spTgt spid="15"/>
+                                        </p:tgtEl>
+                                        <p:attrNameLst>
+                                          <p:attrName>style.visibility</p:attrName>
+                                        </p:attrNameLst>
+                                      </p:cBhvr>
+                                      <p:to>
+                                        <p:strVal val="visible"/>
+                                      </p:to>
+                                    </p:set>
+                                    <p:animEffect transition="in" filter="wipe(down)">
+                                      <p:cBhvr>
+                                        <p:cTn id="37" dur="290">
+                                          <p:stCondLst>
+                                            <p:cond delay="0"/>
+                                          </p:stCondLst>
+                                        </p:cTn>
+                                        <p:tgtEl>
+                                          <p:spTgt spid="15"/>
+                                        </p:tgtEl>
+                                      </p:cBhvr>
+                                    </p:animEffect>
+                                    <p:anim calcmode="lin" valueType="num">
+                                      <p:cBhvr>
+                                        <p:cTn id="38" dur="911" tmFilter="0,0; 0.14,0.36; 0.43,0.73; 0.71,0.91; 1.0,1.0">
+                                          <p:stCondLst>
+                                            <p:cond delay="0"/>
+                                          </p:stCondLst>
+                                        </p:cTn>
+                                        <p:tgtEl>
+                                          <p:spTgt spid="15"/>
+                                        </p:tgtEl>
+                                        <p:attrNameLst>
+                                          <p:attrName>ppt_x</p:attrName>
+                                        </p:attrNameLst>
+                                      </p:cBhvr>
+                                      <p:tavLst>
+                                        <p:tav tm="0">
+                                          <p:val>
+                                            <p:strVal val="#ppt_x-0.25"/>
+                                          </p:val>
+                                        </p:tav>
+                                        <p:tav tm="100000">
+                                          <p:val>
+                                            <p:strVal val="#ppt_x"/>
+                                          </p:val>
+                                        </p:tav>
+                                      </p:tavLst>
+                                    </p:anim>
+                                    <p:anim calcmode="lin" valueType="num">
+                                      <p:cBhvr>
+                                        <p:cTn id="39" dur="332" tmFilter="0.0,0.0; 0.25,0.07; 0.50,0.2; 0.75,0.467; 1.0,1.0">
+                                          <p:stCondLst>
+                                            <p:cond delay="0"/>
+                                          </p:stCondLst>
+                                        </p:cTn>
+                                        <p:tgtEl>
+                                          <p:spTgt spid="15"/>
+                                        </p:tgtEl>
+                                        <p:attrNameLst>
+                                          <p:attrName>ppt_y</p:attrName>
+                                        </p:attrNameLst>
+                                      </p:cBhvr>
+                                      <p:tavLst>
+                                        <p:tav tm="0" fmla="#ppt_y-sin(pi*$)/3">
+                                          <p:val>
+                                            <p:fltVal val="0.5"/>
+                                          </p:val>
+                                        </p:tav>
+                                        <p:tav tm="100000">
+                                          <p:val>
+                                            <p:fltVal val="1"/>
+                                          </p:val>
+                                        </p:tav>
+                                      </p:tavLst>
+                                    </p:anim>
+                                    <p:anim calcmode="lin" valueType="num">
+                                      <p:cBhvr>
+                                        <p:cTn id="40" dur="332" tmFilter="0, 0; 0.125,0.2665; 0.25,0.4; 0.375,0.465; 0.5,0.5;  0.625,0.535; 0.75,0.6; 0.875,0.7335; 1,1">
+                                          <p:stCondLst>
+                                            <p:cond delay="332"/>
+                                          </p:stCondLst>
+                                        </p:cTn>
+                                        <p:tgtEl>
+                                          <p:spTgt spid="15"/>
+                                        </p:tgtEl>
+                                        <p:attrNameLst>
+                                          <p:attrName>ppt_y</p:attrName>
+                                        </p:attrNameLst>
+                                      </p:cBhvr>
+                                      <p:tavLst>
+                                        <p:tav tm="0" fmla="#ppt_y-sin(pi*$)/9">
+                                          <p:val>
+                                            <p:fltVal val="0"/>
+                                          </p:val>
+                                        </p:tav>
+                                        <p:tav tm="100000">
+                                          <p:val>
+                                            <p:fltVal val="1"/>
+                                          </p:val>
+                                        </p:tav>
+                                      </p:tavLst>
+                                    </p:anim>
+                                    <p:anim calcmode="lin" valueType="num">
+                                      <p:cBhvr>
+                                        <p:cTn id="41" dur="166" tmFilter="0, 0; 0.125,0.2665; 0.25,0.4; 0.375,0.465; 0.5,0.5;  0.625,0.535; 0.75,0.6; 0.875,0.7335; 1,1">
+                                          <p:stCondLst>
+                                            <p:cond delay="662"/>
+                                          </p:stCondLst>
+                                        </p:cTn>
+                                        <p:tgtEl>
+                                          <p:spTgt spid="15"/>
+                                        </p:tgtEl>
+                                        <p:attrNameLst>
+                                          <p:attrName>ppt_y</p:attrName>
+                                        </p:attrNameLst>
+                                      </p:cBhvr>
+                                      <p:tavLst>
+                                        <p:tav tm="0" fmla="#ppt_y-sin(pi*$)/27">
+                                          <p:val>
+                                            <p:fltVal val="0"/>
+                                          </p:val>
+                                        </p:tav>
+                                        <p:tav tm="100000">
+                                          <p:val>
+                                            <p:fltVal val="1"/>
+                                          </p:val>
+                                        </p:tav>
+                                      </p:tavLst>
+                                    </p:anim>
+                                    <p:anim calcmode="lin" valueType="num">
+                                      <p:cBhvr>
+                                        <p:cTn id="42" dur="82" tmFilter="0, 0; 0.125,0.2665; 0.25,0.4; 0.375,0.465; 0.5,0.5;  0.625,0.535; 0.75,0.6; 0.875,0.7335; 1,1">
+                                          <p:stCondLst>
+                                            <p:cond delay="828"/>
+                                          </p:stCondLst>
+                                        </p:cTn>
+                                        <p:tgtEl>
+                                          <p:spTgt spid="15"/>
+                                        </p:tgtEl>
+                                        <p:attrNameLst>
+                                          <p:attrName>ppt_y</p:attrName>
+                                        </p:attrNameLst>
+                                      </p:cBhvr>
+                                      <p:tavLst>
+                                        <p:tav tm="0" fmla="#ppt_y-sin(pi*$)/81">
+                                          <p:val>
+                                            <p:fltVal val="0"/>
+                                          </p:val>
+                                        </p:tav>
+                                        <p:tav tm="100000">
+                                          <p:val>
+                                            <p:fltVal val="1"/>
+                                          </p:val>
+                                        </p:tav>
+                                      </p:tavLst>
+                                    </p:anim>
+                                    <p:animScale>
+                                      <p:cBhvr>
+                                        <p:cTn id="43" dur="13">
+                                          <p:stCondLst>
+                                            <p:cond delay="325"/>
+                                          </p:stCondLst>
+                                        </p:cTn>
+                                        <p:tgtEl>
+                                          <p:spTgt spid="15"/>
+                                        </p:tgtEl>
+                                      </p:cBhvr>
+                                      <p:to x="100000" y="60000"/>
+                                    </p:animScale>
+                                    <p:animScale>
+                                      <p:cBhvr>
+                                        <p:cTn id="44" dur="83" decel="50000">
+                                          <p:stCondLst>
+                                            <p:cond delay="338"/>
+                                          </p:stCondLst>
+                                        </p:cTn>
+                                        <p:tgtEl>
+                                          <p:spTgt spid="15"/>
+                                        </p:tgtEl>
+                                      </p:cBhvr>
+                                      <p:to x="100000" y="100000"/>
+                                    </p:animScale>
+                                    <p:animScale>
+                                      <p:cBhvr>
+                                        <p:cTn id="45" dur="13">
+                                          <p:stCondLst>
+                                            <p:cond delay="656"/>
+                                          </p:stCondLst>
+                                        </p:cTn>
+                                        <p:tgtEl>
+                                          <p:spTgt spid="15"/>
+                                        </p:tgtEl>
+                                      </p:cBhvr>
+                                      <p:to x="100000" y="80000"/>
+                                    </p:animScale>
+                                    <p:animScale>
+                                      <p:cBhvr>
+                                        <p:cTn id="46" dur="83" decel="50000">
+                                          <p:stCondLst>
+                                            <p:cond delay="669"/>
+                                          </p:stCondLst>
+                                        </p:cTn>
+                                        <p:tgtEl>
+                                          <p:spTgt spid="15"/>
+                                        </p:tgtEl>
+                                      </p:cBhvr>
+                                      <p:to x="100000" y="100000"/>
+                                    </p:animScale>
+                                    <p:animScale>
+                                      <p:cBhvr>
+                                        <p:cTn id="47" dur="13">
+                                          <p:stCondLst>
+                                            <p:cond delay="821"/>
+                                          </p:stCondLst>
+                                        </p:cTn>
+                                        <p:tgtEl>
+                                          <p:spTgt spid="15"/>
+                                        </p:tgtEl>
+                                      </p:cBhvr>
+                                      <p:to x="100000" y="90000"/>
+                                    </p:animScale>
+                                    <p:animScale>
+                                      <p:cBhvr>
+                                        <p:cTn id="48" dur="83" decel="50000">
+                                          <p:stCondLst>
+                                            <p:cond delay="834"/>
+                                          </p:stCondLst>
+                                        </p:cTn>
+                                        <p:tgtEl>
+                                          <p:spTgt spid="15"/>
+                                        </p:tgtEl>
+                                      </p:cBhvr>
+                                      <p:to x="100000" y="100000"/>
+                                    </p:animScale>
+                                    <p:animScale>
+                                      <p:cBhvr>
+                                        <p:cTn id="49" dur="13">
+                                          <p:stCondLst>
+                                            <p:cond delay="904"/>
+                                          </p:stCondLst>
+                                        </p:cTn>
+                                        <p:tgtEl>
+                                          <p:spTgt spid="15"/>
+                                        </p:tgtEl>
+                                      </p:cBhvr>
+                                      <p:to x="100000" y="95000"/>
+                                    </p:animScale>
+                                    <p:animScale>
+                                      <p:cBhvr>
+                                        <p:cTn id="50" dur="83" decel="50000">
+                                          <p:stCondLst>
+                                            <p:cond delay="917"/>
+                                          </p:stCondLst>
+                                        </p:cTn>
+                                        <p:tgtEl>
+                                          <p:spTgt spid="15"/>
+                                        </p:tgtEl>
+                                      </p:cBhvr>
+                                      <p:to x="100000" y="100000"/>
+                                    </p:animScale>
+                                  </p:childTnLst>
+                                </p:cTn>
+                              </p:par>
+                            </p:childTnLst>
+                          </p:cTn>
+                        </p:par>
+                      </p:childTnLst>
+                    </p:cTn>
+                  </p:par>
+                  <p:par>
+                    <p:cTn id="51" fill="hold">
+                      <p:stCondLst>
+                        <p:cond delay="indefinite"/>
+                      </p:stCondLst>
+                      <p:childTnLst>
+                        <p:par>
+                          <p:cTn id="52" fill="hold">
+                            <p:stCondLst>
+                              <p:cond delay="0"/>
+                            </p:stCondLst>
+                            <p:childTnLst>
+                              <p:par>
+                                <p:cTn id="53" presetID="26" presetClass="entr" presetSubtype="0" fill="hold" grpId="0" nodeType="clickEffect">
+                                  <p:stCondLst>
+                                    <p:cond delay="0"/>
+                                  </p:stCondLst>
+                                  <p:childTnLst>
+                                    <p:set>
+                                      <p:cBhvr>
+                                        <p:cTn id="54" dur="1" fill="hold">
+                                          <p:stCondLst>
+                                            <p:cond delay="0"/>
+                                          </p:stCondLst>
+                                        </p:cTn>
+                                        <p:tgtEl>
+                                          <p:spTgt spid="16"/>
+                                        </p:tgtEl>
+                                        <p:attrNameLst>
+                                          <p:attrName>style.visibility</p:attrName>
+                                        </p:attrNameLst>
+                                      </p:cBhvr>
+                                      <p:to>
+                                        <p:strVal val="visible"/>
+                                      </p:to>
+                                    </p:set>
+                                    <p:animEffect transition="in" filter="wipe(down)">
+                                      <p:cBhvr>
+                                        <p:cTn id="55" dur="290">
+                                          <p:stCondLst>
+                                            <p:cond delay="0"/>
+                                          </p:stCondLst>
+                                        </p:cTn>
+                                        <p:tgtEl>
+                                          <p:spTgt spid="16"/>
+                                        </p:tgtEl>
+                                      </p:cBhvr>
+                                    </p:animEffect>
+                                    <p:anim calcmode="lin" valueType="num">
+                                      <p:cBhvr>
+                                        <p:cTn id="56" dur="911" tmFilter="0,0; 0.14,0.36; 0.43,0.73; 0.71,0.91; 1.0,1.0">
+                                          <p:stCondLst>
+                                            <p:cond delay="0"/>
+                                          </p:stCondLst>
+                                        </p:cTn>
+                                        <p:tgtEl>
+                                          <p:spTgt spid="16"/>
+                                        </p:tgtEl>
+                                        <p:attrNameLst>
+                                          <p:attrName>ppt_x</p:attrName>
+                                        </p:attrNameLst>
+                                      </p:cBhvr>
+                                      <p:tavLst>
+                                        <p:tav tm="0">
+                                          <p:val>
+                                            <p:strVal val="#ppt_x-0.25"/>
+                                          </p:val>
+                                        </p:tav>
+                                        <p:tav tm="100000">
+                                          <p:val>
+                                            <p:strVal val="#ppt_x"/>
+                                          </p:val>
+                                        </p:tav>
+                                      </p:tavLst>
+                                    </p:anim>
+                                    <p:anim calcmode="lin" valueType="num">
+                                      <p:cBhvr>
+                                        <p:cTn id="57" dur="332" tmFilter="0.0,0.0; 0.25,0.07; 0.50,0.2; 0.75,0.467; 1.0,1.0">
+                                          <p:stCondLst>
+                                            <p:cond delay="0"/>
+                                          </p:stCondLst>
+                                        </p:cTn>
+                                        <p:tgtEl>
+                                          <p:spTgt spid="16"/>
+                                        </p:tgtEl>
+                                        <p:attrNameLst>
+                                          <p:attrName>ppt_y</p:attrName>
+                                        </p:attrNameLst>
+                                      </p:cBhvr>
+                                      <p:tavLst>
+                                        <p:tav tm="0" fmla="#ppt_y-sin(pi*$)/3">
+                                          <p:val>
+                                            <p:fltVal val="0.5"/>
+                                          </p:val>
+                                        </p:tav>
+                                        <p:tav tm="100000">
+                                          <p:val>
+                                            <p:fltVal val="1"/>
+                                          </p:val>
+                                        </p:tav>
+                                      </p:tavLst>
+                                    </p:anim>
+                                    <p:anim calcmode="lin" valueType="num">
+                                      <p:cBhvr>
+                                        <p:cTn id="58" dur="332" tmFilter="0, 0; 0.125,0.2665; 0.25,0.4; 0.375,0.465; 0.5,0.5;  0.625,0.535; 0.75,0.6; 0.875,0.7335; 1,1">
+                                          <p:stCondLst>
+                                            <p:cond delay="332"/>
+                                          </p:stCondLst>
+                                        </p:cTn>
+                                        <p:tgtEl>
+                                          <p:spTgt spid="16"/>
+                                        </p:tgtEl>
+                                        <p:attrNameLst>
+                                          <p:attrName>ppt_y</p:attrName>
+                                        </p:attrNameLst>
+                                      </p:cBhvr>
+                                      <p:tavLst>
+                                        <p:tav tm="0" fmla="#ppt_y-sin(pi*$)/9">
+                                          <p:val>
+                                            <p:fltVal val="0"/>
+                                          </p:val>
+                                        </p:tav>
+                                        <p:tav tm="100000">
+                                          <p:val>
+                                            <p:fltVal val="1"/>
+                                          </p:val>
+                                        </p:tav>
+                                      </p:tavLst>
+                                    </p:anim>
+                                    <p:anim calcmode="lin" valueType="num">
+                                      <p:cBhvr>
+                                        <p:cTn id="59" dur="166" tmFilter="0, 0; 0.125,0.2665; 0.25,0.4; 0.375,0.465; 0.5,0.5;  0.625,0.535; 0.75,0.6; 0.875,0.7335; 1,1">
+                                          <p:stCondLst>
+                                            <p:cond delay="662"/>
+                                          </p:stCondLst>
+                                        </p:cTn>
+                                        <p:tgtEl>
+                                          <p:spTgt spid="16"/>
+                                        </p:tgtEl>
+                                        <p:attrNameLst>
+                                          <p:attrName>ppt_y</p:attrName>
+                                        </p:attrNameLst>
+                                      </p:cBhvr>
+                                      <p:tavLst>
+                                        <p:tav tm="0" fmla="#ppt_y-sin(pi*$)/27">
+                                          <p:val>
+                                            <p:fltVal val="0"/>
+                                          </p:val>
+                                        </p:tav>
+                                        <p:tav tm="100000">
+                                          <p:val>
+                                            <p:fltVal val="1"/>
+                                          </p:val>
+                                        </p:tav>
+                                      </p:tavLst>
+                                    </p:anim>
+                                    <p:anim calcmode="lin" valueType="num">
+                                      <p:cBhvr>
+                                        <p:cTn id="60" dur="82" tmFilter="0, 0; 0.125,0.2665; 0.25,0.4; 0.375,0.465; 0.5,0.5;  0.625,0.535; 0.75,0.6; 0.875,0.7335; 1,1">
+                                          <p:stCondLst>
+                                            <p:cond delay="828"/>
+                                          </p:stCondLst>
+                                        </p:cTn>
+                                        <p:tgtEl>
+                                          <p:spTgt spid="16"/>
+                                        </p:tgtEl>
+                                        <p:attrNameLst>
+                                          <p:attrName>ppt_y</p:attrName>
+                                        </p:attrNameLst>
+                                      </p:cBhvr>
+                                      <p:tavLst>
+                                        <p:tav tm="0" fmla="#ppt_y-sin(pi*$)/81">
+                                          <p:val>
+                                            <p:fltVal val="0"/>
+                                          </p:val>
+                                        </p:tav>
+                                        <p:tav tm="100000">
+                                          <p:val>
+                                            <p:fltVal val="1"/>
+                                          </p:val>
+                                        </p:tav>
+                                      </p:tavLst>
+                                    </p:anim>
+                                    <p:animScale>
+                                      <p:cBhvr>
+                                        <p:cTn id="61" dur="13">
+                                          <p:stCondLst>
+                                            <p:cond delay="325"/>
+                                          </p:stCondLst>
+                                        </p:cTn>
+                                        <p:tgtEl>
+                                          <p:spTgt spid="16"/>
+                                        </p:tgtEl>
+                                      </p:cBhvr>
+                                      <p:to x="100000" y="60000"/>
+                                    </p:animScale>
+                                    <p:animScale>
+                                      <p:cBhvr>
+                                        <p:cTn id="62" dur="83" decel="50000">
+                                          <p:stCondLst>
+                                            <p:cond delay="338"/>
+                                          </p:stCondLst>
+                                        </p:cTn>
+                                        <p:tgtEl>
+                                          <p:spTgt spid="16"/>
+                                        </p:tgtEl>
+                                      </p:cBhvr>
+                                      <p:to x="100000" y="100000"/>
+                                    </p:animScale>
+                                    <p:animScale>
+                                      <p:cBhvr>
+                                        <p:cTn id="63" dur="13">
+                                          <p:stCondLst>
+                                            <p:cond delay="656"/>
+                                          </p:stCondLst>
+                                        </p:cTn>
+                                        <p:tgtEl>
+                                          <p:spTgt spid="16"/>
+                                        </p:tgtEl>
+                                      </p:cBhvr>
+                                      <p:to x="100000" y="80000"/>
+                                    </p:animScale>
+                                    <p:animScale>
+                                      <p:cBhvr>
+                                        <p:cTn id="64" dur="83" decel="50000">
+                                          <p:stCondLst>
+                                            <p:cond delay="669"/>
+                                          </p:stCondLst>
+                                        </p:cTn>
+                                        <p:tgtEl>
+                                          <p:spTgt spid="16"/>
+                                        </p:tgtEl>
+                                      </p:cBhvr>
+                                      <p:to x="100000" y="100000"/>
+                                    </p:animScale>
+                                    <p:animScale>
+                                      <p:cBhvr>
+                                        <p:cTn id="65" dur="13">
+                                          <p:stCondLst>
+                                            <p:cond delay="821"/>
+                                          </p:stCondLst>
+                                        </p:cTn>
+                                        <p:tgtEl>
+                                          <p:spTgt spid="16"/>
+                                        </p:tgtEl>
+                                      </p:cBhvr>
+                                      <p:to x="100000" y="90000"/>
+                                    </p:animScale>
+                                    <p:animScale>
+                                      <p:cBhvr>
+                                        <p:cTn id="66" dur="83" decel="50000">
+                                          <p:stCondLst>
+                                            <p:cond delay="834"/>
+                                          </p:stCondLst>
+                                        </p:cTn>
+                                        <p:tgtEl>
+                                          <p:spTgt spid="16"/>
+                                        </p:tgtEl>
+                                      </p:cBhvr>
+                                      <p:to x="100000" y="100000"/>
+                                    </p:animScale>
+                                    <p:animScale>
+                                      <p:cBhvr>
+                                        <p:cTn id="67" dur="13">
+                                          <p:stCondLst>
+                                            <p:cond delay="904"/>
+                                          </p:stCondLst>
+                                        </p:cTn>
+                                        <p:tgtEl>
+                                          <p:spTgt spid="16"/>
+                                        </p:tgtEl>
+                                      </p:cBhvr>
+                                      <p:to x="100000" y="95000"/>
+                                    </p:animScale>
+                                    <p:animScale>
+                                      <p:cBhvr>
+                                        <p:cTn id="68" dur="83" decel="50000">
+                                          <p:stCondLst>
+                                            <p:cond delay="917"/>
+                                          </p:stCondLst>
+                                        </p:cTn>
+                                        <p:tgtEl>
+                                          <p:spTgt spid="16"/>
                                         </p:tgtEl>
                                       </p:cBhvr>
                                       <p:to x="100000" y="100000"/>
@@ -47147,7 +49259,1583 @@
       </p:par>
     </p:tnLst>
     <p:bldLst>
-      <p:bldP spid="5" grpId="0" animBg="1"/>
+      <p:bldP spid="16" grpId="0" animBg="1"/>
+    </p:bldLst>
+  </p:timing>
+</p:sld>
+</file>
+
+<file path=ppt/slides/slide9.xml><?xml version="1.0" encoding="utf-8"?>
+<p:sld xmlns:a="http://schemas.openxmlformats.org/drawingml/2006/main" xmlns:r="http://schemas.openxmlformats.org/officeDocument/2006/relationships" xmlns:p="http://schemas.openxmlformats.org/presentationml/2006/main">
+  <p:cSld>
+    <p:spTree>
+      <p:nvGrpSpPr>
+        <p:cNvPr id="1" name=""/>
+        <p:cNvGrpSpPr/>
+        <p:nvPr/>
+      </p:nvGrpSpPr>
+      <p:grpSpPr>
+        <a:xfrm>
+          <a:off x="0" y="0"/>
+          <a:ext cx="0" cy="0"/>
+          <a:chOff x="0" y="0"/>
+          <a:chExt cx="0" cy="0"/>
+        </a:xfrm>
+      </p:grpSpPr>
+      <p:sp>
+        <p:nvSpPr>
+          <p:cNvPr id="4" name="Title 3"/>
+          <p:cNvSpPr>
+            <a:spLocks noGrp="1"/>
+          </p:cNvSpPr>
+          <p:nvPr>
+            <p:ph type="title"/>
+          </p:nvPr>
+        </p:nvSpPr>
+        <p:spPr/>
+        <p:txBody>
+          <a:bodyPr/>
+          <a:lstStyle/>
+          <a:p>
+            <a:r>
+              <a:rPr lang="ko-KR" altLang="en-US" dirty="0" smtClean="0"/>
+              <a:t>변수를 사용해보자</a:t>
+            </a:r>
+            <a:r>
+              <a:rPr lang="en-US" altLang="ko-KR" dirty="0" smtClean="0"/>
+              <a:t>!!</a:t>
+            </a:r>
+            <a:endParaRPr lang="en-US" dirty="0"/>
+          </a:p>
+        </p:txBody>
+      </p:sp>
+      <p:sp>
+        <p:nvSpPr>
+          <p:cNvPr id="8" name="Slide Number Placeholder 7"/>
+          <p:cNvSpPr>
+            <a:spLocks noGrp="1"/>
+          </p:cNvSpPr>
+          <p:nvPr>
+            <p:ph type="sldNum" sz="quarter" idx="12"/>
+          </p:nvPr>
+        </p:nvSpPr>
+        <p:spPr/>
+        <p:txBody>
+          <a:bodyPr/>
+          <a:lstStyle/>
+          <a:p>
+            <a:fld id="{FA3EE389-E41A-49AC-9975-3D3899FF737D}" type="slidenum">
+              <a:rPr lang="en-US" smtClean="0"/>
+              <a:t>9</a:t>
+            </a:fld>
+            <a:endParaRPr lang="en-US"/>
+          </a:p>
+        </p:txBody>
+      </p:sp>
+      <p:grpSp>
+        <p:nvGrpSpPr>
+          <p:cNvPr id="6" name="그룹 5"/>
+          <p:cNvGrpSpPr/>
+          <p:nvPr/>
+        </p:nvGrpSpPr>
+        <p:grpSpPr>
+          <a:xfrm>
+            <a:off x="837845" y="1412776"/>
+            <a:ext cx="4600429" cy="4680520"/>
+            <a:chOff x="837845" y="1412776"/>
+            <a:chExt cx="4600429" cy="4680520"/>
+          </a:xfrm>
+        </p:grpSpPr>
+        <p:pic>
+          <p:nvPicPr>
+            <p:cNvPr id="2" name="그림 1"/>
+            <p:cNvPicPr>
+              <a:picLocks noChangeAspect="1"/>
+            </p:cNvPicPr>
+            <p:nvPr/>
+          </p:nvPicPr>
+          <p:blipFill>
+            <a:blip r:embed="rId3"/>
+            <a:stretch>
+              <a:fillRect/>
+            </a:stretch>
+          </p:blipFill>
+          <p:spPr>
+            <a:xfrm>
+              <a:off x="838200" y="1412776"/>
+              <a:ext cx="4600074" cy="2664296"/>
+            </a:xfrm>
+            <a:prstGeom prst="rect">
+              <a:avLst/>
+            </a:prstGeom>
+          </p:spPr>
+        </p:pic>
+        <p:pic>
+          <p:nvPicPr>
+            <p:cNvPr id="5" name="그림 4"/>
+            <p:cNvPicPr>
+              <a:picLocks noChangeAspect="1"/>
+            </p:cNvPicPr>
+            <p:nvPr/>
+          </p:nvPicPr>
+          <p:blipFill>
+            <a:blip r:embed="rId4"/>
+            <a:stretch>
+              <a:fillRect/>
+            </a:stretch>
+          </p:blipFill>
+          <p:spPr>
+            <a:xfrm>
+              <a:off x="837845" y="4169246"/>
+              <a:ext cx="3857625" cy="1924050"/>
+            </a:xfrm>
+            <a:prstGeom prst="rect">
+              <a:avLst/>
+            </a:prstGeom>
+          </p:spPr>
+        </p:pic>
+      </p:grpSp>
+      <p:pic>
+        <p:nvPicPr>
+          <p:cNvPr id="7" name="그림 6"/>
+          <p:cNvPicPr>
+            <a:picLocks noChangeAspect="1"/>
+          </p:cNvPicPr>
+          <p:nvPr/>
+        </p:nvPicPr>
+        <p:blipFill>
+          <a:blip r:embed="rId5"/>
+          <a:stretch>
+            <a:fillRect/>
+          </a:stretch>
+        </p:blipFill>
+        <p:spPr>
+          <a:xfrm>
+            <a:off x="5735960" y="2801379"/>
+            <a:ext cx="2533650" cy="257175"/>
+          </a:xfrm>
+          <a:prstGeom prst="rect">
+            <a:avLst/>
+          </a:prstGeom>
+        </p:spPr>
+      </p:pic>
+      <p:grpSp>
+        <p:nvGrpSpPr>
+          <p:cNvPr id="12" name="그룹 11"/>
+          <p:cNvGrpSpPr/>
+          <p:nvPr/>
+        </p:nvGrpSpPr>
+        <p:grpSpPr>
+          <a:xfrm>
+            <a:off x="837844" y="1408746"/>
+            <a:ext cx="4791131" cy="4684550"/>
+            <a:chOff x="837844" y="1408746"/>
+            <a:chExt cx="4791131" cy="4684550"/>
+          </a:xfrm>
+        </p:grpSpPr>
+        <p:pic>
+          <p:nvPicPr>
+            <p:cNvPr id="10" name="그림 9"/>
+            <p:cNvPicPr>
+              <a:picLocks noChangeAspect="1"/>
+            </p:cNvPicPr>
+            <p:nvPr/>
+          </p:nvPicPr>
+          <p:blipFill>
+            <a:blip r:embed="rId6"/>
+            <a:stretch>
+              <a:fillRect/>
+            </a:stretch>
+          </p:blipFill>
+          <p:spPr>
+            <a:xfrm>
+              <a:off x="837845" y="1408746"/>
+              <a:ext cx="4791130" cy="2760500"/>
+            </a:xfrm>
+            <a:prstGeom prst="rect">
+              <a:avLst/>
+            </a:prstGeom>
+          </p:spPr>
+        </p:pic>
+        <p:pic>
+          <p:nvPicPr>
+            <p:cNvPr id="11" name="그림 10"/>
+            <p:cNvPicPr>
+              <a:picLocks noChangeAspect="1"/>
+            </p:cNvPicPr>
+            <p:nvPr/>
+          </p:nvPicPr>
+          <p:blipFill>
+            <a:blip r:embed="rId7"/>
+            <a:stretch>
+              <a:fillRect/>
+            </a:stretch>
+          </p:blipFill>
+          <p:spPr>
+            <a:xfrm>
+              <a:off x="837844" y="4178771"/>
+              <a:ext cx="3857625" cy="1914525"/>
+            </a:xfrm>
+            <a:prstGeom prst="rect">
+              <a:avLst/>
+            </a:prstGeom>
+          </p:spPr>
+        </p:pic>
+      </p:grpSp>
+      <p:pic>
+        <p:nvPicPr>
+          <p:cNvPr id="14" name="그림 13"/>
+          <p:cNvPicPr>
+            <a:picLocks noChangeAspect="1"/>
+          </p:cNvPicPr>
+          <p:nvPr/>
+        </p:nvPicPr>
+        <p:blipFill>
+          <a:blip r:embed="rId8"/>
+          <a:stretch>
+            <a:fillRect/>
+          </a:stretch>
+        </p:blipFill>
+        <p:spPr>
+          <a:xfrm>
+            <a:off x="5735960" y="2776339"/>
+            <a:ext cx="2630210" cy="231781"/>
+          </a:xfrm>
+          <a:prstGeom prst="rect">
+            <a:avLst/>
+          </a:prstGeom>
+        </p:spPr>
+      </p:pic>
+      <p:sp>
+        <p:nvSpPr>
+          <p:cNvPr id="15" name="직사각형 14"/>
+          <p:cNvSpPr/>
+          <p:nvPr/>
+        </p:nvSpPr>
+        <p:spPr>
+          <a:xfrm rot="20565529">
+            <a:off x="2711624" y="2204864"/>
+            <a:ext cx="4392488" cy="864096"/>
+          </a:xfrm>
+          <a:prstGeom prst="rect">
+            <a:avLst/>
+          </a:prstGeom>
+          <a:solidFill>
+            <a:srgbClr val="C60202"/>
+          </a:solidFill>
+          <a:ln>
+            <a:solidFill>
+              <a:schemeClr val="tx2"/>
+            </a:solidFill>
+          </a:ln>
+        </p:spPr>
+        <p:style>
+          <a:lnRef idx="2">
+            <a:schemeClr val="accent1">
+              <a:shade val="50000"/>
+            </a:schemeClr>
+          </a:lnRef>
+          <a:fillRef idx="1">
+            <a:schemeClr val="accent1"/>
+          </a:fillRef>
+          <a:effectRef idx="0">
+            <a:schemeClr val="accent1"/>
+          </a:effectRef>
+          <a:fontRef idx="minor">
+            <a:schemeClr val="lt1"/>
+          </a:fontRef>
+        </p:style>
+        <p:txBody>
+          <a:bodyPr rtlCol="0" anchor="ctr"/>
+          <a:lstStyle/>
+          <a:p>
+            <a:pPr algn="ctr"/>
+            <a:r>
+              <a:rPr lang="ko-KR" altLang="en-US" sz="3600" dirty="0" smtClean="0"/>
+              <a:t>지역 변수</a:t>
+            </a:r>
+            <a:endParaRPr lang="ko-KR" altLang="en-US" sz="3600" dirty="0"/>
+          </a:p>
+        </p:txBody>
+      </p:sp>
+    </p:spTree>
+    <p:extLst>
+      <p:ext uri="{BB962C8B-B14F-4D97-AF65-F5344CB8AC3E}">
+        <p14:creationId xmlns:p14="http://schemas.microsoft.com/office/powerpoint/2010/main" val="452423507"/>
+      </p:ext>
+    </p:extLst>
+  </p:cSld>
+  <p:clrMapOvr>
+    <a:masterClrMapping/>
+  </p:clrMapOvr>
+  <p:timing>
+    <p:tnLst>
+      <p:par>
+        <p:cTn id="1" dur="indefinite" restart="never" nodeType="tmRoot">
+          <p:childTnLst>
+            <p:seq concurrent="1" nextAc="seek">
+              <p:cTn id="2" dur="indefinite" nodeType="mainSeq">
+                <p:childTnLst>
+                  <p:par>
+                    <p:cTn id="3" fill="hold">
+                      <p:stCondLst>
+                        <p:cond delay="indefinite"/>
+                      </p:stCondLst>
+                      <p:childTnLst>
+                        <p:par>
+                          <p:cTn id="4" fill="hold">
+                            <p:stCondLst>
+                              <p:cond delay="0"/>
+                            </p:stCondLst>
+                            <p:childTnLst>
+                              <p:par>
+                                <p:cTn id="5" presetID="10" presetClass="entr" presetSubtype="0" fill="hold" nodeType="clickEffect">
+                                  <p:stCondLst>
+                                    <p:cond delay="0"/>
+                                  </p:stCondLst>
+                                  <p:childTnLst>
+                                    <p:set>
+                                      <p:cBhvr>
+                                        <p:cTn id="6" dur="1" fill="hold">
+                                          <p:stCondLst>
+                                            <p:cond delay="0"/>
+                                          </p:stCondLst>
+                                        </p:cTn>
+                                        <p:tgtEl>
+                                          <p:spTgt spid="6"/>
+                                        </p:tgtEl>
+                                        <p:attrNameLst>
+                                          <p:attrName>style.visibility</p:attrName>
+                                        </p:attrNameLst>
+                                      </p:cBhvr>
+                                      <p:to>
+                                        <p:strVal val="visible"/>
+                                      </p:to>
+                                    </p:set>
+                                    <p:animEffect transition="in" filter="fade">
+                                      <p:cBhvr>
+                                        <p:cTn id="7" dur="500"/>
+                                        <p:tgtEl>
+                                          <p:spTgt spid="6"/>
+                                        </p:tgtEl>
+                                      </p:cBhvr>
+                                    </p:animEffect>
+                                  </p:childTnLst>
+                                </p:cTn>
+                              </p:par>
+                            </p:childTnLst>
+                          </p:cTn>
+                        </p:par>
+                      </p:childTnLst>
+                    </p:cTn>
+                  </p:par>
+                  <p:par>
+                    <p:cTn id="8" fill="hold">
+                      <p:stCondLst>
+                        <p:cond delay="indefinite"/>
+                      </p:stCondLst>
+                      <p:childTnLst>
+                        <p:par>
+                          <p:cTn id="9" fill="hold">
+                            <p:stCondLst>
+                              <p:cond delay="0"/>
+                            </p:stCondLst>
+                            <p:childTnLst>
+                              <p:par>
+                                <p:cTn id="10" presetID="26" presetClass="entr" presetSubtype="0" fill="hold" nodeType="clickEffect">
+                                  <p:stCondLst>
+                                    <p:cond delay="0"/>
+                                  </p:stCondLst>
+                                  <p:childTnLst>
+                                    <p:set>
+                                      <p:cBhvr>
+                                        <p:cTn id="11" dur="1" fill="hold">
+                                          <p:stCondLst>
+                                            <p:cond delay="0"/>
+                                          </p:stCondLst>
+                                        </p:cTn>
+                                        <p:tgtEl>
+                                          <p:spTgt spid="7"/>
+                                        </p:tgtEl>
+                                        <p:attrNameLst>
+                                          <p:attrName>style.visibility</p:attrName>
+                                        </p:attrNameLst>
+                                      </p:cBhvr>
+                                      <p:to>
+                                        <p:strVal val="visible"/>
+                                      </p:to>
+                                    </p:set>
+                                    <p:animEffect transition="in" filter="wipe(down)">
+                                      <p:cBhvr>
+                                        <p:cTn id="12" dur="290">
+                                          <p:stCondLst>
+                                            <p:cond delay="0"/>
+                                          </p:stCondLst>
+                                        </p:cTn>
+                                        <p:tgtEl>
+                                          <p:spTgt spid="7"/>
+                                        </p:tgtEl>
+                                      </p:cBhvr>
+                                    </p:animEffect>
+                                    <p:anim calcmode="lin" valueType="num">
+                                      <p:cBhvr>
+                                        <p:cTn id="13" dur="911" tmFilter="0,0; 0.14,0.36; 0.43,0.73; 0.71,0.91; 1.0,1.0">
+                                          <p:stCondLst>
+                                            <p:cond delay="0"/>
+                                          </p:stCondLst>
+                                        </p:cTn>
+                                        <p:tgtEl>
+                                          <p:spTgt spid="7"/>
+                                        </p:tgtEl>
+                                        <p:attrNameLst>
+                                          <p:attrName>ppt_x</p:attrName>
+                                        </p:attrNameLst>
+                                      </p:cBhvr>
+                                      <p:tavLst>
+                                        <p:tav tm="0">
+                                          <p:val>
+                                            <p:strVal val="#ppt_x-0.25"/>
+                                          </p:val>
+                                        </p:tav>
+                                        <p:tav tm="100000">
+                                          <p:val>
+                                            <p:strVal val="#ppt_x"/>
+                                          </p:val>
+                                        </p:tav>
+                                      </p:tavLst>
+                                    </p:anim>
+                                    <p:anim calcmode="lin" valueType="num">
+                                      <p:cBhvr>
+                                        <p:cTn id="14" dur="332" tmFilter="0.0,0.0; 0.25,0.07; 0.50,0.2; 0.75,0.467; 1.0,1.0">
+                                          <p:stCondLst>
+                                            <p:cond delay="0"/>
+                                          </p:stCondLst>
+                                        </p:cTn>
+                                        <p:tgtEl>
+                                          <p:spTgt spid="7"/>
+                                        </p:tgtEl>
+                                        <p:attrNameLst>
+                                          <p:attrName>ppt_y</p:attrName>
+                                        </p:attrNameLst>
+                                      </p:cBhvr>
+                                      <p:tavLst>
+                                        <p:tav tm="0" fmla="#ppt_y-sin(pi*$)/3">
+                                          <p:val>
+                                            <p:fltVal val="0.5"/>
+                                          </p:val>
+                                        </p:tav>
+                                        <p:tav tm="100000">
+                                          <p:val>
+                                            <p:fltVal val="1"/>
+                                          </p:val>
+                                        </p:tav>
+                                      </p:tavLst>
+                                    </p:anim>
+                                    <p:anim calcmode="lin" valueType="num">
+                                      <p:cBhvr>
+                                        <p:cTn id="15" dur="332" tmFilter="0, 0; 0.125,0.2665; 0.25,0.4; 0.375,0.465; 0.5,0.5;  0.625,0.535; 0.75,0.6; 0.875,0.7335; 1,1">
+                                          <p:stCondLst>
+                                            <p:cond delay="332"/>
+                                          </p:stCondLst>
+                                        </p:cTn>
+                                        <p:tgtEl>
+                                          <p:spTgt spid="7"/>
+                                        </p:tgtEl>
+                                        <p:attrNameLst>
+                                          <p:attrName>ppt_y</p:attrName>
+                                        </p:attrNameLst>
+                                      </p:cBhvr>
+                                      <p:tavLst>
+                                        <p:tav tm="0" fmla="#ppt_y-sin(pi*$)/9">
+                                          <p:val>
+                                            <p:fltVal val="0"/>
+                                          </p:val>
+                                        </p:tav>
+                                        <p:tav tm="100000">
+                                          <p:val>
+                                            <p:fltVal val="1"/>
+                                          </p:val>
+                                        </p:tav>
+                                      </p:tavLst>
+                                    </p:anim>
+                                    <p:anim calcmode="lin" valueType="num">
+                                      <p:cBhvr>
+                                        <p:cTn id="16" dur="166" tmFilter="0, 0; 0.125,0.2665; 0.25,0.4; 0.375,0.465; 0.5,0.5;  0.625,0.535; 0.75,0.6; 0.875,0.7335; 1,1">
+                                          <p:stCondLst>
+                                            <p:cond delay="662"/>
+                                          </p:stCondLst>
+                                        </p:cTn>
+                                        <p:tgtEl>
+                                          <p:spTgt spid="7"/>
+                                        </p:tgtEl>
+                                        <p:attrNameLst>
+                                          <p:attrName>ppt_y</p:attrName>
+                                        </p:attrNameLst>
+                                      </p:cBhvr>
+                                      <p:tavLst>
+                                        <p:tav tm="0" fmla="#ppt_y-sin(pi*$)/27">
+                                          <p:val>
+                                            <p:fltVal val="0"/>
+                                          </p:val>
+                                        </p:tav>
+                                        <p:tav tm="100000">
+                                          <p:val>
+                                            <p:fltVal val="1"/>
+                                          </p:val>
+                                        </p:tav>
+                                      </p:tavLst>
+                                    </p:anim>
+                                    <p:anim calcmode="lin" valueType="num">
+                                      <p:cBhvr>
+                                        <p:cTn id="17" dur="82" tmFilter="0, 0; 0.125,0.2665; 0.25,0.4; 0.375,0.465; 0.5,0.5;  0.625,0.535; 0.75,0.6; 0.875,0.7335; 1,1">
+                                          <p:stCondLst>
+                                            <p:cond delay="828"/>
+                                          </p:stCondLst>
+                                        </p:cTn>
+                                        <p:tgtEl>
+                                          <p:spTgt spid="7"/>
+                                        </p:tgtEl>
+                                        <p:attrNameLst>
+                                          <p:attrName>ppt_y</p:attrName>
+                                        </p:attrNameLst>
+                                      </p:cBhvr>
+                                      <p:tavLst>
+                                        <p:tav tm="0" fmla="#ppt_y-sin(pi*$)/81">
+                                          <p:val>
+                                            <p:fltVal val="0"/>
+                                          </p:val>
+                                        </p:tav>
+                                        <p:tav tm="100000">
+                                          <p:val>
+                                            <p:fltVal val="1"/>
+                                          </p:val>
+                                        </p:tav>
+                                      </p:tavLst>
+                                    </p:anim>
+                                    <p:animScale>
+                                      <p:cBhvr>
+                                        <p:cTn id="18" dur="13">
+                                          <p:stCondLst>
+                                            <p:cond delay="325"/>
+                                          </p:stCondLst>
+                                        </p:cTn>
+                                        <p:tgtEl>
+                                          <p:spTgt spid="7"/>
+                                        </p:tgtEl>
+                                      </p:cBhvr>
+                                      <p:to x="100000" y="60000"/>
+                                    </p:animScale>
+                                    <p:animScale>
+                                      <p:cBhvr>
+                                        <p:cTn id="19" dur="83" decel="50000">
+                                          <p:stCondLst>
+                                            <p:cond delay="338"/>
+                                          </p:stCondLst>
+                                        </p:cTn>
+                                        <p:tgtEl>
+                                          <p:spTgt spid="7"/>
+                                        </p:tgtEl>
+                                      </p:cBhvr>
+                                      <p:to x="100000" y="100000"/>
+                                    </p:animScale>
+                                    <p:animScale>
+                                      <p:cBhvr>
+                                        <p:cTn id="20" dur="13">
+                                          <p:stCondLst>
+                                            <p:cond delay="656"/>
+                                          </p:stCondLst>
+                                        </p:cTn>
+                                        <p:tgtEl>
+                                          <p:spTgt spid="7"/>
+                                        </p:tgtEl>
+                                      </p:cBhvr>
+                                      <p:to x="100000" y="80000"/>
+                                    </p:animScale>
+                                    <p:animScale>
+                                      <p:cBhvr>
+                                        <p:cTn id="21" dur="83" decel="50000">
+                                          <p:stCondLst>
+                                            <p:cond delay="669"/>
+                                          </p:stCondLst>
+                                        </p:cTn>
+                                        <p:tgtEl>
+                                          <p:spTgt spid="7"/>
+                                        </p:tgtEl>
+                                      </p:cBhvr>
+                                      <p:to x="100000" y="100000"/>
+                                    </p:animScale>
+                                    <p:animScale>
+                                      <p:cBhvr>
+                                        <p:cTn id="22" dur="13">
+                                          <p:stCondLst>
+                                            <p:cond delay="821"/>
+                                          </p:stCondLst>
+                                        </p:cTn>
+                                        <p:tgtEl>
+                                          <p:spTgt spid="7"/>
+                                        </p:tgtEl>
+                                      </p:cBhvr>
+                                      <p:to x="100000" y="90000"/>
+                                    </p:animScale>
+                                    <p:animScale>
+                                      <p:cBhvr>
+                                        <p:cTn id="23" dur="83" decel="50000">
+                                          <p:stCondLst>
+                                            <p:cond delay="834"/>
+                                          </p:stCondLst>
+                                        </p:cTn>
+                                        <p:tgtEl>
+                                          <p:spTgt spid="7"/>
+                                        </p:tgtEl>
+                                      </p:cBhvr>
+                                      <p:to x="100000" y="100000"/>
+                                    </p:animScale>
+                                    <p:animScale>
+                                      <p:cBhvr>
+                                        <p:cTn id="24" dur="13">
+                                          <p:stCondLst>
+                                            <p:cond delay="904"/>
+                                          </p:stCondLst>
+                                        </p:cTn>
+                                        <p:tgtEl>
+                                          <p:spTgt spid="7"/>
+                                        </p:tgtEl>
+                                      </p:cBhvr>
+                                      <p:to x="100000" y="95000"/>
+                                    </p:animScale>
+                                    <p:animScale>
+                                      <p:cBhvr>
+                                        <p:cTn id="25" dur="83" decel="50000">
+                                          <p:stCondLst>
+                                            <p:cond delay="917"/>
+                                          </p:stCondLst>
+                                        </p:cTn>
+                                        <p:tgtEl>
+                                          <p:spTgt spid="7"/>
+                                        </p:tgtEl>
+                                      </p:cBhvr>
+                                      <p:to x="100000" y="100000"/>
+                                    </p:animScale>
+                                  </p:childTnLst>
+                                </p:cTn>
+                              </p:par>
+                            </p:childTnLst>
+                          </p:cTn>
+                        </p:par>
+                      </p:childTnLst>
+                    </p:cTn>
+                  </p:par>
+                  <p:par>
+                    <p:cTn id="26" fill="hold">
+                      <p:stCondLst>
+                        <p:cond delay="indefinite"/>
+                      </p:stCondLst>
+                      <p:childTnLst>
+                        <p:par>
+                          <p:cTn id="27" fill="hold">
+                            <p:stCondLst>
+                              <p:cond delay="0"/>
+                            </p:stCondLst>
+                            <p:childTnLst>
+                              <p:par>
+                                <p:cTn id="28" presetID="26" presetClass="entr" presetSubtype="0" fill="hold" nodeType="clickEffect">
+                                  <p:stCondLst>
+                                    <p:cond delay="0"/>
+                                  </p:stCondLst>
+                                  <p:childTnLst>
+                                    <p:set>
+                                      <p:cBhvr>
+                                        <p:cTn id="29" dur="1" fill="hold">
+                                          <p:stCondLst>
+                                            <p:cond delay="0"/>
+                                          </p:stCondLst>
+                                        </p:cTn>
+                                        <p:tgtEl>
+                                          <p:spTgt spid="12"/>
+                                        </p:tgtEl>
+                                        <p:attrNameLst>
+                                          <p:attrName>style.visibility</p:attrName>
+                                        </p:attrNameLst>
+                                      </p:cBhvr>
+                                      <p:to>
+                                        <p:strVal val="visible"/>
+                                      </p:to>
+                                    </p:set>
+                                    <p:animEffect transition="in" filter="wipe(down)">
+                                      <p:cBhvr>
+                                        <p:cTn id="30" dur="290">
+                                          <p:stCondLst>
+                                            <p:cond delay="0"/>
+                                          </p:stCondLst>
+                                        </p:cTn>
+                                        <p:tgtEl>
+                                          <p:spTgt spid="12"/>
+                                        </p:tgtEl>
+                                      </p:cBhvr>
+                                    </p:animEffect>
+                                    <p:anim calcmode="lin" valueType="num">
+                                      <p:cBhvr>
+                                        <p:cTn id="31" dur="911" tmFilter="0,0; 0.14,0.36; 0.43,0.73; 0.71,0.91; 1.0,1.0">
+                                          <p:stCondLst>
+                                            <p:cond delay="0"/>
+                                          </p:stCondLst>
+                                        </p:cTn>
+                                        <p:tgtEl>
+                                          <p:spTgt spid="12"/>
+                                        </p:tgtEl>
+                                        <p:attrNameLst>
+                                          <p:attrName>ppt_x</p:attrName>
+                                        </p:attrNameLst>
+                                      </p:cBhvr>
+                                      <p:tavLst>
+                                        <p:tav tm="0">
+                                          <p:val>
+                                            <p:strVal val="#ppt_x-0.25"/>
+                                          </p:val>
+                                        </p:tav>
+                                        <p:tav tm="100000">
+                                          <p:val>
+                                            <p:strVal val="#ppt_x"/>
+                                          </p:val>
+                                        </p:tav>
+                                      </p:tavLst>
+                                    </p:anim>
+                                    <p:anim calcmode="lin" valueType="num">
+                                      <p:cBhvr>
+                                        <p:cTn id="32" dur="332" tmFilter="0.0,0.0; 0.25,0.07; 0.50,0.2; 0.75,0.467; 1.0,1.0">
+                                          <p:stCondLst>
+                                            <p:cond delay="0"/>
+                                          </p:stCondLst>
+                                        </p:cTn>
+                                        <p:tgtEl>
+                                          <p:spTgt spid="12"/>
+                                        </p:tgtEl>
+                                        <p:attrNameLst>
+                                          <p:attrName>ppt_y</p:attrName>
+                                        </p:attrNameLst>
+                                      </p:cBhvr>
+                                      <p:tavLst>
+                                        <p:tav tm="0" fmla="#ppt_y-sin(pi*$)/3">
+                                          <p:val>
+                                            <p:fltVal val="0.5"/>
+                                          </p:val>
+                                        </p:tav>
+                                        <p:tav tm="100000">
+                                          <p:val>
+                                            <p:fltVal val="1"/>
+                                          </p:val>
+                                        </p:tav>
+                                      </p:tavLst>
+                                    </p:anim>
+                                    <p:anim calcmode="lin" valueType="num">
+                                      <p:cBhvr>
+                                        <p:cTn id="33" dur="332" tmFilter="0, 0; 0.125,0.2665; 0.25,0.4; 0.375,0.465; 0.5,0.5;  0.625,0.535; 0.75,0.6; 0.875,0.7335; 1,1">
+                                          <p:stCondLst>
+                                            <p:cond delay="332"/>
+                                          </p:stCondLst>
+                                        </p:cTn>
+                                        <p:tgtEl>
+                                          <p:spTgt spid="12"/>
+                                        </p:tgtEl>
+                                        <p:attrNameLst>
+                                          <p:attrName>ppt_y</p:attrName>
+                                        </p:attrNameLst>
+                                      </p:cBhvr>
+                                      <p:tavLst>
+                                        <p:tav tm="0" fmla="#ppt_y-sin(pi*$)/9">
+                                          <p:val>
+                                            <p:fltVal val="0"/>
+                                          </p:val>
+                                        </p:tav>
+                                        <p:tav tm="100000">
+                                          <p:val>
+                                            <p:fltVal val="1"/>
+                                          </p:val>
+                                        </p:tav>
+                                      </p:tavLst>
+                                    </p:anim>
+                                    <p:anim calcmode="lin" valueType="num">
+                                      <p:cBhvr>
+                                        <p:cTn id="34" dur="166" tmFilter="0, 0; 0.125,0.2665; 0.25,0.4; 0.375,0.465; 0.5,0.5;  0.625,0.535; 0.75,0.6; 0.875,0.7335; 1,1">
+                                          <p:stCondLst>
+                                            <p:cond delay="662"/>
+                                          </p:stCondLst>
+                                        </p:cTn>
+                                        <p:tgtEl>
+                                          <p:spTgt spid="12"/>
+                                        </p:tgtEl>
+                                        <p:attrNameLst>
+                                          <p:attrName>ppt_y</p:attrName>
+                                        </p:attrNameLst>
+                                      </p:cBhvr>
+                                      <p:tavLst>
+                                        <p:tav tm="0" fmla="#ppt_y-sin(pi*$)/27">
+                                          <p:val>
+                                            <p:fltVal val="0"/>
+                                          </p:val>
+                                        </p:tav>
+                                        <p:tav tm="100000">
+                                          <p:val>
+                                            <p:fltVal val="1"/>
+                                          </p:val>
+                                        </p:tav>
+                                      </p:tavLst>
+                                    </p:anim>
+                                    <p:anim calcmode="lin" valueType="num">
+                                      <p:cBhvr>
+                                        <p:cTn id="35" dur="82" tmFilter="0, 0; 0.125,0.2665; 0.25,0.4; 0.375,0.465; 0.5,0.5;  0.625,0.535; 0.75,0.6; 0.875,0.7335; 1,1">
+                                          <p:stCondLst>
+                                            <p:cond delay="828"/>
+                                          </p:stCondLst>
+                                        </p:cTn>
+                                        <p:tgtEl>
+                                          <p:spTgt spid="12"/>
+                                        </p:tgtEl>
+                                        <p:attrNameLst>
+                                          <p:attrName>ppt_y</p:attrName>
+                                        </p:attrNameLst>
+                                      </p:cBhvr>
+                                      <p:tavLst>
+                                        <p:tav tm="0" fmla="#ppt_y-sin(pi*$)/81">
+                                          <p:val>
+                                            <p:fltVal val="0"/>
+                                          </p:val>
+                                        </p:tav>
+                                        <p:tav tm="100000">
+                                          <p:val>
+                                            <p:fltVal val="1"/>
+                                          </p:val>
+                                        </p:tav>
+                                      </p:tavLst>
+                                    </p:anim>
+                                    <p:animScale>
+                                      <p:cBhvr>
+                                        <p:cTn id="36" dur="13">
+                                          <p:stCondLst>
+                                            <p:cond delay="325"/>
+                                          </p:stCondLst>
+                                        </p:cTn>
+                                        <p:tgtEl>
+                                          <p:spTgt spid="12"/>
+                                        </p:tgtEl>
+                                      </p:cBhvr>
+                                      <p:to x="100000" y="60000"/>
+                                    </p:animScale>
+                                    <p:animScale>
+                                      <p:cBhvr>
+                                        <p:cTn id="37" dur="83" decel="50000">
+                                          <p:stCondLst>
+                                            <p:cond delay="338"/>
+                                          </p:stCondLst>
+                                        </p:cTn>
+                                        <p:tgtEl>
+                                          <p:spTgt spid="12"/>
+                                        </p:tgtEl>
+                                      </p:cBhvr>
+                                      <p:to x="100000" y="100000"/>
+                                    </p:animScale>
+                                    <p:animScale>
+                                      <p:cBhvr>
+                                        <p:cTn id="38" dur="13">
+                                          <p:stCondLst>
+                                            <p:cond delay="656"/>
+                                          </p:stCondLst>
+                                        </p:cTn>
+                                        <p:tgtEl>
+                                          <p:spTgt spid="12"/>
+                                        </p:tgtEl>
+                                      </p:cBhvr>
+                                      <p:to x="100000" y="80000"/>
+                                    </p:animScale>
+                                    <p:animScale>
+                                      <p:cBhvr>
+                                        <p:cTn id="39" dur="83" decel="50000">
+                                          <p:stCondLst>
+                                            <p:cond delay="669"/>
+                                          </p:stCondLst>
+                                        </p:cTn>
+                                        <p:tgtEl>
+                                          <p:spTgt spid="12"/>
+                                        </p:tgtEl>
+                                      </p:cBhvr>
+                                      <p:to x="100000" y="100000"/>
+                                    </p:animScale>
+                                    <p:animScale>
+                                      <p:cBhvr>
+                                        <p:cTn id="40" dur="13">
+                                          <p:stCondLst>
+                                            <p:cond delay="821"/>
+                                          </p:stCondLst>
+                                        </p:cTn>
+                                        <p:tgtEl>
+                                          <p:spTgt spid="12"/>
+                                        </p:tgtEl>
+                                      </p:cBhvr>
+                                      <p:to x="100000" y="90000"/>
+                                    </p:animScale>
+                                    <p:animScale>
+                                      <p:cBhvr>
+                                        <p:cTn id="41" dur="83" decel="50000">
+                                          <p:stCondLst>
+                                            <p:cond delay="834"/>
+                                          </p:stCondLst>
+                                        </p:cTn>
+                                        <p:tgtEl>
+                                          <p:spTgt spid="12"/>
+                                        </p:tgtEl>
+                                      </p:cBhvr>
+                                      <p:to x="100000" y="100000"/>
+                                    </p:animScale>
+                                    <p:animScale>
+                                      <p:cBhvr>
+                                        <p:cTn id="42" dur="13">
+                                          <p:stCondLst>
+                                            <p:cond delay="904"/>
+                                          </p:stCondLst>
+                                        </p:cTn>
+                                        <p:tgtEl>
+                                          <p:spTgt spid="12"/>
+                                        </p:tgtEl>
+                                      </p:cBhvr>
+                                      <p:to x="100000" y="95000"/>
+                                    </p:animScale>
+                                    <p:animScale>
+                                      <p:cBhvr>
+                                        <p:cTn id="43" dur="83" decel="50000">
+                                          <p:stCondLst>
+                                            <p:cond delay="917"/>
+                                          </p:stCondLst>
+                                        </p:cTn>
+                                        <p:tgtEl>
+                                          <p:spTgt spid="12"/>
+                                        </p:tgtEl>
+                                      </p:cBhvr>
+                                      <p:to x="100000" y="100000"/>
+                                    </p:animScale>
+                                  </p:childTnLst>
+                                </p:cTn>
+                              </p:par>
+                            </p:childTnLst>
+                          </p:cTn>
+                        </p:par>
+                      </p:childTnLst>
+                    </p:cTn>
+                  </p:par>
+                  <p:par>
+                    <p:cTn id="44" fill="hold">
+                      <p:stCondLst>
+                        <p:cond delay="indefinite"/>
+                      </p:stCondLst>
+                      <p:childTnLst>
+                        <p:par>
+                          <p:cTn id="45" fill="hold">
+                            <p:stCondLst>
+                              <p:cond delay="0"/>
+                            </p:stCondLst>
+                            <p:childTnLst>
+                              <p:par>
+                                <p:cTn id="46" presetID="26" presetClass="entr" presetSubtype="0" fill="hold" nodeType="clickEffect">
+                                  <p:stCondLst>
+                                    <p:cond delay="0"/>
+                                  </p:stCondLst>
+                                  <p:childTnLst>
+                                    <p:set>
+                                      <p:cBhvr>
+                                        <p:cTn id="47" dur="1" fill="hold">
+                                          <p:stCondLst>
+                                            <p:cond delay="0"/>
+                                          </p:stCondLst>
+                                        </p:cTn>
+                                        <p:tgtEl>
+                                          <p:spTgt spid="14"/>
+                                        </p:tgtEl>
+                                        <p:attrNameLst>
+                                          <p:attrName>style.visibility</p:attrName>
+                                        </p:attrNameLst>
+                                      </p:cBhvr>
+                                      <p:to>
+                                        <p:strVal val="visible"/>
+                                      </p:to>
+                                    </p:set>
+                                    <p:animEffect transition="in" filter="wipe(down)">
+                                      <p:cBhvr>
+                                        <p:cTn id="48" dur="290">
+                                          <p:stCondLst>
+                                            <p:cond delay="0"/>
+                                          </p:stCondLst>
+                                        </p:cTn>
+                                        <p:tgtEl>
+                                          <p:spTgt spid="14"/>
+                                        </p:tgtEl>
+                                      </p:cBhvr>
+                                    </p:animEffect>
+                                    <p:anim calcmode="lin" valueType="num">
+                                      <p:cBhvr>
+                                        <p:cTn id="49" dur="911" tmFilter="0,0; 0.14,0.36; 0.43,0.73; 0.71,0.91; 1.0,1.0">
+                                          <p:stCondLst>
+                                            <p:cond delay="0"/>
+                                          </p:stCondLst>
+                                        </p:cTn>
+                                        <p:tgtEl>
+                                          <p:spTgt spid="14"/>
+                                        </p:tgtEl>
+                                        <p:attrNameLst>
+                                          <p:attrName>ppt_x</p:attrName>
+                                        </p:attrNameLst>
+                                      </p:cBhvr>
+                                      <p:tavLst>
+                                        <p:tav tm="0">
+                                          <p:val>
+                                            <p:strVal val="#ppt_x-0.25"/>
+                                          </p:val>
+                                        </p:tav>
+                                        <p:tav tm="100000">
+                                          <p:val>
+                                            <p:strVal val="#ppt_x"/>
+                                          </p:val>
+                                        </p:tav>
+                                      </p:tavLst>
+                                    </p:anim>
+                                    <p:anim calcmode="lin" valueType="num">
+                                      <p:cBhvr>
+                                        <p:cTn id="50" dur="332" tmFilter="0.0,0.0; 0.25,0.07; 0.50,0.2; 0.75,0.467; 1.0,1.0">
+                                          <p:stCondLst>
+                                            <p:cond delay="0"/>
+                                          </p:stCondLst>
+                                        </p:cTn>
+                                        <p:tgtEl>
+                                          <p:spTgt spid="14"/>
+                                        </p:tgtEl>
+                                        <p:attrNameLst>
+                                          <p:attrName>ppt_y</p:attrName>
+                                        </p:attrNameLst>
+                                      </p:cBhvr>
+                                      <p:tavLst>
+                                        <p:tav tm="0" fmla="#ppt_y-sin(pi*$)/3">
+                                          <p:val>
+                                            <p:fltVal val="0.5"/>
+                                          </p:val>
+                                        </p:tav>
+                                        <p:tav tm="100000">
+                                          <p:val>
+                                            <p:fltVal val="1"/>
+                                          </p:val>
+                                        </p:tav>
+                                      </p:tavLst>
+                                    </p:anim>
+                                    <p:anim calcmode="lin" valueType="num">
+                                      <p:cBhvr>
+                                        <p:cTn id="51" dur="332" tmFilter="0, 0; 0.125,0.2665; 0.25,0.4; 0.375,0.465; 0.5,0.5;  0.625,0.535; 0.75,0.6; 0.875,0.7335; 1,1">
+                                          <p:stCondLst>
+                                            <p:cond delay="332"/>
+                                          </p:stCondLst>
+                                        </p:cTn>
+                                        <p:tgtEl>
+                                          <p:spTgt spid="14"/>
+                                        </p:tgtEl>
+                                        <p:attrNameLst>
+                                          <p:attrName>ppt_y</p:attrName>
+                                        </p:attrNameLst>
+                                      </p:cBhvr>
+                                      <p:tavLst>
+                                        <p:tav tm="0" fmla="#ppt_y-sin(pi*$)/9">
+                                          <p:val>
+                                            <p:fltVal val="0"/>
+                                          </p:val>
+                                        </p:tav>
+                                        <p:tav tm="100000">
+                                          <p:val>
+                                            <p:fltVal val="1"/>
+                                          </p:val>
+                                        </p:tav>
+                                      </p:tavLst>
+                                    </p:anim>
+                                    <p:anim calcmode="lin" valueType="num">
+                                      <p:cBhvr>
+                                        <p:cTn id="52" dur="166" tmFilter="0, 0; 0.125,0.2665; 0.25,0.4; 0.375,0.465; 0.5,0.5;  0.625,0.535; 0.75,0.6; 0.875,0.7335; 1,1">
+                                          <p:stCondLst>
+                                            <p:cond delay="662"/>
+                                          </p:stCondLst>
+                                        </p:cTn>
+                                        <p:tgtEl>
+                                          <p:spTgt spid="14"/>
+                                        </p:tgtEl>
+                                        <p:attrNameLst>
+                                          <p:attrName>ppt_y</p:attrName>
+                                        </p:attrNameLst>
+                                      </p:cBhvr>
+                                      <p:tavLst>
+                                        <p:tav tm="0" fmla="#ppt_y-sin(pi*$)/27">
+                                          <p:val>
+                                            <p:fltVal val="0"/>
+                                          </p:val>
+                                        </p:tav>
+                                        <p:tav tm="100000">
+                                          <p:val>
+                                            <p:fltVal val="1"/>
+                                          </p:val>
+                                        </p:tav>
+                                      </p:tavLst>
+                                    </p:anim>
+                                    <p:anim calcmode="lin" valueType="num">
+                                      <p:cBhvr>
+                                        <p:cTn id="53" dur="82" tmFilter="0, 0; 0.125,0.2665; 0.25,0.4; 0.375,0.465; 0.5,0.5;  0.625,0.535; 0.75,0.6; 0.875,0.7335; 1,1">
+                                          <p:stCondLst>
+                                            <p:cond delay="828"/>
+                                          </p:stCondLst>
+                                        </p:cTn>
+                                        <p:tgtEl>
+                                          <p:spTgt spid="14"/>
+                                        </p:tgtEl>
+                                        <p:attrNameLst>
+                                          <p:attrName>ppt_y</p:attrName>
+                                        </p:attrNameLst>
+                                      </p:cBhvr>
+                                      <p:tavLst>
+                                        <p:tav tm="0" fmla="#ppt_y-sin(pi*$)/81">
+                                          <p:val>
+                                            <p:fltVal val="0"/>
+                                          </p:val>
+                                        </p:tav>
+                                        <p:tav tm="100000">
+                                          <p:val>
+                                            <p:fltVal val="1"/>
+                                          </p:val>
+                                        </p:tav>
+                                      </p:tavLst>
+                                    </p:anim>
+                                    <p:animScale>
+                                      <p:cBhvr>
+                                        <p:cTn id="54" dur="13">
+                                          <p:stCondLst>
+                                            <p:cond delay="325"/>
+                                          </p:stCondLst>
+                                        </p:cTn>
+                                        <p:tgtEl>
+                                          <p:spTgt spid="14"/>
+                                        </p:tgtEl>
+                                      </p:cBhvr>
+                                      <p:to x="100000" y="60000"/>
+                                    </p:animScale>
+                                    <p:animScale>
+                                      <p:cBhvr>
+                                        <p:cTn id="55" dur="83" decel="50000">
+                                          <p:stCondLst>
+                                            <p:cond delay="338"/>
+                                          </p:stCondLst>
+                                        </p:cTn>
+                                        <p:tgtEl>
+                                          <p:spTgt spid="14"/>
+                                        </p:tgtEl>
+                                      </p:cBhvr>
+                                      <p:to x="100000" y="100000"/>
+                                    </p:animScale>
+                                    <p:animScale>
+                                      <p:cBhvr>
+                                        <p:cTn id="56" dur="13">
+                                          <p:stCondLst>
+                                            <p:cond delay="656"/>
+                                          </p:stCondLst>
+                                        </p:cTn>
+                                        <p:tgtEl>
+                                          <p:spTgt spid="14"/>
+                                        </p:tgtEl>
+                                      </p:cBhvr>
+                                      <p:to x="100000" y="80000"/>
+                                    </p:animScale>
+                                    <p:animScale>
+                                      <p:cBhvr>
+                                        <p:cTn id="57" dur="83" decel="50000">
+                                          <p:stCondLst>
+                                            <p:cond delay="669"/>
+                                          </p:stCondLst>
+                                        </p:cTn>
+                                        <p:tgtEl>
+                                          <p:spTgt spid="14"/>
+                                        </p:tgtEl>
+                                      </p:cBhvr>
+                                      <p:to x="100000" y="100000"/>
+                                    </p:animScale>
+                                    <p:animScale>
+                                      <p:cBhvr>
+                                        <p:cTn id="58" dur="13">
+                                          <p:stCondLst>
+                                            <p:cond delay="821"/>
+                                          </p:stCondLst>
+                                        </p:cTn>
+                                        <p:tgtEl>
+                                          <p:spTgt spid="14"/>
+                                        </p:tgtEl>
+                                      </p:cBhvr>
+                                      <p:to x="100000" y="90000"/>
+                                    </p:animScale>
+                                    <p:animScale>
+                                      <p:cBhvr>
+                                        <p:cTn id="59" dur="83" decel="50000">
+                                          <p:stCondLst>
+                                            <p:cond delay="834"/>
+                                          </p:stCondLst>
+                                        </p:cTn>
+                                        <p:tgtEl>
+                                          <p:spTgt spid="14"/>
+                                        </p:tgtEl>
+                                      </p:cBhvr>
+                                      <p:to x="100000" y="100000"/>
+                                    </p:animScale>
+                                    <p:animScale>
+                                      <p:cBhvr>
+                                        <p:cTn id="60" dur="13">
+                                          <p:stCondLst>
+                                            <p:cond delay="904"/>
+                                          </p:stCondLst>
+                                        </p:cTn>
+                                        <p:tgtEl>
+                                          <p:spTgt spid="14"/>
+                                        </p:tgtEl>
+                                      </p:cBhvr>
+                                      <p:to x="100000" y="95000"/>
+                                    </p:animScale>
+                                    <p:animScale>
+                                      <p:cBhvr>
+                                        <p:cTn id="61" dur="83" decel="50000">
+                                          <p:stCondLst>
+                                            <p:cond delay="917"/>
+                                          </p:stCondLst>
+                                        </p:cTn>
+                                        <p:tgtEl>
+                                          <p:spTgt spid="14"/>
+                                        </p:tgtEl>
+                                      </p:cBhvr>
+                                      <p:to x="100000" y="100000"/>
+                                    </p:animScale>
+                                  </p:childTnLst>
+                                </p:cTn>
+                              </p:par>
+                            </p:childTnLst>
+                          </p:cTn>
+                        </p:par>
+                      </p:childTnLst>
+                    </p:cTn>
+                  </p:par>
+                  <p:par>
+                    <p:cTn id="62" fill="hold">
+                      <p:stCondLst>
+                        <p:cond delay="indefinite"/>
+                      </p:stCondLst>
+                      <p:childTnLst>
+                        <p:par>
+                          <p:cTn id="63" fill="hold">
+                            <p:stCondLst>
+                              <p:cond delay="0"/>
+                            </p:stCondLst>
+                            <p:childTnLst>
+                              <p:par>
+                                <p:cTn id="64" presetID="26" presetClass="entr" presetSubtype="0" fill="hold" grpId="0" nodeType="clickEffect">
+                                  <p:stCondLst>
+                                    <p:cond delay="0"/>
+                                  </p:stCondLst>
+                                  <p:childTnLst>
+                                    <p:set>
+                                      <p:cBhvr>
+                                        <p:cTn id="65" dur="1" fill="hold">
+                                          <p:stCondLst>
+                                            <p:cond delay="0"/>
+                                          </p:stCondLst>
+                                        </p:cTn>
+                                        <p:tgtEl>
+                                          <p:spTgt spid="15"/>
+                                        </p:tgtEl>
+                                        <p:attrNameLst>
+                                          <p:attrName>style.visibility</p:attrName>
+                                        </p:attrNameLst>
+                                      </p:cBhvr>
+                                      <p:to>
+                                        <p:strVal val="visible"/>
+                                      </p:to>
+                                    </p:set>
+                                    <p:animEffect transition="in" filter="wipe(down)">
+                                      <p:cBhvr>
+                                        <p:cTn id="66" dur="290">
+                                          <p:stCondLst>
+                                            <p:cond delay="0"/>
+                                          </p:stCondLst>
+                                        </p:cTn>
+                                        <p:tgtEl>
+                                          <p:spTgt spid="15"/>
+                                        </p:tgtEl>
+                                      </p:cBhvr>
+                                    </p:animEffect>
+                                    <p:anim calcmode="lin" valueType="num">
+                                      <p:cBhvr>
+                                        <p:cTn id="67" dur="911" tmFilter="0,0; 0.14,0.36; 0.43,0.73; 0.71,0.91; 1.0,1.0">
+                                          <p:stCondLst>
+                                            <p:cond delay="0"/>
+                                          </p:stCondLst>
+                                        </p:cTn>
+                                        <p:tgtEl>
+                                          <p:spTgt spid="15"/>
+                                        </p:tgtEl>
+                                        <p:attrNameLst>
+                                          <p:attrName>ppt_x</p:attrName>
+                                        </p:attrNameLst>
+                                      </p:cBhvr>
+                                      <p:tavLst>
+                                        <p:tav tm="0">
+                                          <p:val>
+                                            <p:strVal val="#ppt_x-0.25"/>
+                                          </p:val>
+                                        </p:tav>
+                                        <p:tav tm="100000">
+                                          <p:val>
+                                            <p:strVal val="#ppt_x"/>
+                                          </p:val>
+                                        </p:tav>
+                                      </p:tavLst>
+                                    </p:anim>
+                                    <p:anim calcmode="lin" valueType="num">
+                                      <p:cBhvr>
+                                        <p:cTn id="68" dur="332" tmFilter="0.0,0.0; 0.25,0.07; 0.50,0.2; 0.75,0.467; 1.0,1.0">
+                                          <p:stCondLst>
+                                            <p:cond delay="0"/>
+                                          </p:stCondLst>
+                                        </p:cTn>
+                                        <p:tgtEl>
+                                          <p:spTgt spid="15"/>
+                                        </p:tgtEl>
+                                        <p:attrNameLst>
+                                          <p:attrName>ppt_y</p:attrName>
+                                        </p:attrNameLst>
+                                      </p:cBhvr>
+                                      <p:tavLst>
+                                        <p:tav tm="0" fmla="#ppt_y-sin(pi*$)/3">
+                                          <p:val>
+                                            <p:fltVal val="0.5"/>
+                                          </p:val>
+                                        </p:tav>
+                                        <p:tav tm="100000">
+                                          <p:val>
+                                            <p:fltVal val="1"/>
+                                          </p:val>
+                                        </p:tav>
+                                      </p:tavLst>
+                                    </p:anim>
+                                    <p:anim calcmode="lin" valueType="num">
+                                      <p:cBhvr>
+                                        <p:cTn id="69" dur="332" tmFilter="0, 0; 0.125,0.2665; 0.25,0.4; 0.375,0.465; 0.5,0.5;  0.625,0.535; 0.75,0.6; 0.875,0.7335; 1,1">
+                                          <p:stCondLst>
+                                            <p:cond delay="332"/>
+                                          </p:stCondLst>
+                                        </p:cTn>
+                                        <p:tgtEl>
+                                          <p:spTgt spid="15"/>
+                                        </p:tgtEl>
+                                        <p:attrNameLst>
+                                          <p:attrName>ppt_y</p:attrName>
+                                        </p:attrNameLst>
+                                      </p:cBhvr>
+                                      <p:tavLst>
+                                        <p:tav tm="0" fmla="#ppt_y-sin(pi*$)/9">
+                                          <p:val>
+                                            <p:fltVal val="0"/>
+                                          </p:val>
+                                        </p:tav>
+                                        <p:tav tm="100000">
+                                          <p:val>
+                                            <p:fltVal val="1"/>
+                                          </p:val>
+                                        </p:tav>
+                                      </p:tavLst>
+                                    </p:anim>
+                                    <p:anim calcmode="lin" valueType="num">
+                                      <p:cBhvr>
+                                        <p:cTn id="70" dur="166" tmFilter="0, 0; 0.125,0.2665; 0.25,0.4; 0.375,0.465; 0.5,0.5;  0.625,0.535; 0.75,0.6; 0.875,0.7335; 1,1">
+                                          <p:stCondLst>
+                                            <p:cond delay="662"/>
+                                          </p:stCondLst>
+                                        </p:cTn>
+                                        <p:tgtEl>
+                                          <p:spTgt spid="15"/>
+                                        </p:tgtEl>
+                                        <p:attrNameLst>
+                                          <p:attrName>ppt_y</p:attrName>
+                                        </p:attrNameLst>
+                                      </p:cBhvr>
+                                      <p:tavLst>
+                                        <p:tav tm="0" fmla="#ppt_y-sin(pi*$)/27">
+                                          <p:val>
+                                            <p:fltVal val="0"/>
+                                          </p:val>
+                                        </p:tav>
+                                        <p:tav tm="100000">
+                                          <p:val>
+                                            <p:fltVal val="1"/>
+                                          </p:val>
+                                        </p:tav>
+                                      </p:tavLst>
+                                    </p:anim>
+                                    <p:anim calcmode="lin" valueType="num">
+                                      <p:cBhvr>
+                                        <p:cTn id="71" dur="82" tmFilter="0, 0; 0.125,0.2665; 0.25,0.4; 0.375,0.465; 0.5,0.5;  0.625,0.535; 0.75,0.6; 0.875,0.7335; 1,1">
+                                          <p:stCondLst>
+                                            <p:cond delay="828"/>
+                                          </p:stCondLst>
+                                        </p:cTn>
+                                        <p:tgtEl>
+                                          <p:spTgt spid="15"/>
+                                        </p:tgtEl>
+                                        <p:attrNameLst>
+                                          <p:attrName>ppt_y</p:attrName>
+                                        </p:attrNameLst>
+                                      </p:cBhvr>
+                                      <p:tavLst>
+                                        <p:tav tm="0" fmla="#ppt_y-sin(pi*$)/81">
+                                          <p:val>
+                                            <p:fltVal val="0"/>
+                                          </p:val>
+                                        </p:tav>
+                                        <p:tav tm="100000">
+                                          <p:val>
+                                            <p:fltVal val="1"/>
+                                          </p:val>
+                                        </p:tav>
+                                      </p:tavLst>
+                                    </p:anim>
+                                    <p:animScale>
+                                      <p:cBhvr>
+                                        <p:cTn id="72" dur="13">
+                                          <p:stCondLst>
+                                            <p:cond delay="325"/>
+                                          </p:stCondLst>
+                                        </p:cTn>
+                                        <p:tgtEl>
+                                          <p:spTgt spid="15"/>
+                                        </p:tgtEl>
+                                      </p:cBhvr>
+                                      <p:to x="100000" y="60000"/>
+                                    </p:animScale>
+                                    <p:animScale>
+                                      <p:cBhvr>
+                                        <p:cTn id="73" dur="83" decel="50000">
+                                          <p:stCondLst>
+                                            <p:cond delay="338"/>
+                                          </p:stCondLst>
+                                        </p:cTn>
+                                        <p:tgtEl>
+                                          <p:spTgt spid="15"/>
+                                        </p:tgtEl>
+                                      </p:cBhvr>
+                                      <p:to x="100000" y="100000"/>
+                                    </p:animScale>
+                                    <p:animScale>
+                                      <p:cBhvr>
+                                        <p:cTn id="74" dur="13">
+                                          <p:stCondLst>
+                                            <p:cond delay="656"/>
+                                          </p:stCondLst>
+                                        </p:cTn>
+                                        <p:tgtEl>
+                                          <p:spTgt spid="15"/>
+                                        </p:tgtEl>
+                                      </p:cBhvr>
+                                      <p:to x="100000" y="80000"/>
+                                    </p:animScale>
+                                    <p:animScale>
+                                      <p:cBhvr>
+                                        <p:cTn id="75" dur="83" decel="50000">
+                                          <p:stCondLst>
+                                            <p:cond delay="669"/>
+                                          </p:stCondLst>
+                                        </p:cTn>
+                                        <p:tgtEl>
+                                          <p:spTgt spid="15"/>
+                                        </p:tgtEl>
+                                      </p:cBhvr>
+                                      <p:to x="100000" y="100000"/>
+                                    </p:animScale>
+                                    <p:animScale>
+                                      <p:cBhvr>
+                                        <p:cTn id="76" dur="13">
+                                          <p:stCondLst>
+                                            <p:cond delay="821"/>
+                                          </p:stCondLst>
+                                        </p:cTn>
+                                        <p:tgtEl>
+                                          <p:spTgt spid="15"/>
+                                        </p:tgtEl>
+                                      </p:cBhvr>
+                                      <p:to x="100000" y="90000"/>
+                                    </p:animScale>
+                                    <p:animScale>
+                                      <p:cBhvr>
+                                        <p:cTn id="77" dur="83" decel="50000">
+                                          <p:stCondLst>
+                                            <p:cond delay="834"/>
+                                          </p:stCondLst>
+                                        </p:cTn>
+                                        <p:tgtEl>
+                                          <p:spTgt spid="15"/>
+                                        </p:tgtEl>
+                                      </p:cBhvr>
+                                      <p:to x="100000" y="100000"/>
+                                    </p:animScale>
+                                    <p:animScale>
+                                      <p:cBhvr>
+                                        <p:cTn id="78" dur="13">
+                                          <p:stCondLst>
+                                            <p:cond delay="904"/>
+                                          </p:stCondLst>
+                                        </p:cTn>
+                                        <p:tgtEl>
+                                          <p:spTgt spid="15"/>
+                                        </p:tgtEl>
+                                      </p:cBhvr>
+                                      <p:to x="100000" y="95000"/>
+                                    </p:animScale>
+                                    <p:animScale>
+                                      <p:cBhvr>
+                                        <p:cTn id="79" dur="83" decel="50000">
+                                          <p:stCondLst>
+                                            <p:cond delay="917"/>
+                                          </p:stCondLst>
+                                        </p:cTn>
+                                        <p:tgtEl>
+                                          <p:spTgt spid="15"/>
+                                        </p:tgtEl>
+                                      </p:cBhvr>
+                                      <p:to x="100000" y="100000"/>
+                                    </p:animScale>
+                                  </p:childTnLst>
+                                </p:cTn>
+                              </p:par>
+                            </p:childTnLst>
+                          </p:cTn>
+                        </p:par>
+                      </p:childTnLst>
+                    </p:cTn>
+                  </p:par>
+                </p:childTnLst>
+              </p:cTn>
+              <p:prevCondLst>
+                <p:cond evt="onPrev" delay="0">
+                  <p:tgtEl>
+                    <p:sldTgt/>
+                  </p:tgtEl>
+                </p:cond>
+              </p:prevCondLst>
+              <p:nextCondLst>
+                <p:cond evt="onNext" delay="0">
+                  <p:tgtEl>
+                    <p:sldTgt/>
+                  </p:tgtEl>
+                </p:cond>
+              </p:nextCondLst>
+            </p:seq>
+          </p:childTnLst>
+        </p:cTn>
+      </p:par>
+    </p:tnLst>
+    <p:bldLst>
+      <p:bldP spid="15" grpId="0" animBg="1"/>
     </p:bldLst>
   </p:timing>
 </p:sld>
